--- a/ML Migration.pptx
+++ b/ML Migration.pptx
@@ -4,17 +4,22 @@
   <p:sldMasterIdLst>
     <p:sldMasterId id="2147483648" r:id="rId1"/>
   </p:sldMasterIdLst>
+  <p:notesMasterIdLst>
+    <p:notesMasterId r:id="rId14"/>
+  </p:notesMasterIdLst>
   <p:sldIdLst>
     <p:sldId id="256" r:id="rId2"/>
     <p:sldId id="257" r:id="rId3"/>
     <p:sldId id="258" r:id="rId4"/>
     <p:sldId id="259" r:id="rId5"/>
-    <p:sldId id="260" r:id="rId6"/>
-    <p:sldId id="261" r:id="rId7"/>
-    <p:sldId id="262" r:id="rId8"/>
-    <p:sldId id="263" r:id="rId9"/>
-    <p:sldId id="264" r:id="rId10"/>
-    <p:sldId id="265" r:id="rId11"/>
+    <p:sldId id="266" r:id="rId6"/>
+    <p:sldId id="267" r:id="rId7"/>
+    <p:sldId id="260" r:id="rId8"/>
+    <p:sldId id="261" r:id="rId9"/>
+    <p:sldId id="262" r:id="rId10"/>
+    <p:sldId id="263" r:id="rId11"/>
+    <p:sldId id="264" r:id="rId12"/>
+    <p:sldId id="265" r:id="rId13"/>
   </p:sldIdLst>
   <p:sldSz cx="12192000" cy="6858000"/>
   <p:notesSz cx="6858000" cy="9144000"/>
@@ -113,7 +118,445 @@
       </a:defRPr>
     </a:lvl9pPr>
   </p:defaultTextStyle>
+  <p:extLst>
+    <p:ext uri="{EFAFB233-063F-42B5-8137-9DF3F51BA10A}">
+      <p15:sldGuideLst xmlns:p15="http://schemas.microsoft.com/office/powerpoint/2012/main"/>
+    </p:ext>
+  </p:extLst>
 </p:presentation>
+</file>
+
+<file path=ppt/notesMasters/notesMaster1.xml><?xml version="1.0" encoding="utf-8"?>
+<p:notesMaster xmlns:a="http://schemas.openxmlformats.org/drawingml/2006/main" xmlns:r="http://schemas.openxmlformats.org/officeDocument/2006/relationships" xmlns:p="http://schemas.openxmlformats.org/presentationml/2006/main">
+  <p:cSld>
+    <p:bg>
+      <p:bgRef idx="1001">
+        <a:schemeClr val="bg1"/>
+      </p:bgRef>
+    </p:bg>
+    <p:spTree>
+      <p:nvGrpSpPr>
+        <p:cNvPr id="1" name=""/>
+        <p:cNvGrpSpPr/>
+        <p:nvPr/>
+      </p:nvGrpSpPr>
+      <p:grpSpPr>
+        <a:xfrm>
+          <a:off x="0" y="0"/>
+          <a:ext cx="0" cy="0"/>
+          <a:chOff x="0" y="0"/>
+          <a:chExt cx="0" cy="0"/>
+        </a:xfrm>
+      </p:grpSpPr>
+      <p:sp>
+        <p:nvSpPr>
+          <p:cNvPr id="2" name="Header Placeholder 1"/>
+          <p:cNvSpPr>
+            <a:spLocks noGrp="1"/>
+          </p:cNvSpPr>
+          <p:nvPr>
+            <p:ph type="hdr" sz="quarter"/>
+          </p:nvPr>
+        </p:nvSpPr>
+        <p:spPr>
+          <a:xfrm>
+            <a:off x="0" y="0"/>
+            <a:ext cx="2971800" cy="458788"/>
+          </a:xfrm>
+          <a:prstGeom prst="rect">
+            <a:avLst/>
+          </a:prstGeom>
+        </p:spPr>
+        <p:txBody>
+          <a:bodyPr vert="horz" lIns="91440" tIns="45720" rIns="91440" bIns="45720" rtlCol="0"/>
+          <a:lstStyle>
+            <a:lvl1pPr algn="l">
+              <a:defRPr sz="1200"/>
+            </a:lvl1pPr>
+          </a:lstStyle>
+          <a:p>
+            <a:endParaRPr lang="en-US"/>
+          </a:p>
+        </p:txBody>
+      </p:sp>
+      <p:sp>
+        <p:nvSpPr>
+          <p:cNvPr id="3" name="Date Placeholder 2"/>
+          <p:cNvSpPr>
+            <a:spLocks noGrp="1"/>
+          </p:cNvSpPr>
+          <p:nvPr>
+            <p:ph type="dt" idx="1"/>
+          </p:nvPr>
+        </p:nvSpPr>
+        <p:spPr>
+          <a:xfrm>
+            <a:off x="3884613" y="0"/>
+            <a:ext cx="2971800" cy="458788"/>
+          </a:xfrm>
+          <a:prstGeom prst="rect">
+            <a:avLst/>
+          </a:prstGeom>
+        </p:spPr>
+        <p:txBody>
+          <a:bodyPr vert="horz" lIns="91440" tIns="45720" rIns="91440" bIns="45720" rtlCol="0"/>
+          <a:lstStyle>
+            <a:lvl1pPr algn="r">
+              <a:defRPr sz="1200"/>
+            </a:lvl1pPr>
+          </a:lstStyle>
+          <a:p>
+            <a:fld id="{F9E48C8C-B3E3-7740-8405-AAF39A7537C0}" type="datetimeFigureOut">
+              <a:rPr lang="en-US" smtClean="0"/>
+              <a:t>4/22/24</a:t>
+            </a:fld>
+            <a:endParaRPr lang="en-US"/>
+          </a:p>
+        </p:txBody>
+      </p:sp>
+      <p:sp>
+        <p:nvSpPr>
+          <p:cNvPr id="4" name="Slide Image Placeholder 3"/>
+          <p:cNvSpPr>
+            <a:spLocks noGrp="1" noRot="1" noChangeAspect="1"/>
+          </p:cNvSpPr>
+          <p:nvPr>
+            <p:ph type="sldImg" idx="2"/>
+          </p:nvPr>
+        </p:nvSpPr>
+        <p:spPr>
+          <a:xfrm>
+            <a:off x="685800" y="1143000"/>
+            <a:ext cx="5486400" cy="3086100"/>
+          </a:xfrm>
+          <a:prstGeom prst="rect">
+            <a:avLst/>
+          </a:prstGeom>
+          <a:noFill/>
+          <a:ln w="12700">
+            <a:solidFill>
+              <a:prstClr val="black"/>
+            </a:solidFill>
+          </a:ln>
+        </p:spPr>
+        <p:txBody>
+          <a:bodyPr vert="horz" lIns="91440" tIns="45720" rIns="91440" bIns="45720" rtlCol="0" anchor="ctr"/>
+          <a:lstStyle/>
+          <a:p>
+            <a:endParaRPr lang="en-US"/>
+          </a:p>
+        </p:txBody>
+      </p:sp>
+      <p:sp>
+        <p:nvSpPr>
+          <p:cNvPr id="5" name="Notes Placeholder 4"/>
+          <p:cNvSpPr>
+            <a:spLocks noGrp="1"/>
+          </p:cNvSpPr>
+          <p:nvPr>
+            <p:ph type="body" sz="quarter" idx="3"/>
+          </p:nvPr>
+        </p:nvSpPr>
+        <p:spPr>
+          <a:xfrm>
+            <a:off x="685800" y="4400550"/>
+            <a:ext cx="5486400" cy="3600450"/>
+          </a:xfrm>
+          <a:prstGeom prst="rect">
+            <a:avLst/>
+          </a:prstGeom>
+        </p:spPr>
+        <p:txBody>
+          <a:bodyPr vert="horz" lIns="91440" tIns="45720" rIns="91440" bIns="45720" rtlCol="0"/>
+          <a:lstStyle/>
+          <a:p>
+            <a:pPr lvl="0"/>
+            <a:r>
+              <a:rPr lang="en-US"/>
+              <a:t>Click to edit Master text styles</a:t>
+            </a:r>
+          </a:p>
+          <a:p>
+            <a:pPr lvl="1"/>
+            <a:r>
+              <a:rPr lang="en-US"/>
+              <a:t>Second level</a:t>
+            </a:r>
+          </a:p>
+          <a:p>
+            <a:pPr lvl="2"/>
+            <a:r>
+              <a:rPr lang="en-US"/>
+              <a:t>Third level</a:t>
+            </a:r>
+          </a:p>
+          <a:p>
+            <a:pPr lvl="3"/>
+            <a:r>
+              <a:rPr lang="en-US"/>
+              <a:t>Fourth level</a:t>
+            </a:r>
+          </a:p>
+          <a:p>
+            <a:pPr lvl="4"/>
+            <a:r>
+              <a:rPr lang="en-US"/>
+              <a:t>Fifth level</a:t>
+            </a:r>
+          </a:p>
+        </p:txBody>
+      </p:sp>
+      <p:sp>
+        <p:nvSpPr>
+          <p:cNvPr id="6" name="Footer Placeholder 5"/>
+          <p:cNvSpPr>
+            <a:spLocks noGrp="1"/>
+          </p:cNvSpPr>
+          <p:nvPr>
+            <p:ph type="ftr" sz="quarter" idx="4"/>
+          </p:nvPr>
+        </p:nvSpPr>
+        <p:spPr>
+          <a:xfrm>
+            <a:off x="0" y="8685213"/>
+            <a:ext cx="2971800" cy="458787"/>
+          </a:xfrm>
+          <a:prstGeom prst="rect">
+            <a:avLst/>
+          </a:prstGeom>
+        </p:spPr>
+        <p:txBody>
+          <a:bodyPr vert="horz" lIns="91440" tIns="45720" rIns="91440" bIns="45720" rtlCol="0" anchor="b"/>
+          <a:lstStyle>
+            <a:lvl1pPr algn="l">
+              <a:defRPr sz="1200"/>
+            </a:lvl1pPr>
+          </a:lstStyle>
+          <a:p>
+            <a:endParaRPr lang="en-US"/>
+          </a:p>
+        </p:txBody>
+      </p:sp>
+      <p:sp>
+        <p:nvSpPr>
+          <p:cNvPr id="7" name="Slide Number Placeholder 6"/>
+          <p:cNvSpPr>
+            <a:spLocks noGrp="1"/>
+          </p:cNvSpPr>
+          <p:nvPr>
+            <p:ph type="sldNum" sz="quarter" idx="5"/>
+          </p:nvPr>
+        </p:nvSpPr>
+        <p:spPr>
+          <a:xfrm>
+            <a:off x="3884613" y="8685213"/>
+            <a:ext cx="2971800" cy="458787"/>
+          </a:xfrm>
+          <a:prstGeom prst="rect">
+            <a:avLst/>
+          </a:prstGeom>
+        </p:spPr>
+        <p:txBody>
+          <a:bodyPr vert="horz" lIns="91440" tIns="45720" rIns="91440" bIns="45720" rtlCol="0" anchor="b"/>
+          <a:lstStyle>
+            <a:lvl1pPr algn="r">
+              <a:defRPr sz="1200"/>
+            </a:lvl1pPr>
+          </a:lstStyle>
+          <a:p>
+            <a:fld id="{B6B06775-6F5E-634A-B2A9-2FCF6B3C9DE1}" type="slidenum">
+              <a:rPr lang="en-US" smtClean="0"/>
+              <a:t>‹#›</a:t>
+            </a:fld>
+            <a:endParaRPr lang="en-US"/>
+          </a:p>
+        </p:txBody>
+      </p:sp>
+    </p:spTree>
+    <p:extLst>
+      <p:ext uri="{BB962C8B-B14F-4D97-AF65-F5344CB8AC3E}">
+        <p14:creationId xmlns:p14="http://schemas.microsoft.com/office/powerpoint/2010/main" val="2069581545"/>
+      </p:ext>
+    </p:extLst>
+  </p:cSld>
+  <p:clrMap bg1="lt1" tx1="dk1" bg2="lt2" tx2="dk2" accent1="accent1" accent2="accent2" accent3="accent3" accent4="accent4" accent5="accent5" accent6="accent6" hlink="hlink" folHlink="folHlink"/>
+  <p:notesStyle>
+    <a:lvl1pPr marL="0" algn="l" defTabSz="914400" rtl="0" eaLnBrk="1" latinLnBrk="0" hangingPunct="1">
+      <a:defRPr sz="1200" kern="1200">
+        <a:solidFill>
+          <a:schemeClr val="tx1"/>
+        </a:solidFill>
+        <a:latin typeface="+mn-lt"/>
+        <a:ea typeface="+mn-ea"/>
+        <a:cs typeface="+mn-cs"/>
+      </a:defRPr>
+    </a:lvl1pPr>
+    <a:lvl2pPr marL="457200" algn="l" defTabSz="914400" rtl="0" eaLnBrk="1" latinLnBrk="0" hangingPunct="1">
+      <a:defRPr sz="1200" kern="1200">
+        <a:solidFill>
+          <a:schemeClr val="tx1"/>
+        </a:solidFill>
+        <a:latin typeface="+mn-lt"/>
+        <a:ea typeface="+mn-ea"/>
+        <a:cs typeface="+mn-cs"/>
+      </a:defRPr>
+    </a:lvl2pPr>
+    <a:lvl3pPr marL="914400" algn="l" defTabSz="914400" rtl="0" eaLnBrk="1" latinLnBrk="0" hangingPunct="1">
+      <a:defRPr sz="1200" kern="1200">
+        <a:solidFill>
+          <a:schemeClr val="tx1"/>
+        </a:solidFill>
+        <a:latin typeface="+mn-lt"/>
+        <a:ea typeface="+mn-ea"/>
+        <a:cs typeface="+mn-cs"/>
+      </a:defRPr>
+    </a:lvl3pPr>
+    <a:lvl4pPr marL="1371600" algn="l" defTabSz="914400" rtl="0" eaLnBrk="1" latinLnBrk="0" hangingPunct="1">
+      <a:defRPr sz="1200" kern="1200">
+        <a:solidFill>
+          <a:schemeClr val="tx1"/>
+        </a:solidFill>
+        <a:latin typeface="+mn-lt"/>
+        <a:ea typeface="+mn-ea"/>
+        <a:cs typeface="+mn-cs"/>
+      </a:defRPr>
+    </a:lvl4pPr>
+    <a:lvl5pPr marL="1828800" algn="l" defTabSz="914400" rtl="0" eaLnBrk="1" latinLnBrk="0" hangingPunct="1">
+      <a:defRPr sz="1200" kern="1200">
+        <a:solidFill>
+          <a:schemeClr val="tx1"/>
+        </a:solidFill>
+        <a:latin typeface="+mn-lt"/>
+        <a:ea typeface="+mn-ea"/>
+        <a:cs typeface="+mn-cs"/>
+      </a:defRPr>
+    </a:lvl5pPr>
+    <a:lvl6pPr marL="2286000" algn="l" defTabSz="914400" rtl="0" eaLnBrk="1" latinLnBrk="0" hangingPunct="1">
+      <a:defRPr sz="1200" kern="1200">
+        <a:solidFill>
+          <a:schemeClr val="tx1"/>
+        </a:solidFill>
+        <a:latin typeface="+mn-lt"/>
+        <a:ea typeface="+mn-ea"/>
+        <a:cs typeface="+mn-cs"/>
+      </a:defRPr>
+    </a:lvl6pPr>
+    <a:lvl7pPr marL="2743200" algn="l" defTabSz="914400" rtl="0" eaLnBrk="1" latinLnBrk="0" hangingPunct="1">
+      <a:defRPr sz="1200" kern="1200">
+        <a:solidFill>
+          <a:schemeClr val="tx1"/>
+        </a:solidFill>
+        <a:latin typeface="+mn-lt"/>
+        <a:ea typeface="+mn-ea"/>
+        <a:cs typeface="+mn-cs"/>
+      </a:defRPr>
+    </a:lvl7pPr>
+    <a:lvl8pPr marL="3200400" algn="l" defTabSz="914400" rtl="0" eaLnBrk="1" latinLnBrk="0" hangingPunct="1">
+      <a:defRPr sz="1200" kern="1200">
+        <a:solidFill>
+          <a:schemeClr val="tx1"/>
+        </a:solidFill>
+        <a:latin typeface="+mn-lt"/>
+        <a:ea typeface="+mn-ea"/>
+        <a:cs typeface="+mn-cs"/>
+      </a:defRPr>
+    </a:lvl8pPr>
+    <a:lvl9pPr marL="3657600" algn="l" defTabSz="914400" rtl="0" eaLnBrk="1" latinLnBrk="0" hangingPunct="1">
+      <a:defRPr sz="1200" kern="1200">
+        <a:solidFill>
+          <a:schemeClr val="tx1"/>
+        </a:solidFill>
+        <a:latin typeface="+mn-lt"/>
+        <a:ea typeface="+mn-ea"/>
+        <a:cs typeface="+mn-cs"/>
+      </a:defRPr>
+    </a:lvl9pPr>
+  </p:notesStyle>
+</p:notesMaster>
+</file>
+
+<file path=ppt/notesSlides/notesSlide1.xml><?xml version="1.0" encoding="utf-8"?>
+<p:notes xmlns:a="http://schemas.openxmlformats.org/drawingml/2006/main" xmlns:r="http://schemas.openxmlformats.org/officeDocument/2006/relationships" xmlns:p="http://schemas.openxmlformats.org/presentationml/2006/main">
+  <p:cSld>
+    <p:spTree>
+      <p:nvGrpSpPr>
+        <p:cNvPr id="1" name=""/>
+        <p:cNvGrpSpPr/>
+        <p:nvPr/>
+      </p:nvGrpSpPr>
+      <p:grpSpPr>
+        <a:xfrm>
+          <a:off x="0" y="0"/>
+          <a:ext cx="0" cy="0"/>
+          <a:chOff x="0" y="0"/>
+          <a:chExt cx="0" cy="0"/>
+        </a:xfrm>
+      </p:grpSpPr>
+      <p:sp>
+        <p:nvSpPr>
+          <p:cNvPr id="2" name="Slide Image Placeholder 1"/>
+          <p:cNvSpPr>
+            <a:spLocks noGrp="1" noRot="1" noChangeAspect="1"/>
+          </p:cNvSpPr>
+          <p:nvPr>
+            <p:ph type="sldImg"/>
+          </p:nvPr>
+        </p:nvSpPr>
+        <p:spPr/>
+      </p:sp>
+      <p:sp>
+        <p:nvSpPr>
+          <p:cNvPr id="3" name="Notes Placeholder 2"/>
+          <p:cNvSpPr>
+            <a:spLocks noGrp="1"/>
+          </p:cNvSpPr>
+          <p:nvPr>
+            <p:ph type="body" idx="1"/>
+          </p:nvPr>
+        </p:nvSpPr>
+        <p:spPr/>
+        <p:txBody>
+          <a:bodyPr/>
+          <a:lstStyle/>
+          <a:p>
+            <a:endParaRPr lang="en-US" dirty="0"/>
+          </a:p>
+        </p:txBody>
+      </p:sp>
+      <p:sp>
+        <p:nvSpPr>
+          <p:cNvPr id="4" name="Slide Number Placeholder 3"/>
+          <p:cNvSpPr>
+            <a:spLocks noGrp="1"/>
+          </p:cNvSpPr>
+          <p:nvPr>
+            <p:ph type="sldNum" sz="quarter" idx="5"/>
+          </p:nvPr>
+        </p:nvSpPr>
+        <p:spPr/>
+        <p:txBody>
+          <a:bodyPr/>
+          <a:lstStyle/>
+          <a:p>
+            <a:fld id="{B6B06775-6F5E-634A-B2A9-2FCF6B3C9DE1}" type="slidenum">
+              <a:rPr lang="en-US" smtClean="0"/>
+              <a:t>6</a:t>
+            </a:fld>
+            <a:endParaRPr lang="en-US"/>
+          </a:p>
+        </p:txBody>
+      </p:sp>
+    </p:spTree>
+    <p:extLst>
+      <p:ext uri="{BB962C8B-B14F-4D97-AF65-F5344CB8AC3E}">
+        <p14:creationId xmlns:p14="http://schemas.microsoft.com/office/powerpoint/2010/main" val="3149732762"/>
+      </p:ext>
+    </p:extLst>
+  </p:cSld>
+  <p:clrMapOvr>
+    <a:masterClrMapping/>
+  </p:clrMapOvr>
+</p:notes>
 </file>
 
 <file path=ppt/slideLayouts/slideLayout1.xml><?xml version="1.0" encoding="utf-8"?>
@@ -263,7 +706,7 @@
           <a:p>
             <a:fld id="{DBA36E14-5EB2-F246-A650-74292E5B42E5}" type="datetimeFigureOut">
               <a:rPr lang="en-US" smtClean="0"/>
-              <a:t>11/2/23</a:t>
+              <a:t>4/22/24</a:t>
             </a:fld>
             <a:endParaRPr lang="en-US"/>
           </a:p>
@@ -461,7 +904,7 @@
           <a:p>
             <a:fld id="{DBA36E14-5EB2-F246-A650-74292E5B42E5}" type="datetimeFigureOut">
               <a:rPr lang="en-US" smtClean="0"/>
-              <a:t>11/2/23</a:t>
+              <a:t>4/22/24</a:t>
             </a:fld>
             <a:endParaRPr lang="en-US"/>
           </a:p>
@@ -669,7 +1112,7 @@
           <a:p>
             <a:fld id="{DBA36E14-5EB2-F246-A650-74292E5B42E5}" type="datetimeFigureOut">
               <a:rPr lang="en-US" smtClean="0"/>
-              <a:t>11/2/23</a:t>
+              <a:t>4/22/24</a:t>
             </a:fld>
             <a:endParaRPr lang="en-US"/>
           </a:p>
@@ -867,7 +1310,7 @@
           <a:p>
             <a:fld id="{DBA36E14-5EB2-F246-A650-74292E5B42E5}" type="datetimeFigureOut">
               <a:rPr lang="en-US" smtClean="0"/>
-              <a:t>11/2/23</a:t>
+              <a:t>4/22/24</a:t>
             </a:fld>
             <a:endParaRPr lang="en-US"/>
           </a:p>
@@ -1142,7 +1585,7 @@
           <a:p>
             <a:fld id="{DBA36E14-5EB2-F246-A650-74292E5B42E5}" type="datetimeFigureOut">
               <a:rPr lang="en-US" smtClean="0"/>
-              <a:t>11/2/23</a:t>
+              <a:t>4/22/24</a:t>
             </a:fld>
             <a:endParaRPr lang="en-US"/>
           </a:p>
@@ -1407,7 +1850,7 @@
           <a:p>
             <a:fld id="{DBA36E14-5EB2-F246-A650-74292E5B42E5}" type="datetimeFigureOut">
               <a:rPr lang="en-US" smtClean="0"/>
-              <a:t>11/2/23</a:t>
+              <a:t>4/22/24</a:t>
             </a:fld>
             <a:endParaRPr lang="en-US"/>
           </a:p>
@@ -1819,7 +2262,7 @@
           <a:p>
             <a:fld id="{DBA36E14-5EB2-F246-A650-74292E5B42E5}" type="datetimeFigureOut">
               <a:rPr lang="en-US" smtClean="0"/>
-              <a:t>11/2/23</a:t>
+              <a:t>4/22/24</a:t>
             </a:fld>
             <a:endParaRPr lang="en-US"/>
           </a:p>
@@ -1960,7 +2403,7 @@
           <a:p>
             <a:fld id="{DBA36E14-5EB2-F246-A650-74292E5B42E5}" type="datetimeFigureOut">
               <a:rPr lang="en-US" smtClean="0"/>
-              <a:t>11/2/23</a:t>
+              <a:t>4/22/24</a:t>
             </a:fld>
             <a:endParaRPr lang="en-US"/>
           </a:p>
@@ -2073,7 +2516,7 @@
           <a:p>
             <a:fld id="{DBA36E14-5EB2-F246-A650-74292E5B42E5}" type="datetimeFigureOut">
               <a:rPr lang="en-US" smtClean="0"/>
-              <a:t>11/2/23</a:t>
+              <a:t>4/22/24</a:t>
             </a:fld>
             <a:endParaRPr lang="en-US"/>
           </a:p>
@@ -2384,7 +2827,7 @@
           <a:p>
             <a:fld id="{DBA36E14-5EB2-F246-A650-74292E5B42E5}" type="datetimeFigureOut">
               <a:rPr lang="en-US" smtClean="0"/>
-              <a:t>11/2/23</a:t>
+              <a:t>4/22/24</a:t>
             </a:fld>
             <a:endParaRPr lang="en-US"/>
           </a:p>
@@ -2672,7 +3115,7 @@
           <a:p>
             <a:fld id="{DBA36E14-5EB2-F246-A650-74292E5B42E5}" type="datetimeFigureOut">
               <a:rPr lang="en-US" smtClean="0"/>
-              <a:t>11/2/23</a:t>
+              <a:t>4/22/24</a:t>
             </a:fld>
             <a:endParaRPr lang="en-US"/>
           </a:p>
@@ -2913,7 +3356,7 @@
           <a:p>
             <a:fld id="{DBA36E14-5EB2-F246-A650-74292E5B42E5}" type="datetimeFigureOut">
               <a:rPr lang="en-US" smtClean="0"/>
-              <a:t>11/2/23</a:t>
+              <a:t>4/22/24</a:t>
             </a:fld>
             <a:endParaRPr lang="en-US"/>
           </a:p>
@@ -3483,6 +3926,260 @@
           <p:cNvPr id="2" name="Title 1">
             <a:extLst>
               <a:ext uri="{FF2B5EF4-FFF2-40B4-BE49-F238E27FC236}">
+                <a16:creationId xmlns:a16="http://schemas.microsoft.com/office/drawing/2014/main" id="{900C90E9-A450-2BD0-C87A-28E35FDA8452}"/>
+              </a:ext>
+            </a:extLst>
+          </p:cNvPr>
+          <p:cNvSpPr>
+            <a:spLocks noGrp="1"/>
+          </p:cNvSpPr>
+          <p:nvPr>
+            <p:ph type="title"/>
+          </p:nvPr>
+        </p:nvSpPr>
+        <p:spPr/>
+        <p:txBody>
+          <a:bodyPr/>
+          <a:lstStyle/>
+          <a:p>
+            <a:r>
+              <a:rPr lang="en-US" dirty="0"/>
+              <a:t>Gradient Boosting Model + SMOTE</a:t>
+            </a:r>
+          </a:p>
+        </p:txBody>
+      </p:sp>
+      <p:sp>
+        <p:nvSpPr>
+          <p:cNvPr id="3" name="Content Placeholder 2">
+            <a:extLst>
+              <a:ext uri="{FF2B5EF4-FFF2-40B4-BE49-F238E27FC236}">
+                <a16:creationId xmlns:a16="http://schemas.microsoft.com/office/drawing/2014/main" id="{FA035B3F-BE6A-3B3A-473B-96862EA55356}"/>
+              </a:ext>
+            </a:extLst>
+          </p:cNvPr>
+          <p:cNvSpPr>
+            <a:spLocks noGrp="1"/>
+          </p:cNvSpPr>
+          <p:nvPr>
+            <p:ph idx="1"/>
+          </p:nvPr>
+        </p:nvSpPr>
+        <p:spPr/>
+        <p:txBody>
+          <a:bodyPr/>
+          <a:lstStyle/>
+          <a:p>
+            <a:r>
+              <a:rPr lang="en-US" dirty="0"/>
+              <a:t>Gradient boosting model requires specifying hyperparameters</a:t>
+            </a:r>
+          </a:p>
+          <a:p>
+            <a:r>
+              <a:rPr lang="en-US" dirty="0"/>
+              <a:t>I do “hyperparameter tuning” to choose the best performing parameters from a set of options:</a:t>
+            </a:r>
+            <a:br>
+              <a:rPr lang="en-US" dirty="0"/>
+            </a:br>
+            <a:r>
+              <a:rPr lang="en-US" i="1" dirty="0"/>
+              <a:t>{'</a:t>
+            </a:r>
+            <a:r>
+              <a:rPr lang="en-US" i="1" dirty="0" err="1"/>
+              <a:t>learning_rate</a:t>
+            </a:r>
+            <a:r>
+              <a:rPr lang="en-US" i="1" dirty="0"/>
+              <a:t>': 0.1, '</a:t>
+            </a:r>
+            <a:r>
+              <a:rPr lang="en-US" i="1" dirty="0" err="1"/>
+              <a:t>max_depth</a:t>
+            </a:r>
+            <a:r>
+              <a:rPr lang="en-US" i="1" dirty="0"/>
+              <a:t>': 3, '</a:t>
+            </a:r>
+            <a:r>
+              <a:rPr lang="en-US" i="1" dirty="0" err="1"/>
+              <a:t>n_estimators</a:t>
+            </a:r>
+            <a:r>
+              <a:rPr lang="en-US" i="1" dirty="0"/>
+              <a:t>': 50}</a:t>
+            </a:r>
+          </a:p>
+          <a:p>
+            <a:r>
+              <a:rPr lang="en-US" dirty="0"/>
+              <a:t>I combine this model with SMOTE</a:t>
+            </a:r>
+          </a:p>
+          <a:p>
+            <a:r>
+              <a:rPr lang="en-US" dirty="0"/>
+              <a:t>Accuracy for </a:t>
+            </a:r>
+            <a:r>
+              <a:rPr lang="en-US" i="1" dirty="0"/>
+              <a:t>migration=1: </a:t>
+            </a:r>
+            <a:r>
+              <a:rPr lang="en-US" b="1" dirty="0"/>
+              <a:t>83% </a:t>
+            </a:r>
+            <a:r>
+              <a:rPr lang="en-US" dirty="0"/>
+              <a:t>(from 50% earlier)</a:t>
+            </a:r>
+          </a:p>
+          <a:p>
+            <a:r>
+              <a:rPr lang="en-US" dirty="0"/>
+              <a:t>Accuracy for </a:t>
+            </a:r>
+            <a:r>
+              <a:rPr lang="en-US" i="1" dirty="0"/>
+              <a:t>migration=0: </a:t>
+            </a:r>
+            <a:r>
+              <a:rPr lang="en-US" dirty="0"/>
+              <a:t>89% (from 99% earlier)</a:t>
+            </a:r>
+          </a:p>
+          <a:p>
+            <a:r>
+              <a:rPr lang="en-US" dirty="0"/>
+              <a:t>Performance improved for minority class but got worse for majority class</a:t>
+            </a:r>
+          </a:p>
+        </p:txBody>
+      </p:sp>
+    </p:spTree>
+    <p:extLst>
+      <p:ext uri="{BB962C8B-B14F-4D97-AF65-F5344CB8AC3E}">
+        <p14:creationId xmlns:p14="http://schemas.microsoft.com/office/powerpoint/2010/main" val="358266918"/>
+      </p:ext>
+    </p:extLst>
+  </p:cSld>
+  <p:clrMapOvr>
+    <a:masterClrMapping/>
+  </p:clrMapOvr>
+</p:sld>
+</file>
+
+<file path=ppt/slides/slide11.xml><?xml version="1.0" encoding="utf-8"?>
+<p:sld xmlns:a="http://schemas.openxmlformats.org/drawingml/2006/main" xmlns:r="http://schemas.openxmlformats.org/officeDocument/2006/relationships" xmlns:p="http://schemas.openxmlformats.org/presentationml/2006/main">
+  <p:cSld>
+    <p:spTree>
+      <p:nvGrpSpPr>
+        <p:cNvPr id="1" name=""/>
+        <p:cNvGrpSpPr/>
+        <p:nvPr/>
+      </p:nvGrpSpPr>
+      <p:grpSpPr>
+        <a:xfrm>
+          <a:off x="0" y="0"/>
+          <a:ext cx="0" cy="0"/>
+          <a:chOff x="0" y="0"/>
+          <a:chExt cx="0" cy="0"/>
+        </a:xfrm>
+      </p:grpSpPr>
+      <p:sp>
+        <p:nvSpPr>
+          <p:cNvPr id="2" name="Title 1">
+            <a:extLst>
+              <a:ext uri="{FF2B5EF4-FFF2-40B4-BE49-F238E27FC236}">
+                <a16:creationId xmlns:a16="http://schemas.microsoft.com/office/drawing/2014/main" id="{10A5B2C8-F173-47FD-9884-9410353F3355}"/>
+              </a:ext>
+            </a:extLst>
+          </p:cNvPr>
+          <p:cNvSpPr>
+            <a:spLocks noGrp="1"/>
+          </p:cNvSpPr>
+          <p:nvPr>
+            <p:ph type="title"/>
+          </p:nvPr>
+        </p:nvSpPr>
+        <p:spPr/>
+        <p:txBody>
+          <a:bodyPr/>
+          <a:lstStyle/>
+          <a:p>
+            <a:r>
+              <a:rPr lang="en-US" dirty="0"/>
+              <a:t>Gradient Boosting Model + SMOTE</a:t>
+            </a:r>
+          </a:p>
+        </p:txBody>
+      </p:sp>
+      <p:pic>
+        <p:nvPicPr>
+          <p:cNvPr id="5" name="Content Placeholder 4" descr="A chart with a blue and yellow box&#10;&#10;Description automatically generated with medium confidence">
+            <a:extLst>
+              <a:ext uri="{FF2B5EF4-FFF2-40B4-BE49-F238E27FC236}">
+                <a16:creationId xmlns:a16="http://schemas.microsoft.com/office/drawing/2014/main" id="{61E1C8B8-3907-E6A9-8A3B-8EDBAA332DAE}"/>
+              </a:ext>
+            </a:extLst>
+          </p:cNvPr>
+          <p:cNvPicPr>
+            <a:picLocks noGrp="1" noChangeAspect="1"/>
+          </p:cNvPicPr>
+          <p:nvPr>
+            <p:ph idx="1"/>
+          </p:nvPr>
+        </p:nvPicPr>
+        <p:blipFill>
+          <a:blip r:embed="rId2"/>
+          <a:stretch>
+            <a:fillRect/>
+          </a:stretch>
+        </p:blipFill>
+        <p:spPr>
+          <a:xfrm>
+            <a:off x="3165579" y="1568229"/>
+            <a:ext cx="5860841" cy="4924646"/>
+          </a:xfrm>
+        </p:spPr>
+      </p:pic>
+    </p:spTree>
+    <p:extLst>
+      <p:ext uri="{BB962C8B-B14F-4D97-AF65-F5344CB8AC3E}">
+        <p14:creationId xmlns:p14="http://schemas.microsoft.com/office/powerpoint/2010/main" val="562439206"/>
+      </p:ext>
+    </p:extLst>
+  </p:cSld>
+  <p:clrMapOvr>
+    <a:masterClrMapping/>
+  </p:clrMapOvr>
+</p:sld>
+</file>
+
+<file path=ppt/slides/slide12.xml><?xml version="1.0" encoding="utf-8"?>
+<p:sld xmlns:a="http://schemas.openxmlformats.org/drawingml/2006/main" xmlns:r="http://schemas.openxmlformats.org/officeDocument/2006/relationships" xmlns:p="http://schemas.openxmlformats.org/presentationml/2006/main">
+  <p:cSld>
+    <p:spTree>
+      <p:nvGrpSpPr>
+        <p:cNvPr id="1" name=""/>
+        <p:cNvGrpSpPr/>
+        <p:nvPr/>
+      </p:nvGrpSpPr>
+      <p:grpSpPr>
+        <a:xfrm>
+          <a:off x="0" y="0"/>
+          <a:ext cx="0" cy="0"/>
+          <a:chOff x="0" y="0"/>
+          <a:chExt cx="0" cy="0"/>
+        </a:xfrm>
+      </p:grpSpPr>
+      <p:sp>
+        <p:nvSpPr>
+          <p:cNvPr id="2" name="Title 1">
+            <a:extLst>
+              <a:ext uri="{FF2B5EF4-FFF2-40B4-BE49-F238E27FC236}">
                 <a16:creationId xmlns:a16="http://schemas.microsoft.com/office/drawing/2014/main" id="{736E57F1-6AA5-1D18-F9FC-CED9FB79DF93}"/>
               </a:ext>
             </a:extLst>
@@ -4094,6 +4791,4372 @@
 <file path=ppt/slides/slide5.xml><?xml version="1.0" encoding="utf-8"?>
 <p:sld xmlns:a="http://schemas.openxmlformats.org/drawingml/2006/main" xmlns:r="http://schemas.openxmlformats.org/officeDocument/2006/relationships" xmlns:p="http://schemas.openxmlformats.org/presentationml/2006/main">
   <p:cSld>
+    <p:bg>
+      <p:bgPr>
+        <a:solidFill>
+          <a:schemeClr val="bg1"/>
+        </a:solidFill>
+        <a:effectLst/>
+      </p:bgPr>
+    </p:bg>
+    <p:spTree>
+      <p:nvGrpSpPr>
+        <p:cNvPr id="1" name=""/>
+        <p:cNvGrpSpPr/>
+        <p:nvPr/>
+      </p:nvGrpSpPr>
+      <p:grpSpPr>
+        <a:xfrm>
+          <a:off x="0" y="0"/>
+          <a:ext cx="0" cy="0"/>
+          <a:chOff x="0" y="0"/>
+          <a:chExt cx="0" cy="0"/>
+        </a:xfrm>
+      </p:grpSpPr>
+      <p:graphicFrame>
+        <p:nvGraphicFramePr>
+          <p:cNvPr id="8" name="Table 7">
+            <a:extLst>
+              <a:ext uri="{FF2B5EF4-FFF2-40B4-BE49-F238E27FC236}">
+                <a16:creationId xmlns:a16="http://schemas.microsoft.com/office/drawing/2014/main" id="{7D21F5B5-1FD8-1185-46AC-AE6701655D16}"/>
+              </a:ext>
+            </a:extLst>
+          </p:cNvPr>
+          <p:cNvGraphicFramePr>
+            <a:graphicFrameLocks noGrp="1"/>
+          </p:cNvGraphicFramePr>
+          <p:nvPr>
+            <p:extLst>
+              <p:ext uri="{D42A27DB-BD31-4B8C-83A1-F6EECF244321}">
+                <p14:modId xmlns:p14="http://schemas.microsoft.com/office/powerpoint/2010/main" val="611631596"/>
+              </p:ext>
+            </p:extLst>
+          </p:nvPr>
+        </p:nvGraphicFramePr>
+        <p:xfrm>
+          <a:off x="1452311" y="643466"/>
+          <a:ext cx="9287380" cy="5571070"/>
+        </p:xfrm>
+        <a:graphic>
+          <a:graphicData uri="http://schemas.openxmlformats.org/drawingml/2006/table">
+            <a:tbl>
+              <a:tblPr firstRow="1" bandRow="1">
+                <a:tableStyleId>{5C22544A-7EE6-4342-B048-85BDC9FD1C3A}</a:tableStyleId>
+              </a:tblPr>
+              <a:tblGrid>
+                <a:gridCol w="1416815">
+                  <a:extLst>
+                    <a:ext uri="{9D8B030D-6E8A-4147-A177-3AD203B41FA5}">
+                      <a16:colId xmlns:a16="http://schemas.microsoft.com/office/drawing/2014/main" val="3512544144"/>
+                    </a:ext>
+                  </a:extLst>
+                </a:gridCol>
+                <a:gridCol w="1540698">
+                  <a:extLst>
+                    <a:ext uri="{9D8B030D-6E8A-4147-A177-3AD203B41FA5}">
+                      <a16:colId xmlns:a16="http://schemas.microsoft.com/office/drawing/2014/main" val="1450530461"/>
+                    </a:ext>
+                  </a:extLst>
+                </a:gridCol>
+                <a:gridCol w="1686177">
+                  <a:extLst>
+                    <a:ext uri="{9D8B030D-6E8A-4147-A177-3AD203B41FA5}">
+                      <a16:colId xmlns:a16="http://schemas.microsoft.com/office/drawing/2014/main" val="2102684248"/>
+                    </a:ext>
+                  </a:extLst>
+                </a:gridCol>
+                <a:gridCol w="1416815">
+                  <a:extLst>
+                    <a:ext uri="{9D8B030D-6E8A-4147-A177-3AD203B41FA5}">
+                      <a16:colId xmlns:a16="http://schemas.microsoft.com/office/drawing/2014/main" val="756591479"/>
+                    </a:ext>
+                  </a:extLst>
+                </a:gridCol>
+                <a:gridCol w="1540698">
+                  <a:extLst>
+                    <a:ext uri="{9D8B030D-6E8A-4147-A177-3AD203B41FA5}">
+                      <a16:colId xmlns:a16="http://schemas.microsoft.com/office/drawing/2014/main" val="78904365"/>
+                    </a:ext>
+                  </a:extLst>
+                </a:gridCol>
+                <a:gridCol w="1686177">
+                  <a:extLst>
+                    <a:ext uri="{9D8B030D-6E8A-4147-A177-3AD203B41FA5}">
+                      <a16:colId xmlns:a16="http://schemas.microsoft.com/office/drawing/2014/main" val="3524848249"/>
+                    </a:ext>
+                  </a:extLst>
+                </a:gridCol>
+              </a:tblGrid>
+              <a:tr h="327710">
+                <a:tc>
+                  <a:txBody>
+                    <a:bodyPr/>
+                    <a:lstStyle/>
+                    <a:p>
+                      <a:pPr algn="ctr" fontAlgn="b"/>
+                      <a:r>
+                        <a:rPr lang="en-US" sz="1700" u="none" strike="noStrike">
+                          <a:effectLst/>
+                        </a:rPr>
+                        <a:t>Year</a:t>
+                      </a:r>
+                      <a:endParaRPr lang="en-US" sz="1700" b="0" i="0" u="none" strike="noStrike">
+                        <a:solidFill>
+                          <a:srgbClr val="000000"/>
+                        </a:solidFill>
+                        <a:effectLst/>
+                        <a:latin typeface="Aptos Narrow" panose="020B0004020202020204" pitchFamily="34" charset="0"/>
+                      </a:endParaRPr>
+                    </a:p>
+                  </a:txBody>
+                  <a:tcPr marL="13632" marR="13632" marT="13632" marB="0" anchor="b"/>
+                </a:tc>
+                <a:tc>
+                  <a:txBody>
+                    <a:bodyPr/>
+                    <a:lstStyle/>
+                    <a:p>
+                      <a:pPr algn="ctr" fontAlgn="b"/>
+                      <a:r>
+                        <a:rPr lang="en-US" sz="1700" u="none" strike="noStrike">
+                          <a:effectLst/>
+                        </a:rPr>
+                        <a:t>Freq.</a:t>
+                      </a:r>
+                      <a:endParaRPr lang="en-US" sz="1700" b="0" i="0" u="none" strike="noStrike">
+                        <a:solidFill>
+                          <a:srgbClr val="000000"/>
+                        </a:solidFill>
+                        <a:effectLst/>
+                        <a:latin typeface="Aptos Narrow" panose="020B0004020202020204" pitchFamily="34" charset="0"/>
+                      </a:endParaRPr>
+                    </a:p>
+                  </a:txBody>
+                  <a:tcPr marL="13632" marR="13632" marT="13632" marB="0" anchor="b"/>
+                </a:tc>
+                <a:tc>
+                  <a:txBody>
+                    <a:bodyPr/>
+                    <a:lstStyle/>
+                    <a:p>
+                      <a:pPr algn="ctr" fontAlgn="b"/>
+                      <a:r>
+                        <a:rPr lang="en-US" sz="1700" u="none" strike="noStrike">
+                          <a:effectLst/>
+                        </a:rPr>
+                        <a:t>Percent</a:t>
+                      </a:r>
+                      <a:endParaRPr lang="en-US" sz="1700" b="0" i="0" u="none" strike="noStrike">
+                        <a:solidFill>
+                          <a:srgbClr val="000000"/>
+                        </a:solidFill>
+                        <a:effectLst/>
+                        <a:latin typeface="Aptos Narrow" panose="020B0004020202020204" pitchFamily="34" charset="0"/>
+                      </a:endParaRPr>
+                    </a:p>
+                  </a:txBody>
+                  <a:tcPr marL="13632" marR="13632" marT="13632" marB="0" anchor="b"/>
+                </a:tc>
+                <a:tc>
+                  <a:txBody>
+                    <a:bodyPr/>
+                    <a:lstStyle/>
+                    <a:p>
+                      <a:pPr algn="ctr" fontAlgn="b"/>
+                      <a:r>
+                        <a:rPr lang="en-US" sz="1700" u="none" strike="noStrike">
+                          <a:effectLst/>
+                        </a:rPr>
+                        <a:t>Year</a:t>
+                      </a:r>
+                      <a:endParaRPr lang="en-US" sz="1700" b="0" i="0" u="none" strike="noStrike">
+                        <a:solidFill>
+                          <a:srgbClr val="000000"/>
+                        </a:solidFill>
+                        <a:effectLst/>
+                        <a:latin typeface="Aptos Narrow" panose="020B0004020202020204" pitchFamily="34" charset="0"/>
+                      </a:endParaRPr>
+                    </a:p>
+                  </a:txBody>
+                  <a:tcPr marL="13632" marR="13632" marT="13632" marB="0" anchor="b"/>
+                </a:tc>
+                <a:tc>
+                  <a:txBody>
+                    <a:bodyPr/>
+                    <a:lstStyle/>
+                    <a:p>
+                      <a:pPr algn="ctr" fontAlgn="b"/>
+                      <a:r>
+                        <a:rPr lang="en-US" sz="1700" u="none" strike="noStrike">
+                          <a:effectLst/>
+                        </a:rPr>
+                        <a:t>Freq.</a:t>
+                      </a:r>
+                      <a:endParaRPr lang="en-US" sz="1700" b="0" i="0" u="none" strike="noStrike">
+                        <a:solidFill>
+                          <a:srgbClr val="000000"/>
+                        </a:solidFill>
+                        <a:effectLst/>
+                        <a:latin typeface="Aptos Narrow" panose="020B0004020202020204" pitchFamily="34" charset="0"/>
+                      </a:endParaRPr>
+                    </a:p>
+                  </a:txBody>
+                  <a:tcPr marL="13632" marR="13632" marT="13632" marB="0" anchor="b"/>
+                </a:tc>
+                <a:tc>
+                  <a:txBody>
+                    <a:bodyPr/>
+                    <a:lstStyle/>
+                    <a:p>
+                      <a:pPr algn="ctr" fontAlgn="b"/>
+                      <a:r>
+                        <a:rPr lang="en-US" sz="1700" u="none" strike="noStrike">
+                          <a:effectLst/>
+                        </a:rPr>
+                        <a:t>Percent</a:t>
+                      </a:r>
+                      <a:endParaRPr lang="en-US" sz="1700" b="0" i="0" u="none" strike="noStrike">
+                        <a:solidFill>
+                          <a:srgbClr val="000000"/>
+                        </a:solidFill>
+                        <a:effectLst/>
+                        <a:latin typeface="Aptos Narrow" panose="020B0004020202020204" pitchFamily="34" charset="0"/>
+                      </a:endParaRPr>
+                    </a:p>
+                  </a:txBody>
+                  <a:tcPr marL="13632" marR="13632" marT="13632" marB="0" anchor="b"/>
+                </a:tc>
+                <a:extLst>
+                  <a:ext uri="{0D108BD9-81ED-4DB2-BD59-A6C34878D82A}">
+                    <a16:rowId xmlns:a16="http://schemas.microsoft.com/office/drawing/2014/main" val="1305909770"/>
+                  </a:ext>
+                </a:extLst>
+              </a:tr>
+              <a:tr h="327710">
+                <a:tc>
+                  <a:txBody>
+                    <a:bodyPr/>
+                    <a:lstStyle/>
+                    <a:p>
+                      <a:pPr algn="r" fontAlgn="b"/>
+                      <a:r>
+                        <a:rPr lang="en-US" sz="1700" u="none" strike="noStrike">
+                          <a:effectLst/>
+                        </a:rPr>
+                        <a:t>1980</a:t>
+                      </a:r>
+                      <a:endParaRPr lang="en-US" sz="1700" b="0" i="0" u="none" strike="noStrike">
+                        <a:solidFill>
+                          <a:srgbClr val="000000"/>
+                        </a:solidFill>
+                        <a:effectLst/>
+                        <a:latin typeface="Aptos Narrow" panose="020B0004020202020204" pitchFamily="34" charset="0"/>
+                      </a:endParaRPr>
+                    </a:p>
+                  </a:txBody>
+                  <a:tcPr marL="13632" marR="13632" marT="13632" marB="0" anchor="b"/>
+                </a:tc>
+                <a:tc>
+                  <a:txBody>
+                    <a:bodyPr/>
+                    <a:lstStyle/>
+                    <a:p>
+                      <a:pPr algn="r" fontAlgn="b"/>
+                      <a:r>
+                        <a:rPr lang="en-US" sz="1700" u="none" strike="noStrike">
+                          <a:effectLst/>
+                        </a:rPr>
+                        <a:t>5,222</a:t>
+                      </a:r>
+                      <a:endParaRPr lang="en-US" sz="1700" b="0" i="0" u="none" strike="noStrike">
+                        <a:solidFill>
+                          <a:srgbClr val="000000"/>
+                        </a:solidFill>
+                        <a:effectLst/>
+                        <a:latin typeface="Aptos Narrow" panose="020B0004020202020204" pitchFamily="34" charset="0"/>
+                      </a:endParaRPr>
+                    </a:p>
+                  </a:txBody>
+                  <a:tcPr marL="13632" marR="13632" marT="13632" marB="0" anchor="b"/>
+                </a:tc>
+                <a:tc>
+                  <a:txBody>
+                    <a:bodyPr/>
+                    <a:lstStyle/>
+                    <a:p>
+                      <a:pPr algn="r" fontAlgn="b"/>
+                      <a:r>
+                        <a:rPr lang="en-US" sz="1700" u="none" strike="noStrike">
+                          <a:effectLst/>
+                        </a:rPr>
+                        <a:t>2.41</a:t>
+                      </a:r>
+                      <a:endParaRPr lang="en-US" sz="1700" b="0" i="0" u="none" strike="noStrike">
+                        <a:solidFill>
+                          <a:srgbClr val="000000"/>
+                        </a:solidFill>
+                        <a:effectLst/>
+                        <a:latin typeface="Aptos Narrow" panose="020B0004020202020204" pitchFamily="34" charset="0"/>
+                      </a:endParaRPr>
+                    </a:p>
+                  </a:txBody>
+                  <a:tcPr marL="13632" marR="13632" marT="13632" marB="0" anchor="b"/>
+                </a:tc>
+                <a:tc>
+                  <a:txBody>
+                    <a:bodyPr/>
+                    <a:lstStyle/>
+                    <a:p>
+                      <a:pPr algn="r" fontAlgn="b"/>
+                      <a:r>
+                        <a:rPr lang="en-US" sz="1700" u="none" strike="noStrike">
+                          <a:effectLst/>
+                        </a:rPr>
+                        <a:t>1995</a:t>
+                      </a:r>
+                      <a:endParaRPr lang="en-US" sz="1700" b="0" i="0" u="none" strike="noStrike">
+                        <a:solidFill>
+                          <a:srgbClr val="000000"/>
+                        </a:solidFill>
+                        <a:effectLst/>
+                        <a:latin typeface="Aptos Narrow" panose="020B0004020202020204" pitchFamily="34" charset="0"/>
+                      </a:endParaRPr>
+                    </a:p>
+                  </a:txBody>
+                  <a:tcPr marL="13632" marR="13632" marT="13632" marB="0" anchor="b"/>
+                </a:tc>
+                <a:tc>
+                  <a:txBody>
+                    <a:bodyPr/>
+                    <a:lstStyle/>
+                    <a:p>
+                      <a:pPr algn="r" fontAlgn="b"/>
+                      <a:r>
+                        <a:rPr lang="en-US" sz="1700" u="none" strike="noStrike">
+                          <a:effectLst/>
+                        </a:rPr>
+                        <a:t>7,733</a:t>
+                      </a:r>
+                      <a:endParaRPr lang="en-US" sz="1700" b="0" i="0" u="none" strike="noStrike">
+                        <a:solidFill>
+                          <a:srgbClr val="000000"/>
+                        </a:solidFill>
+                        <a:effectLst/>
+                        <a:latin typeface="Aptos Narrow" panose="020B0004020202020204" pitchFamily="34" charset="0"/>
+                      </a:endParaRPr>
+                    </a:p>
+                  </a:txBody>
+                  <a:tcPr marL="13632" marR="13632" marT="13632" marB="0" anchor="b"/>
+                </a:tc>
+                <a:tc>
+                  <a:txBody>
+                    <a:bodyPr/>
+                    <a:lstStyle/>
+                    <a:p>
+                      <a:pPr algn="r" fontAlgn="b"/>
+                      <a:r>
+                        <a:rPr lang="en-US" sz="1700" u="none" strike="noStrike">
+                          <a:effectLst/>
+                        </a:rPr>
+                        <a:t>3.57</a:t>
+                      </a:r>
+                      <a:endParaRPr lang="en-US" sz="1700" b="0" i="0" u="none" strike="noStrike">
+                        <a:solidFill>
+                          <a:srgbClr val="000000"/>
+                        </a:solidFill>
+                        <a:effectLst/>
+                        <a:latin typeface="Aptos Narrow" panose="020B0004020202020204" pitchFamily="34" charset="0"/>
+                      </a:endParaRPr>
+                    </a:p>
+                  </a:txBody>
+                  <a:tcPr marL="13632" marR="13632" marT="13632" marB="0" anchor="b"/>
+                </a:tc>
+                <a:extLst>
+                  <a:ext uri="{0D108BD9-81ED-4DB2-BD59-A6C34878D82A}">
+                    <a16:rowId xmlns:a16="http://schemas.microsoft.com/office/drawing/2014/main" val="2747629266"/>
+                  </a:ext>
+                </a:extLst>
+              </a:tr>
+              <a:tr h="327710">
+                <a:tc>
+                  <a:txBody>
+                    <a:bodyPr/>
+                    <a:lstStyle/>
+                    <a:p>
+                      <a:pPr algn="r" fontAlgn="b"/>
+                      <a:r>
+                        <a:rPr lang="en-US" sz="1700" u="none" strike="noStrike">
+                          <a:effectLst/>
+                        </a:rPr>
+                        <a:t>1981</a:t>
+                      </a:r>
+                      <a:endParaRPr lang="en-US" sz="1700" b="0" i="0" u="none" strike="noStrike">
+                        <a:solidFill>
+                          <a:srgbClr val="000000"/>
+                        </a:solidFill>
+                        <a:effectLst/>
+                        <a:latin typeface="Aptos Narrow" panose="020B0004020202020204" pitchFamily="34" charset="0"/>
+                      </a:endParaRPr>
+                    </a:p>
+                  </a:txBody>
+                  <a:tcPr marL="13632" marR="13632" marT="13632" marB="0" anchor="b"/>
+                </a:tc>
+                <a:tc>
+                  <a:txBody>
+                    <a:bodyPr/>
+                    <a:lstStyle/>
+                    <a:p>
+                      <a:pPr algn="r" fontAlgn="b"/>
+                      <a:r>
+                        <a:rPr lang="en-US" sz="1700" u="none" strike="noStrike">
+                          <a:effectLst/>
+                        </a:rPr>
+                        <a:t>5,222</a:t>
+                      </a:r>
+                      <a:endParaRPr lang="en-US" sz="1700" b="0" i="0" u="none" strike="noStrike">
+                        <a:solidFill>
+                          <a:srgbClr val="000000"/>
+                        </a:solidFill>
+                        <a:effectLst/>
+                        <a:latin typeface="Aptos Narrow" panose="020B0004020202020204" pitchFamily="34" charset="0"/>
+                      </a:endParaRPr>
+                    </a:p>
+                  </a:txBody>
+                  <a:tcPr marL="13632" marR="13632" marT="13632" marB="0" anchor="b"/>
+                </a:tc>
+                <a:tc>
+                  <a:txBody>
+                    <a:bodyPr/>
+                    <a:lstStyle/>
+                    <a:p>
+                      <a:pPr algn="r" fontAlgn="b"/>
+                      <a:r>
+                        <a:rPr lang="en-US" sz="1700" u="none" strike="noStrike">
+                          <a:effectLst/>
+                        </a:rPr>
+                        <a:t>2.41</a:t>
+                      </a:r>
+                      <a:endParaRPr lang="en-US" sz="1700" b="0" i="0" u="none" strike="noStrike">
+                        <a:solidFill>
+                          <a:srgbClr val="000000"/>
+                        </a:solidFill>
+                        <a:effectLst/>
+                        <a:latin typeface="Aptos Narrow" panose="020B0004020202020204" pitchFamily="34" charset="0"/>
+                      </a:endParaRPr>
+                    </a:p>
+                  </a:txBody>
+                  <a:tcPr marL="13632" marR="13632" marT="13632" marB="0" anchor="b"/>
+                </a:tc>
+                <a:tc>
+                  <a:txBody>
+                    <a:bodyPr/>
+                    <a:lstStyle/>
+                    <a:p>
+                      <a:pPr algn="r" fontAlgn="b"/>
+                      <a:r>
+                        <a:rPr lang="en-US" sz="1700" u="none" strike="noStrike">
+                          <a:effectLst/>
+                        </a:rPr>
+                        <a:t>1996</a:t>
+                      </a:r>
+                      <a:endParaRPr lang="en-US" sz="1700" b="0" i="0" u="none" strike="noStrike">
+                        <a:solidFill>
+                          <a:srgbClr val="000000"/>
+                        </a:solidFill>
+                        <a:effectLst/>
+                        <a:latin typeface="Aptos Narrow" panose="020B0004020202020204" pitchFamily="34" charset="0"/>
+                      </a:endParaRPr>
+                    </a:p>
+                  </a:txBody>
+                  <a:tcPr marL="13632" marR="13632" marT="13632" marB="0" anchor="b"/>
+                </a:tc>
+                <a:tc>
+                  <a:txBody>
+                    <a:bodyPr/>
+                    <a:lstStyle/>
+                    <a:p>
+                      <a:pPr algn="r" fontAlgn="b"/>
+                      <a:r>
+                        <a:rPr lang="en-US" sz="1700" u="none" strike="noStrike">
+                          <a:effectLst/>
+                        </a:rPr>
+                        <a:t>7,733</a:t>
+                      </a:r>
+                      <a:endParaRPr lang="en-US" sz="1700" b="0" i="0" u="none" strike="noStrike">
+                        <a:solidFill>
+                          <a:srgbClr val="000000"/>
+                        </a:solidFill>
+                        <a:effectLst/>
+                        <a:latin typeface="Aptos Narrow" panose="020B0004020202020204" pitchFamily="34" charset="0"/>
+                      </a:endParaRPr>
+                    </a:p>
+                  </a:txBody>
+                  <a:tcPr marL="13632" marR="13632" marT="13632" marB="0" anchor="b"/>
+                </a:tc>
+                <a:tc>
+                  <a:txBody>
+                    <a:bodyPr/>
+                    <a:lstStyle/>
+                    <a:p>
+                      <a:pPr algn="r" fontAlgn="b"/>
+                      <a:r>
+                        <a:rPr lang="en-US" sz="1700" u="none" strike="noStrike">
+                          <a:effectLst/>
+                        </a:rPr>
+                        <a:t>3.57</a:t>
+                      </a:r>
+                      <a:endParaRPr lang="en-US" sz="1700" b="0" i="0" u="none" strike="noStrike">
+                        <a:solidFill>
+                          <a:srgbClr val="000000"/>
+                        </a:solidFill>
+                        <a:effectLst/>
+                        <a:latin typeface="Aptos Narrow" panose="020B0004020202020204" pitchFamily="34" charset="0"/>
+                      </a:endParaRPr>
+                    </a:p>
+                  </a:txBody>
+                  <a:tcPr marL="13632" marR="13632" marT="13632" marB="0" anchor="b"/>
+                </a:tc>
+                <a:extLst>
+                  <a:ext uri="{0D108BD9-81ED-4DB2-BD59-A6C34878D82A}">
+                    <a16:rowId xmlns:a16="http://schemas.microsoft.com/office/drawing/2014/main" val="2984385892"/>
+                  </a:ext>
+                </a:extLst>
+              </a:tr>
+              <a:tr h="327710">
+                <a:tc>
+                  <a:txBody>
+                    <a:bodyPr/>
+                    <a:lstStyle/>
+                    <a:p>
+                      <a:pPr algn="r" fontAlgn="b"/>
+                      <a:r>
+                        <a:rPr lang="en-US" sz="1700" u="none" strike="noStrike">
+                          <a:effectLst/>
+                        </a:rPr>
+                        <a:t>1982</a:t>
+                      </a:r>
+                      <a:endParaRPr lang="en-US" sz="1700" b="0" i="0" u="none" strike="noStrike">
+                        <a:solidFill>
+                          <a:srgbClr val="000000"/>
+                        </a:solidFill>
+                        <a:effectLst/>
+                        <a:latin typeface="Aptos Narrow" panose="020B0004020202020204" pitchFamily="34" charset="0"/>
+                      </a:endParaRPr>
+                    </a:p>
+                  </a:txBody>
+                  <a:tcPr marL="13632" marR="13632" marT="13632" marB="0" anchor="b"/>
+                </a:tc>
+                <a:tc>
+                  <a:txBody>
+                    <a:bodyPr/>
+                    <a:lstStyle/>
+                    <a:p>
+                      <a:pPr algn="r" fontAlgn="b"/>
+                      <a:r>
+                        <a:rPr lang="en-US" sz="1700" u="none" strike="noStrike">
+                          <a:effectLst/>
+                        </a:rPr>
+                        <a:t>5,222</a:t>
+                      </a:r>
+                      <a:endParaRPr lang="en-US" sz="1700" b="0" i="0" u="none" strike="noStrike">
+                        <a:solidFill>
+                          <a:srgbClr val="000000"/>
+                        </a:solidFill>
+                        <a:effectLst/>
+                        <a:latin typeface="Aptos Narrow" panose="020B0004020202020204" pitchFamily="34" charset="0"/>
+                      </a:endParaRPr>
+                    </a:p>
+                  </a:txBody>
+                  <a:tcPr marL="13632" marR="13632" marT="13632" marB="0" anchor="b"/>
+                </a:tc>
+                <a:tc>
+                  <a:txBody>
+                    <a:bodyPr/>
+                    <a:lstStyle/>
+                    <a:p>
+                      <a:pPr algn="r" fontAlgn="b"/>
+                      <a:r>
+                        <a:rPr lang="en-US" sz="1700" u="none" strike="noStrike">
+                          <a:effectLst/>
+                        </a:rPr>
+                        <a:t>2.41</a:t>
+                      </a:r>
+                      <a:endParaRPr lang="en-US" sz="1700" b="0" i="0" u="none" strike="noStrike">
+                        <a:solidFill>
+                          <a:srgbClr val="000000"/>
+                        </a:solidFill>
+                        <a:effectLst/>
+                        <a:latin typeface="Aptos Narrow" panose="020B0004020202020204" pitchFamily="34" charset="0"/>
+                      </a:endParaRPr>
+                    </a:p>
+                  </a:txBody>
+                  <a:tcPr marL="13632" marR="13632" marT="13632" marB="0" anchor="b"/>
+                </a:tc>
+                <a:tc>
+                  <a:txBody>
+                    <a:bodyPr/>
+                    <a:lstStyle/>
+                    <a:p>
+                      <a:pPr algn="r" fontAlgn="b"/>
+                      <a:r>
+                        <a:rPr lang="en-US" sz="1700" u="none" strike="noStrike">
+                          <a:effectLst/>
+                        </a:rPr>
+                        <a:t>1997</a:t>
+                      </a:r>
+                      <a:endParaRPr lang="en-US" sz="1700" b="0" i="0" u="none" strike="noStrike">
+                        <a:solidFill>
+                          <a:srgbClr val="000000"/>
+                        </a:solidFill>
+                        <a:effectLst/>
+                        <a:latin typeface="Aptos Narrow" panose="020B0004020202020204" pitchFamily="34" charset="0"/>
+                      </a:endParaRPr>
+                    </a:p>
+                  </a:txBody>
+                  <a:tcPr marL="13632" marR="13632" marT="13632" marB="0" anchor="b"/>
+                </a:tc>
+                <a:tc>
+                  <a:txBody>
+                    <a:bodyPr/>
+                    <a:lstStyle/>
+                    <a:p>
+                      <a:pPr algn="r" fontAlgn="b"/>
+                      <a:r>
+                        <a:rPr lang="en-US" sz="1700" u="none" strike="noStrike">
+                          <a:effectLst/>
+                        </a:rPr>
+                        <a:t>7,733</a:t>
+                      </a:r>
+                      <a:endParaRPr lang="en-US" sz="1700" b="0" i="0" u="none" strike="noStrike">
+                        <a:solidFill>
+                          <a:srgbClr val="000000"/>
+                        </a:solidFill>
+                        <a:effectLst/>
+                        <a:latin typeface="Aptos Narrow" panose="020B0004020202020204" pitchFamily="34" charset="0"/>
+                      </a:endParaRPr>
+                    </a:p>
+                  </a:txBody>
+                  <a:tcPr marL="13632" marR="13632" marT="13632" marB="0" anchor="b"/>
+                </a:tc>
+                <a:tc>
+                  <a:txBody>
+                    <a:bodyPr/>
+                    <a:lstStyle/>
+                    <a:p>
+                      <a:pPr algn="r" fontAlgn="b"/>
+                      <a:r>
+                        <a:rPr lang="en-US" sz="1700" u="none" strike="noStrike">
+                          <a:effectLst/>
+                        </a:rPr>
+                        <a:t>3.57</a:t>
+                      </a:r>
+                      <a:endParaRPr lang="en-US" sz="1700" b="0" i="0" u="none" strike="noStrike">
+                        <a:solidFill>
+                          <a:srgbClr val="000000"/>
+                        </a:solidFill>
+                        <a:effectLst/>
+                        <a:latin typeface="Aptos Narrow" panose="020B0004020202020204" pitchFamily="34" charset="0"/>
+                      </a:endParaRPr>
+                    </a:p>
+                  </a:txBody>
+                  <a:tcPr marL="13632" marR="13632" marT="13632" marB="0" anchor="b"/>
+                </a:tc>
+                <a:extLst>
+                  <a:ext uri="{0D108BD9-81ED-4DB2-BD59-A6C34878D82A}">
+                    <a16:rowId xmlns:a16="http://schemas.microsoft.com/office/drawing/2014/main" val="1050336326"/>
+                  </a:ext>
+                </a:extLst>
+              </a:tr>
+              <a:tr h="327710">
+                <a:tc>
+                  <a:txBody>
+                    <a:bodyPr/>
+                    <a:lstStyle/>
+                    <a:p>
+                      <a:pPr algn="r" fontAlgn="b"/>
+                      <a:r>
+                        <a:rPr lang="en-US" sz="1700" u="none" strike="noStrike">
+                          <a:effectLst/>
+                        </a:rPr>
+                        <a:t>1983</a:t>
+                      </a:r>
+                      <a:endParaRPr lang="en-US" sz="1700" b="0" i="0" u="none" strike="noStrike">
+                        <a:solidFill>
+                          <a:srgbClr val="000000"/>
+                        </a:solidFill>
+                        <a:effectLst/>
+                        <a:latin typeface="Aptos Narrow" panose="020B0004020202020204" pitchFamily="34" charset="0"/>
+                      </a:endParaRPr>
+                    </a:p>
+                  </a:txBody>
+                  <a:tcPr marL="13632" marR="13632" marT="13632" marB="0" anchor="b"/>
+                </a:tc>
+                <a:tc>
+                  <a:txBody>
+                    <a:bodyPr/>
+                    <a:lstStyle/>
+                    <a:p>
+                      <a:pPr algn="r" fontAlgn="b"/>
+                      <a:r>
+                        <a:rPr lang="en-US" sz="1700" u="none" strike="noStrike">
+                          <a:effectLst/>
+                        </a:rPr>
+                        <a:t>5,222</a:t>
+                      </a:r>
+                      <a:endParaRPr lang="en-US" sz="1700" b="0" i="0" u="none" strike="noStrike">
+                        <a:solidFill>
+                          <a:srgbClr val="000000"/>
+                        </a:solidFill>
+                        <a:effectLst/>
+                        <a:latin typeface="Aptos Narrow" panose="020B0004020202020204" pitchFamily="34" charset="0"/>
+                      </a:endParaRPr>
+                    </a:p>
+                  </a:txBody>
+                  <a:tcPr marL="13632" marR="13632" marT="13632" marB="0" anchor="b"/>
+                </a:tc>
+                <a:tc>
+                  <a:txBody>
+                    <a:bodyPr/>
+                    <a:lstStyle/>
+                    <a:p>
+                      <a:pPr algn="r" fontAlgn="b"/>
+                      <a:r>
+                        <a:rPr lang="en-US" sz="1700" u="none" strike="noStrike">
+                          <a:effectLst/>
+                        </a:rPr>
+                        <a:t>2.41</a:t>
+                      </a:r>
+                      <a:endParaRPr lang="en-US" sz="1700" b="0" i="0" u="none" strike="noStrike">
+                        <a:solidFill>
+                          <a:srgbClr val="000000"/>
+                        </a:solidFill>
+                        <a:effectLst/>
+                        <a:latin typeface="Aptos Narrow" panose="020B0004020202020204" pitchFamily="34" charset="0"/>
+                      </a:endParaRPr>
+                    </a:p>
+                  </a:txBody>
+                  <a:tcPr marL="13632" marR="13632" marT="13632" marB="0" anchor="b"/>
+                </a:tc>
+                <a:tc>
+                  <a:txBody>
+                    <a:bodyPr/>
+                    <a:lstStyle/>
+                    <a:p>
+                      <a:pPr algn="r" fontAlgn="b"/>
+                      <a:r>
+                        <a:rPr lang="en-US" sz="1700" u="none" strike="noStrike">
+                          <a:effectLst/>
+                        </a:rPr>
+                        <a:t>1998</a:t>
+                      </a:r>
+                      <a:endParaRPr lang="en-US" sz="1700" b="0" i="0" u="none" strike="noStrike">
+                        <a:solidFill>
+                          <a:srgbClr val="000000"/>
+                        </a:solidFill>
+                        <a:effectLst/>
+                        <a:latin typeface="Aptos Narrow" panose="020B0004020202020204" pitchFamily="34" charset="0"/>
+                      </a:endParaRPr>
+                    </a:p>
+                  </a:txBody>
+                  <a:tcPr marL="13632" marR="13632" marT="13632" marB="0" anchor="b"/>
+                </a:tc>
+                <a:tc>
+                  <a:txBody>
+                    <a:bodyPr/>
+                    <a:lstStyle/>
+                    <a:p>
+                      <a:pPr algn="r" fontAlgn="b"/>
+                      <a:r>
+                        <a:rPr lang="en-US" sz="1700" u="none" strike="noStrike">
+                          <a:effectLst/>
+                        </a:rPr>
+                        <a:t>7,733</a:t>
+                      </a:r>
+                      <a:endParaRPr lang="en-US" sz="1700" b="0" i="0" u="none" strike="noStrike">
+                        <a:solidFill>
+                          <a:srgbClr val="000000"/>
+                        </a:solidFill>
+                        <a:effectLst/>
+                        <a:latin typeface="Aptos Narrow" panose="020B0004020202020204" pitchFamily="34" charset="0"/>
+                      </a:endParaRPr>
+                    </a:p>
+                  </a:txBody>
+                  <a:tcPr marL="13632" marR="13632" marT="13632" marB="0" anchor="b"/>
+                </a:tc>
+                <a:tc>
+                  <a:txBody>
+                    <a:bodyPr/>
+                    <a:lstStyle/>
+                    <a:p>
+                      <a:pPr algn="r" fontAlgn="b"/>
+                      <a:r>
+                        <a:rPr lang="en-US" sz="1700" u="none" strike="noStrike">
+                          <a:effectLst/>
+                        </a:rPr>
+                        <a:t>3.57</a:t>
+                      </a:r>
+                      <a:endParaRPr lang="en-US" sz="1700" b="0" i="0" u="none" strike="noStrike">
+                        <a:solidFill>
+                          <a:srgbClr val="000000"/>
+                        </a:solidFill>
+                        <a:effectLst/>
+                        <a:latin typeface="Aptos Narrow" panose="020B0004020202020204" pitchFamily="34" charset="0"/>
+                      </a:endParaRPr>
+                    </a:p>
+                  </a:txBody>
+                  <a:tcPr marL="13632" marR="13632" marT="13632" marB="0" anchor="b"/>
+                </a:tc>
+                <a:extLst>
+                  <a:ext uri="{0D108BD9-81ED-4DB2-BD59-A6C34878D82A}">
+                    <a16:rowId xmlns:a16="http://schemas.microsoft.com/office/drawing/2014/main" val="2845019583"/>
+                  </a:ext>
+                </a:extLst>
+              </a:tr>
+              <a:tr h="327710">
+                <a:tc>
+                  <a:txBody>
+                    <a:bodyPr/>
+                    <a:lstStyle/>
+                    <a:p>
+                      <a:pPr algn="r" fontAlgn="b"/>
+                      <a:r>
+                        <a:rPr lang="en-US" sz="1700" u="none" strike="noStrike">
+                          <a:effectLst/>
+                        </a:rPr>
+                        <a:t>1984</a:t>
+                      </a:r>
+                      <a:endParaRPr lang="en-US" sz="1700" b="0" i="0" u="none" strike="noStrike">
+                        <a:solidFill>
+                          <a:srgbClr val="000000"/>
+                        </a:solidFill>
+                        <a:effectLst/>
+                        <a:latin typeface="Aptos Narrow" panose="020B0004020202020204" pitchFamily="34" charset="0"/>
+                      </a:endParaRPr>
+                    </a:p>
+                  </a:txBody>
+                  <a:tcPr marL="13632" marR="13632" marT="13632" marB="0" anchor="b"/>
+                </a:tc>
+                <a:tc>
+                  <a:txBody>
+                    <a:bodyPr/>
+                    <a:lstStyle/>
+                    <a:p>
+                      <a:pPr algn="r" fontAlgn="b"/>
+                      <a:r>
+                        <a:rPr lang="en-US" sz="1700" u="none" strike="noStrike">
+                          <a:effectLst/>
+                        </a:rPr>
+                        <a:t>5,222</a:t>
+                      </a:r>
+                      <a:endParaRPr lang="en-US" sz="1700" b="0" i="0" u="none" strike="noStrike">
+                        <a:solidFill>
+                          <a:srgbClr val="000000"/>
+                        </a:solidFill>
+                        <a:effectLst/>
+                        <a:latin typeface="Aptos Narrow" panose="020B0004020202020204" pitchFamily="34" charset="0"/>
+                      </a:endParaRPr>
+                    </a:p>
+                  </a:txBody>
+                  <a:tcPr marL="13632" marR="13632" marT="13632" marB="0" anchor="b"/>
+                </a:tc>
+                <a:tc>
+                  <a:txBody>
+                    <a:bodyPr/>
+                    <a:lstStyle/>
+                    <a:p>
+                      <a:pPr algn="r" fontAlgn="b"/>
+                      <a:r>
+                        <a:rPr lang="en-US" sz="1700" u="none" strike="noStrike">
+                          <a:effectLst/>
+                        </a:rPr>
+                        <a:t>2.41</a:t>
+                      </a:r>
+                      <a:endParaRPr lang="en-US" sz="1700" b="0" i="0" u="none" strike="noStrike">
+                        <a:solidFill>
+                          <a:srgbClr val="000000"/>
+                        </a:solidFill>
+                        <a:effectLst/>
+                        <a:latin typeface="Aptos Narrow" panose="020B0004020202020204" pitchFamily="34" charset="0"/>
+                      </a:endParaRPr>
+                    </a:p>
+                  </a:txBody>
+                  <a:tcPr marL="13632" marR="13632" marT="13632" marB="0" anchor="b"/>
+                </a:tc>
+                <a:tc>
+                  <a:txBody>
+                    <a:bodyPr/>
+                    <a:lstStyle/>
+                    <a:p>
+                      <a:pPr algn="r" fontAlgn="b"/>
+                      <a:r>
+                        <a:rPr lang="en-US" sz="1700" u="none" strike="noStrike">
+                          <a:effectLst/>
+                        </a:rPr>
+                        <a:t>1999</a:t>
+                      </a:r>
+                      <a:endParaRPr lang="en-US" sz="1700" b="0" i="0" u="none" strike="noStrike">
+                        <a:solidFill>
+                          <a:srgbClr val="000000"/>
+                        </a:solidFill>
+                        <a:effectLst/>
+                        <a:latin typeface="Aptos Narrow" panose="020B0004020202020204" pitchFamily="34" charset="0"/>
+                      </a:endParaRPr>
+                    </a:p>
+                  </a:txBody>
+                  <a:tcPr marL="13632" marR="13632" marT="13632" marB="0" anchor="b"/>
+                </a:tc>
+                <a:tc>
+                  <a:txBody>
+                    <a:bodyPr/>
+                    <a:lstStyle/>
+                    <a:p>
+                      <a:pPr algn="r" fontAlgn="b"/>
+                      <a:r>
+                        <a:rPr lang="en-US" sz="1700" u="none" strike="noStrike">
+                          <a:effectLst/>
+                        </a:rPr>
+                        <a:t>7,733</a:t>
+                      </a:r>
+                      <a:endParaRPr lang="en-US" sz="1700" b="0" i="0" u="none" strike="noStrike">
+                        <a:solidFill>
+                          <a:srgbClr val="000000"/>
+                        </a:solidFill>
+                        <a:effectLst/>
+                        <a:latin typeface="Aptos Narrow" panose="020B0004020202020204" pitchFamily="34" charset="0"/>
+                      </a:endParaRPr>
+                    </a:p>
+                  </a:txBody>
+                  <a:tcPr marL="13632" marR="13632" marT="13632" marB="0" anchor="b"/>
+                </a:tc>
+                <a:tc>
+                  <a:txBody>
+                    <a:bodyPr/>
+                    <a:lstStyle/>
+                    <a:p>
+                      <a:pPr algn="r" fontAlgn="b"/>
+                      <a:r>
+                        <a:rPr lang="en-US" sz="1700" u="none" strike="noStrike">
+                          <a:effectLst/>
+                        </a:rPr>
+                        <a:t>3.57</a:t>
+                      </a:r>
+                      <a:endParaRPr lang="en-US" sz="1700" b="0" i="0" u="none" strike="noStrike">
+                        <a:solidFill>
+                          <a:srgbClr val="000000"/>
+                        </a:solidFill>
+                        <a:effectLst/>
+                        <a:latin typeface="Aptos Narrow" panose="020B0004020202020204" pitchFamily="34" charset="0"/>
+                      </a:endParaRPr>
+                    </a:p>
+                  </a:txBody>
+                  <a:tcPr marL="13632" marR="13632" marT="13632" marB="0" anchor="b"/>
+                </a:tc>
+                <a:extLst>
+                  <a:ext uri="{0D108BD9-81ED-4DB2-BD59-A6C34878D82A}">
+                    <a16:rowId xmlns:a16="http://schemas.microsoft.com/office/drawing/2014/main" val="3990550037"/>
+                  </a:ext>
+                </a:extLst>
+              </a:tr>
+              <a:tr h="327710">
+                <a:tc>
+                  <a:txBody>
+                    <a:bodyPr/>
+                    <a:lstStyle/>
+                    <a:p>
+                      <a:pPr algn="r" fontAlgn="b"/>
+                      <a:r>
+                        <a:rPr lang="en-US" sz="1700" u="none" strike="noStrike">
+                          <a:effectLst/>
+                        </a:rPr>
+                        <a:t>1985</a:t>
+                      </a:r>
+                      <a:endParaRPr lang="en-US" sz="1700" b="0" i="0" u="none" strike="noStrike">
+                        <a:solidFill>
+                          <a:srgbClr val="000000"/>
+                        </a:solidFill>
+                        <a:effectLst/>
+                        <a:latin typeface="Aptos Narrow" panose="020B0004020202020204" pitchFamily="34" charset="0"/>
+                      </a:endParaRPr>
+                    </a:p>
+                  </a:txBody>
+                  <a:tcPr marL="13632" marR="13632" marT="13632" marB="0" anchor="b"/>
+                </a:tc>
+                <a:tc>
+                  <a:txBody>
+                    <a:bodyPr/>
+                    <a:lstStyle/>
+                    <a:p>
+                      <a:pPr algn="r" fontAlgn="b"/>
+                      <a:r>
+                        <a:rPr lang="en-US" sz="1700" u="none" strike="noStrike">
+                          <a:effectLst/>
+                        </a:rPr>
+                        <a:t>5,222</a:t>
+                      </a:r>
+                      <a:endParaRPr lang="en-US" sz="1700" b="0" i="0" u="none" strike="noStrike">
+                        <a:solidFill>
+                          <a:srgbClr val="000000"/>
+                        </a:solidFill>
+                        <a:effectLst/>
+                        <a:latin typeface="Aptos Narrow" panose="020B0004020202020204" pitchFamily="34" charset="0"/>
+                      </a:endParaRPr>
+                    </a:p>
+                  </a:txBody>
+                  <a:tcPr marL="13632" marR="13632" marT="13632" marB="0" anchor="b"/>
+                </a:tc>
+                <a:tc>
+                  <a:txBody>
+                    <a:bodyPr/>
+                    <a:lstStyle/>
+                    <a:p>
+                      <a:pPr algn="r" fontAlgn="b"/>
+                      <a:r>
+                        <a:rPr lang="en-US" sz="1700" u="none" strike="noStrike">
+                          <a:effectLst/>
+                        </a:rPr>
+                        <a:t>2.41</a:t>
+                      </a:r>
+                      <a:endParaRPr lang="en-US" sz="1700" b="0" i="0" u="none" strike="noStrike">
+                        <a:solidFill>
+                          <a:srgbClr val="000000"/>
+                        </a:solidFill>
+                        <a:effectLst/>
+                        <a:latin typeface="Aptos Narrow" panose="020B0004020202020204" pitchFamily="34" charset="0"/>
+                      </a:endParaRPr>
+                    </a:p>
+                  </a:txBody>
+                  <a:tcPr marL="13632" marR="13632" marT="13632" marB="0" anchor="b"/>
+                </a:tc>
+                <a:tc>
+                  <a:txBody>
+                    <a:bodyPr/>
+                    <a:lstStyle/>
+                    <a:p>
+                      <a:pPr algn="r" fontAlgn="b"/>
+                      <a:r>
+                        <a:rPr lang="en-US" sz="1700" u="none" strike="noStrike">
+                          <a:effectLst/>
+                        </a:rPr>
+                        <a:t>2000</a:t>
+                      </a:r>
+                      <a:endParaRPr lang="en-US" sz="1700" b="0" i="0" u="none" strike="noStrike">
+                        <a:solidFill>
+                          <a:srgbClr val="000000"/>
+                        </a:solidFill>
+                        <a:effectLst/>
+                        <a:latin typeface="Aptos Narrow" panose="020B0004020202020204" pitchFamily="34" charset="0"/>
+                      </a:endParaRPr>
+                    </a:p>
+                  </a:txBody>
+                  <a:tcPr marL="13632" marR="13632" marT="13632" marB="0" anchor="b"/>
+                </a:tc>
+                <a:tc>
+                  <a:txBody>
+                    <a:bodyPr/>
+                    <a:lstStyle/>
+                    <a:p>
+                      <a:pPr algn="r" fontAlgn="b"/>
+                      <a:r>
+                        <a:rPr lang="en-US" sz="1700" u="none" strike="noStrike">
+                          <a:effectLst/>
+                        </a:rPr>
+                        <a:t>7,733</a:t>
+                      </a:r>
+                      <a:endParaRPr lang="en-US" sz="1700" b="0" i="0" u="none" strike="noStrike">
+                        <a:solidFill>
+                          <a:srgbClr val="000000"/>
+                        </a:solidFill>
+                        <a:effectLst/>
+                        <a:latin typeface="Aptos Narrow" panose="020B0004020202020204" pitchFamily="34" charset="0"/>
+                      </a:endParaRPr>
+                    </a:p>
+                  </a:txBody>
+                  <a:tcPr marL="13632" marR="13632" marT="13632" marB="0" anchor="b"/>
+                </a:tc>
+                <a:tc>
+                  <a:txBody>
+                    <a:bodyPr/>
+                    <a:lstStyle/>
+                    <a:p>
+                      <a:pPr algn="r" fontAlgn="b"/>
+                      <a:r>
+                        <a:rPr lang="en-US" sz="1700" u="none" strike="noStrike">
+                          <a:effectLst/>
+                        </a:rPr>
+                        <a:t>3.57</a:t>
+                      </a:r>
+                      <a:endParaRPr lang="en-US" sz="1700" b="0" i="0" u="none" strike="noStrike">
+                        <a:solidFill>
+                          <a:srgbClr val="000000"/>
+                        </a:solidFill>
+                        <a:effectLst/>
+                        <a:latin typeface="Aptos Narrow" panose="020B0004020202020204" pitchFamily="34" charset="0"/>
+                      </a:endParaRPr>
+                    </a:p>
+                  </a:txBody>
+                  <a:tcPr marL="13632" marR="13632" marT="13632" marB="0" anchor="b"/>
+                </a:tc>
+                <a:extLst>
+                  <a:ext uri="{0D108BD9-81ED-4DB2-BD59-A6C34878D82A}">
+                    <a16:rowId xmlns:a16="http://schemas.microsoft.com/office/drawing/2014/main" val="2251397765"/>
+                  </a:ext>
+                </a:extLst>
+              </a:tr>
+              <a:tr h="327710">
+                <a:tc>
+                  <a:txBody>
+                    <a:bodyPr/>
+                    <a:lstStyle/>
+                    <a:p>
+                      <a:pPr algn="r" fontAlgn="b"/>
+                      <a:r>
+                        <a:rPr lang="en-US" sz="1700" u="none" strike="noStrike">
+                          <a:effectLst/>
+                        </a:rPr>
+                        <a:t>1986</a:t>
+                      </a:r>
+                      <a:endParaRPr lang="en-US" sz="1700" b="0" i="0" u="none" strike="noStrike">
+                        <a:solidFill>
+                          <a:srgbClr val="000000"/>
+                        </a:solidFill>
+                        <a:effectLst/>
+                        <a:latin typeface="Aptos Narrow" panose="020B0004020202020204" pitchFamily="34" charset="0"/>
+                      </a:endParaRPr>
+                    </a:p>
+                  </a:txBody>
+                  <a:tcPr marL="13632" marR="13632" marT="13632" marB="0" anchor="b"/>
+                </a:tc>
+                <a:tc>
+                  <a:txBody>
+                    <a:bodyPr/>
+                    <a:lstStyle/>
+                    <a:p>
+                      <a:pPr algn="r" fontAlgn="b"/>
+                      <a:r>
+                        <a:rPr lang="en-US" sz="1700" u="none" strike="noStrike">
+                          <a:effectLst/>
+                        </a:rPr>
+                        <a:t>5,222</a:t>
+                      </a:r>
+                      <a:endParaRPr lang="en-US" sz="1700" b="0" i="0" u="none" strike="noStrike">
+                        <a:solidFill>
+                          <a:srgbClr val="000000"/>
+                        </a:solidFill>
+                        <a:effectLst/>
+                        <a:latin typeface="Aptos Narrow" panose="020B0004020202020204" pitchFamily="34" charset="0"/>
+                      </a:endParaRPr>
+                    </a:p>
+                  </a:txBody>
+                  <a:tcPr marL="13632" marR="13632" marT="13632" marB="0" anchor="b"/>
+                </a:tc>
+                <a:tc>
+                  <a:txBody>
+                    <a:bodyPr/>
+                    <a:lstStyle/>
+                    <a:p>
+                      <a:pPr algn="r" fontAlgn="b"/>
+                      <a:r>
+                        <a:rPr lang="en-US" sz="1700" u="none" strike="noStrike">
+                          <a:effectLst/>
+                        </a:rPr>
+                        <a:t>2.41</a:t>
+                      </a:r>
+                      <a:endParaRPr lang="en-US" sz="1700" b="0" i="0" u="none" strike="noStrike">
+                        <a:solidFill>
+                          <a:srgbClr val="000000"/>
+                        </a:solidFill>
+                        <a:effectLst/>
+                        <a:latin typeface="Aptos Narrow" panose="020B0004020202020204" pitchFamily="34" charset="0"/>
+                      </a:endParaRPr>
+                    </a:p>
+                  </a:txBody>
+                  <a:tcPr marL="13632" marR="13632" marT="13632" marB="0" anchor="b"/>
+                </a:tc>
+                <a:tc>
+                  <a:txBody>
+                    <a:bodyPr/>
+                    <a:lstStyle/>
+                    <a:p>
+                      <a:pPr algn="r" fontAlgn="b"/>
+                      <a:r>
+                        <a:rPr lang="en-US" sz="1700" u="none" strike="noStrike">
+                          <a:effectLst/>
+                        </a:rPr>
+                        <a:t>2001</a:t>
+                      </a:r>
+                      <a:endParaRPr lang="en-US" sz="1700" b="0" i="0" u="none" strike="noStrike">
+                        <a:solidFill>
+                          <a:srgbClr val="000000"/>
+                        </a:solidFill>
+                        <a:effectLst/>
+                        <a:latin typeface="Aptos Narrow" panose="020B0004020202020204" pitchFamily="34" charset="0"/>
+                      </a:endParaRPr>
+                    </a:p>
+                  </a:txBody>
+                  <a:tcPr marL="13632" marR="13632" marT="13632" marB="0" anchor="b"/>
+                </a:tc>
+                <a:tc>
+                  <a:txBody>
+                    <a:bodyPr/>
+                    <a:lstStyle/>
+                    <a:p>
+                      <a:pPr algn="r" fontAlgn="b"/>
+                      <a:r>
+                        <a:rPr lang="en-US" sz="1700" u="none" strike="noStrike">
+                          <a:effectLst/>
+                        </a:rPr>
+                        <a:t>7,733</a:t>
+                      </a:r>
+                      <a:endParaRPr lang="en-US" sz="1700" b="0" i="0" u="none" strike="noStrike">
+                        <a:solidFill>
+                          <a:srgbClr val="000000"/>
+                        </a:solidFill>
+                        <a:effectLst/>
+                        <a:latin typeface="Aptos Narrow" panose="020B0004020202020204" pitchFamily="34" charset="0"/>
+                      </a:endParaRPr>
+                    </a:p>
+                  </a:txBody>
+                  <a:tcPr marL="13632" marR="13632" marT="13632" marB="0" anchor="b"/>
+                </a:tc>
+                <a:tc>
+                  <a:txBody>
+                    <a:bodyPr/>
+                    <a:lstStyle/>
+                    <a:p>
+                      <a:pPr algn="r" fontAlgn="b"/>
+                      <a:r>
+                        <a:rPr lang="en-US" sz="1700" u="none" strike="noStrike">
+                          <a:effectLst/>
+                        </a:rPr>
+                        <a:t>3.57</a:t>
+                      </a:r>
+                      <a:endParaRPr lang="en-US" sz="1700" b="0" i="0" u="none" strike="noStrike">
+                        <a:solidFill>
+                          <a:srgbClr val="000000"/>
+                        </a:solidFill>
+                        <a:effectLst/>
+                        <a:latin typeface="Aptos Narrow" panose="020B0004020202020204" pitchFamily="34" charset="0"/>
+                      </a:endParaRPr>
+                    </a:p>
+                  </a:txBody>
+                  <a:tcPr marL="13632" marR="13632" marT="13632" marB="0" anchor="b"/>
+                </a:tc>
+                <a:extLst>
+                  <a:ext uri="{0D108BD9-81ED-4DB2-BD59-A6C34878D82A}">
+                    <a16:rowId xmlns:a16="http://schemas.microsoft.com/office/drawing/2014/main" val="1415335679"/>
+                  </a:ext>
+                </a:extLst>
+              </a:tr>
+              <a:tr h="327710">
+                <a:tc>
+                  <a:txBody>
+                    <a:bodyPr/>
+                    <a:lstStyle/>
+                    <a:p>
+                      <a:pPr algn="r" fontAlgn="b"/>
+                      <a:r>
+                        <a:rPr lang="en-US" sz="1700" u="none" strike="noStrike">
+                          <a:effectLst/>
+                        </a:rPr>
+                        <a:t>1987</a:t>
+                      </a:r>
+                      <a:endParaRPr lang="en-US" sz="1700" b="0" i="0" u="none" strike="noStrike">
+                        <a:solidFill>
+                          <a:srgbClr val="000000"/>
+                        </a:solidFill>
+                        <a:effectLst/>
+                        <a:latin typeface="Aptos Narrow" panose="020B0004020202020204" pitchFamily="34" charset="0"/>
+                      </a:endParaRPr>
+                    </a:p>
+                  </a:txBody>
+                  <a:tcPr marL="13632" marR="13632" marT="13632" marB="0" anchor="b"/>
+                </a:tc>
+                <a:tc>
+                  <a:txBody>
+                    <a:bodyPr/>
+                    <a:lstStyle/>
+                    <a:p>
+                      <a:pPr algn="r" fontAlgn="b"/>
+                      <a:r>
+                        <a:rPr lang="en-US" sz="1700" u="none" strike="noStrike">
+                          <a:effectLst/>
+                        </a:rPr>
+                        <a:t>5,222</a:t>
+                      </a:r>
+                      <a:endParaRPr lang="en-US" sz="1700" b="0" i="0" u="none" strike="noStrike">
+                        <a:solidFill>
+                          <a:srgbClr val="000000"/>
+                        </a:solidFill>
+                        <a:effectLst/>
+                        <a:latin typeface="Aptos Narrow" panose="020B0004020202020204" pitchFamily="34" charset="0"/>
+                      </a:endParaRPr>
+                    </a:p>
+                  </a:txBody>
+                  <a:tcPr marL="13632" marR="13632" marT="13632" marB="0" anchor="b"/>
+                </a:tc>
+                <a:tc>
+                  <a:txBody>
+                    <a:bodyPr/>
+                    <a:lstStyle/>
+                    <a:p>
+                      <a:pPr algn="r" fontAlgn="b"/>
+                      <a:r>
+                        <a:rPr lang="en-US" sz="1700" u="none" strike="noStrike">
+                          <a:effectLst/>
+                        </a:rPr>
+                        <a:t>2.41</a:t>
+                      </a:r>
+                      <a:endParaRPr lang="en-US" sz="1700" b="0" i="0" u="none" strike="noStrike">
+                        <a:solidFill>
+                          <a:srgbClr val="000000"/>
+                        </a:solidFill>
+                        <a:effectLst/>
+                        <a:latin typeface="Aptos Narrow" panose="020B0004020202020204" pitchFamily="34" charset="0"/>
+                      </a:endParaRPr>
+                    </a:p>
+                  </a:txBody>
+                  <a:tcPr marL="13632" marR="13632" marT="13632" marB="0" anchor="b"/>
+                </a:tc>
+                <a:tc>
+                  <a:txBody>
+                    <a:bodyPr/>
+                    <a:lstStyle/>
+                    <a:p>
+                      <a:pPr algn="r" fontAlgn="b"/>
+                      <a:r>
+                        <a:rPr lang="en-US" sz="1700" u="none" strike="noStrike">
+                          <a:effectLst/>
+                        </a:rPr>
+                        <a:t>2002</a:t>
+                      </a:r>
+                      <a:endParaRPr lang="en-US" sz="1700" b="0" i="0" u="none" strike="noStrike">
+                        <a:solidFill>
+                          <a:srgbClr val="000000"/>
+                        </a:solidFill>
+                        <a:effectLst/>
+                        <a:latin typeface="Aptos Narrow" panose="020B0004020202020204" pitchFamily="34" charset="0"/>
+                      </a:endParaRPr>
+                    </a:p>
+                  </a:txBody>
+                  <a:tcPr marL="13632" marR="13632" marT="13632" marB="0" anchor="b"/>
+                </a:tc>
+                <a:tc>
+                  <a:txBody>
+                    <a:bodyPr/>
+                    <a:lstStyle/>
+                    <a:p>
+                      <a:pPr algn="r" fontAlgn="b"/>
+                      <a:r>
+                        <a:rPr lang="en-US" sz="1700" u="none" strike="noStrike">
+                          <a:effectLst/>
+                        </a:rPr>
+                        <a:t>7,733</a:t>
+                      </a:r>
+                      <a:endParaRPr lang="en-US" sz="1700" b="0" i="0" u="none" strike="noStrike">
+                        <a:solidFill>
+                          <a:srgbClr val="000000"/>
+                        </a:solidFill>
+                        <a:effectLst/>
+                        <a:latin typeface="Aptos Narrow" panose="020B0004020202020204" pitchFamily="34" charset="0"/>
+                      </a:endParaRPr>
+                    </a:p>
+                  </a:txBody>
+                  <a:tcPr marL="13632" marR="13632" marT="13632" marB="0" anchor="b"/>
+                </a:tc>
+                <a:tc>
+                  <a:txBody>
+                    <a:bodyPr/>
+                    <a:lstStyle/>
+                    <a:p>
+                      <a:pPr algn="r" fontAlgn="b"/>
+                      <a:r>
+                        <a:rPr lang="en-US" sz="1700" u="none" strike="noStrike">
+                          <a:effectLst/>
+                        </a:rPr>
+                        <a:t>3.57</a:t>
+                      </a:r>
+                      <a:endParaRPr lang="en-US" sz="1700" b="0" i="0" u="none" strike="noStrike">
+                        <a:solidFill>
+                          <a:srgbClr val="000000"/>
+                        </a:solidFill>
+                        <a:effectLst/>
+                        <a:latin typeface="Aptos Narrow" panose="020B0004020202020204" pitchFamily="34" charset="0"/>
+                      </a:endParaRPr>
+                    </a:p>
+                  </a:txBody>
+                  <a:tcPr marL="13632" marR="13632" marT="13632" marB="0" anchor="b"/>
+                </a:tc>
+                <a:extLst>
+                  <a:ext uri="{0D108BD9-81ED-4DB2-BD59-A6C34878D82A}">
+                    <a16:rowId xmlns:a16="http://schemas.microsoft.com/office/drawing/2014/main" val="1998959509"/>
+                  </a:ext>
+                </a:extLst>
+              </a:tr>
+              <a:tr h="327710">
+                <a:tc>
+                  <a:txBody>
+                    <a:bodyPr/>
+                    <a:lstStyle/>
+                    <a:p>
+                      <a:pPr algn="r" fontAlgn="b"/>
+                      <a:r>
+                        <a:rPr lang="en-US" sz="1700" u="none" strike="noStrike">
+                          <a:effectLst/>
+                        </a:rPr>
+                        <a:t>1988</a:t>
+                      </a:r>
+                      <a:endParaRPr lang="en-US" sz="1700" b="0" i="0" u="none" strike="noStrike">
+                        <a:solidFill>
+                          <a:srgbClr val="000000"/>
+                        </a:solidFill>
+                        <a:effectLst/>
+                        <a:latin typeface="Aptos Narrow" panose="020B0004020202020204" pitchFamily="34" charset="0"/>
+                      </a:endParaRPr>
+                    </a:p>
+                  </a:txBody>
+                  <a:tcPr marL="13632" marR="13632" marT="13632" marB="0" anchor="b"/>
+                </a:tc>
+                <a:tc>
+                  <a:txBody>
+                    <a:bodyPr/>
+                    <a:lstStyle/>
+                    <a:p>
+                      <a:pPr algn="r" fontAlgn="b"/>
+                      <a:r>
+                        <a:rPr lang="en-US" sz="1700" u="none" strike="noStrike">
+                          <a:effectLst/>
+                        </a:rPr>
+                        <a:t>5,222</a:t>
+                      </a:r>
+                      <a:endParaRPr lang="en-US" sz="1700" b="0" i="0" u="none" strike="noStrike">
+                        <a:solidFill>
+                          <a:srgbClr val="000000"/>
+                        </a:solidFill>
+                        <a:effectLst/>
+                        <a:latin typeface="Aptos Narrow" panose="020B0004020202020204" pitchFamily="34" charset="0"/>
+                      </a:endParaRPr>
+                    </a:p>
+                  </a:txBody>
+                  <a:tcPr marL="13632" marR="13632" marT="13632" marB="0" anchor="b"/>
+                </a:tc>
+                <a:tc>
+                  <a:txBody>
+                    <a:bodyPr/>
+                    <a:lstStyle/>
+                    <a:p>
+                      <a:pPr algn="r" fontAlgn="b"/>
+                      <a:r>
+                        <a:rPr lang="en-US" sz="1700" u="none" strike="noStrike">
+                          <a:effectLst/>
+                        </a:rPr>
+                        <a:t>2.41</a:t>
+                      </a:r>
+                      <a:endParaRPr lang="en-US" sz="1700" b="0" i="0" u="none" strike="noStrike">
+                        <a:solidFill>
+                          <a:srgbClr val="000000"/>
+                        </a:solidFill>
+                        <a:effectLst/>
+                        <a:latin typeface="Aptos Narrow" panose="020B0004020202020204" pitchFamily="34" charset="0"/>
+                      </a:endParaRPr>
+                    </a:p>
+                  </a:txBody>
+                  <a:tcPr marL="13632" marR="13632" marT="13632" marB="0" anchor="b"/>
+                </a:tc>
+                <a:tc>
+                  <a:txBody>
+                    <a:bodyPr/>
+                    <a:lstStyle/>
+                    <a:p>
+                      <a:pPr algn="r" fontAlgn="b"/>
+                      <a:r>
+                        <a:rPr lang="en-US" sz="1700" u="none" strike="noStrike">
+                          <a:effectLst/>
+                        </a:rPr>
+                        <a:t>2003</a:t>
+                      </a:r>
+                      <a:endParaRPr lang="en-US" sz="1700" b="0" i="0" u="none" strike="noStrike">
+                        <a:solidFill>
+                          <a:srgbClr val="000000"/>
+                        </a:solidFill>
+                        <a:effectLst/>
+                        <a:latin typeface="Aptos Narrow" panose="020B0004020202020204" pitchFamily="34" charset="0"/>
+                      </a:endParaRPr>
+                    </a:p>
+                  </a:txBody>
+                  <a:tcPr marL="13632" marR="13632" marT="13632" marB="0" anchor="b"/>
+                </a:tc>
+                <a:tc>
+                  <a:txBody>
+                    <a:bodyPr/>
+                    <a:lstStyle/>
+                    <a:p>
+                      <a:pPr algn="r" fontAlgn="b"/>
+                      <a:r>
+                        <a:rPr lang="en-US" sz="1700" u="none" strike="noStrike">
+                          <a:effectLst/>
+                        </a:rPr>
+                        <a:t>9,156</a:t>
+                      </a:r>
+                      <a:endParaRPr lang="en-US" sz="1700" b="0" i="0" u="none" strike="noStrike">
+                        <a:solidFill>
+                          <a:srgbClr val="000000"/>
+                        </a:solidFill>
+                        <a:effectLst/>
+                        <a:latin typeface="Aptos Narrow" panose="020B0004020202020204" pitchFamily="34" charset="0"/>
+                      </a:endParaRPr>
+                    </a:p>
+                  </a:txBody>
+                  <a:tcPr marL="13632" marR="13632" marT="13632" marB="0" anchor="b"/>
+                </a:tc>
+                <a:tc>
+                  <a:txBody>
+                    <a:bodyPr/>
+                    <a:lstStyle/>
+                    <a:p>
+                      <a:pPr algn="r" fontAlgn="b"/>
+                      <a:r>
+                        <a:rPr lang="en-US" sz="1700" u="none" strike="noStrike">
+                          <a:effectLst/>
+                        </a:rPr>
+                        <a:t>4.23</a:t>
+                      </a:r>
+                      <a:endParaRPr lang="en-US" sz="1700" b="0" i="0" u="none" strike="noStrike">
+                        <a:solidFill>
+                          <a:srgbClr val="000000"/>
+                        </a:solidFill>
+                        <a:effectLst/>
+                        <a:latin typeface="Aptos Narrow" panose="020B0004020202020204" pitchFamily="34" charset="0"/>
+                      </a:endParaRPr>
+                    </a:p>
+                  </a:txBody>
+                  <a:tcPr marL="13632" marR="13632" marT="13632" marB="0" anchor="b"/>
+                </a:tc>
+                <a:extLst>
+                  <a:ext uri="{0D108BD9-81ED-4DB2-BD59-A6C34878D82A}">
+                    <a16:rowId xmlns:a16="http://schemas.microsoft.com/office/drawing/2014/main" val="628240887"/>
+                  </a:ext>
+                </a:extLst>
+              </a:tr>
+              <a:tr h="327710">
+                <a:tc>
+                  <a:txBody>
+                    <a:bodyPr/>
+                    <a:lstStyle/>
+                    <a:p>
+                      <a:pPr algn="r" fontAlgn="b"/>
+                      <a:r>
+                        <a:rPr lang="en-US" sz="1700" u="none" strike="noStrike">
+                          <a:effectLst/>
+                        </a:rPr>
+                        <a:t>1989</a:t>
+                      </a:r>
+                      <a:endParaRPr lang="en-US" sz="1700" b="0" i="0" u="none" strike="noStrike">
+                        <a:solidFill>
+                          <a:srgbClr val="000000"/>
+                        </a:solidFill>
+                        <a:effectLst/>
+                        <a:latin typeface="Aptos Narrow" panose="020B0004020202020204" pitchFamily="34" charset="0"/>
+                      </a:endParaRPr>
+                    </a:p>
+                  </a:txBody>
+                  <a:tcPr marL="13632" marR="13632" marT="13632" marB="0" anchor="b"/>
+                </a:tc>
+                <a:tc>
+                  <a:txBody>
+                    <a:bodyPr/>
+                    <a:lstStyle/>
+                    <a:p>
+                      <a:pPr algn="r" fontAlgn="b"/>
+                      <a:r>
+                        <a:rPr lang="en-US" sz="1700" u="none" strike="noStrike">
+                          <a:effectLst/>
+                        </a:rPr>
+                        <a:t>5,222</a:t>
+                      </a:r>
+                      <a:endParaRPr lang="en-US" sz="1700" b="0" i="0" u="none" strike="noStrike">
+                        <a:solidFill>
+                          <a:srgbClr val="000000"/>
+                        </a:solidFill>
+                        <a:effectLst/>
+                        <a:latin typeface="Aptos Narrow" panose="020B0004020202020204" pitchFamily="34" charset="0"/>
+                      </a:endParaRPr>
+                    </a:p>
+                  </a:txBody>
+                  <a:tcPr marL="13632" marR="13632" marT="13632" marB="0" anchor="b"/>
+                </a:tc>
+                <a:tc>
+                  <a:txBody>
+                    <a:bodyPr/>
+                    <a:lstStyle/>
+                    <a:p>
+                      <a:pPr algn="r" fontAlgn="b"/>
+                      <a:r>
+                        <a:rPr lang="en-US" sz="1700" u="none" strike="noStrike">
+                          <a:effectLst/>
+                        </a:rPr>
+                        <a:t>2.41</a:t>
+                      </a:r>
+                      <a:endParaRPr lang="en-US" sz="1700" b="0" i="0" u="none" strike="noStrike">
+                        <a:solidFill>
+                          <a:srgbClr val="000000"/>
+                        </a:solidFill>
+                        <a:effectLst/>
+                        <a:latin typeface="Aptos Narrow" panose="020B0004020202020204" pitchFamily="34" charset="0"/>
+                      </a:endParaRPr>
+                    </a:p>
+                  </a:txBody>
+                  <a:tcPr marL="13632" marR="13632" marT="13632" marB="0" anchor="b"/>
+                </a:tc>
+                <a:tc>
+                  <a:txBody>
+                    <a:bodyPr/>
+                    <a:lstStyle/>
+                    <a:p>
+                      <a:pPr algn="r" fontAlgn="b"/>
+                      <a:r>
+                        <a:rPr lang="en-US" sz="1700" u="none" strike="noStrike">
+                          <a:effectLst/>
+                        </a:rPr>
+                        <a:t>2004</a:t>
+                      </a:r>
+                      <a:endParaRPr lang="en-US" sz="1700" b="0" i="0" u="none" strike="noStrike">
+                        <a:solidFill>
+                          <a:srgbClr val="000000"/>
+                        </a:solidFill>
+                        <a:effectLst/>
+                        <a:latin typeface="Aptos Narrow" panose="020B0004020202020204" pitchFamily="34" charset="0"/>
+                      </a:endParaRPr>
+                    </a:p>
+                  </a:txBody>
+                  <a:tcPr marL="13632" marR="13632" marT="13632" marB="0" anchor="b"/>
+                </a:tc>
+                <a:tc>
+                  <a:txBody>
+                    <a:bodyPr/>
+                    <a:lstStyle/>
+                    <a:p>
+                      <a:pPr algn="r" fontAlgn="b"/>
+                      <a:r>
+                        <a:rPr lang="en-US" sz="1700" u="none" strike="noStrike">
+                          <a:effectLst/>
+                        </a:rPr>
+                        <a:t>9,151</a:t>
+                      </a:r>
+                      <a:endParaRPr lang="en-US" sz="1700" b="0" i="0" u="none" strike="noStrike">
+                        <a:solidFill>
+                          <a:srgbClr val="000000"/>
+                        </a:solidFill>
+                        <a:effectLst/>
+                        <a:latin typeface="Aptos Narrow" panose="020B0004020202020204" pitchFamily="34" charset="0"/>
+                      </a:endParaRPr>
+                    </a:p>
+                  </a:txBody>
+                  <a:tcPr marL="13632" marR="13632" marT="13632" marB="0" anchor="b"/>
+                </a:tc>
+                <a:tc>
+                  <a:txBody>
+                    <a:bodyPr/>
+                    <a:lstStyle/>
+                    <a:p>
+                      <a:pPr algn="r" fontAlgn="b"/>
+                      <a:r>
+                        <a:rPr lang="en-US" sz="1700" u="none" strike="noStrike">
+                          <a:effectLst/>
+                        </a:rPr>
+                        <a:t>4.23</a:t>
+                      </a:r>
+                      <a:endParaRPr lang="en-US" sz="1700" b="0" i="0" u="none" strike="noStrike">
+                        <a:solidFill>
+                          <a:srgbClr val="000000"/>
+                        </a:solidFill>
+                        <a:effectLst/>
+                        <a:latin typeface="Aptos Narrow" panose="020B0004020202020204" pitchFamily="34" charset="0"/>
+                      </a:endParaRPr>
+                    </a:p>
+                  </a:txBody>
+                  <a:tcPr marL="13632" marR="13632" marT="13632" marB="0" anchor="b"/>
+                </a:tc>
+                <a:extLst>
+                  <a:ext uri="{0D108BD9-81ED-4DB2-BD59-A6C34878D82A}">
+                    <a16:rowId xmlns:a16="http://schemas.microsoft.com/office/drawing/2014/main" val="2102064308"/>
+                  </a:ext>
+                </a:extLst>
+              </a:tr>
+              <a:tr h="327710">
+                <a:tc>
+                  <a:txBody>
+                    <a:bodyPr/>
+                    <a:lstStyle/>
+                    <a:p>
+                      <a:pPr algn="r" fontAlgn="b"/>
+                      <a:r>
+                        <a:rPr lang="en-US" sz="1700" u="none" strike="noStrike">
+                          <a:effectLst/>
+                        </a:rPr>
+                        <a:t>1990</a:t>
+                      </a:r>
+                      <a:endParaRPr lang="en-US" sz="1700" b="0" i="0" u="none" strike="noStrike">
+                        <a:solidFill>
+                          <a:srgbClr val="000000"/>
+                        </a:solidFill>
+                        <a:effectLst/>
+                        <a:latin typeface="Aptos Narrow" panose="020B0004020202020204" pitchFamily="34" charset="0"/>
+                      </a:endParaRPr>
+                    </a:p>
+                  </a:txBody>
+                  <a:tcPr marL="13632" marR="13632" marT="13632" marB="0" anchor="b"/>
+                </a:tc>
+                <a:tc>
+                  <a:txBody>
+                    <a:bodyPr/>
+                    <a:lstStyle/>
+                    <a:p>
+                      <a:pPr algn="r" fontAlgn="b"/>
+                      <a:r>
+                        <a:rPr lang="en-US" sz="1700" u="none" strike="noStrike">
+                          <a:effectLst/>
+                        </a:rPr>
+                        <a:t>7,733</a:t>
+                      </a:r>
+                      <a:endParaRPr lang="en-US" sz="1700" b="0" i="0" u="none" strike="noStrike">
+                        <a:solidFill>
+                          <a:srgbClr val="000000"/>
+                        </a:solidFill>
+                        <a:effectLst/>
+                        <a:latin typeface="Aptos Narrow" panose="020B0004020202020204" pitchFamily="34" charset="0"/>
+                      </a:endParaRPr>
+                    </a:p>
+                  </a:txBody>
+                  <a:tcPr marL="13632" marR="13632" marT="13632" marB="0" anchor="b"/>
+                </a:tc>
+                <a:tc>
+                  <a:txBody>
+                    <a:bodyPr/>
+                    <a:lstStyle/>
+                    <a:p>
+                      <a:pPr algn="r" fontAlgn="b"/>
+                      <a:r>
+                        <a:rPr lang="en-US" sz="1700" u="none" strike="noStrike">
+                          <a:effectLst/>
+                        </a:rPr>
+                        <a:t>3.57</a:t>
+                      </a:r>
+                      <a:endParaRPr lang="en-US" sz="1700" b="0" i="0" u="none" strike="noStrike">
+                        <a:solidFill>
+                          <a:srgbClr val="000000"/>
+                        </a:solidFill>
+                        <a:effectLst/>
+                        <a:latin typeface="Aptos Narrow" panose="020B0004020202020204" pitchFamily="34" charset="0"/>
+                      </a:endParaRPr>
+                    </a:p>
+                  </a:txBody>
+                  <a:tcPr marL="13632" marR="13632" marT="13632" marB="0" anchor="b"/>
+                </a:tc>
+                <a:tc>
+                  <a:txBody>
+                    <a:bodyPr/>
+                    <a:lstStyle/>
+                    <a:p>
+                      <a:pPr algn="r" fontAlgn="b"/>
+                      <a:r>
+                        <a:rPr lang="en-US" sz="1700" u="none" strike="noStrike">
+                          <a:effectLst/>
+                        </a:rPr>
+                        <a:t>2005</a:t>
+                      </a:r>
+                      <a:endParaRPr lang="en-US" sz="1700" b="0" i="0" u="none" strike="noStrike">
+                        <a:solidFill>
+                          <a:srgbClr val="000000"/>
+                        </a:solidFill>
+                        <a:effectLst/>
+                        <a:latin typeface="Aptos Narrow" panose="020B0004020202020204" pitchFamily="34" charset="0"/>
+                      </a:endParaRPr>
+                    </a:p>
+                  </a:txBody>
+                  <a:tcPr marL="13632" marR="13632" marT="13632" marB="0" anchor="b"/>
+                </a:tc>
+                <a:tc>
+                  <a:txBody>
+                    <a:bodyPr/>
+                    <a:lstStyle/>
+                    <a:p>
+                      <a:pPr algn="r" fontAlgn="b"/>
+                      <a:r>
+                        <a:rPr lang="en-US" sz="1700" u="none" strike="noStrike">
+                          <a:effectLst/>
+                        </a:rPr>
+                        <a:t>9,147</a:t>
+                      </a:r>
+                      <a:endParaRPr lang="en-US" sz="1700" b="0" i="0" u="none" strike="noStrike">
+                        <a:solidFill>
+                          <a:srgbClr val="000000"/>
+                        </a:solidFill>
+                        <a:effectLst/>
+                        <a:latin typeface="Aptos Narrow" panose="020B0004020202020204" pitchFamily="34" charset="0"/>
+                      </a:endParaRPr>
+                    </a:p>
+                  </a:txBody>
+                  <a:tcPr marL="13632" marR="13632" marT="13632" marB="0" anchor="b"/>
+                </a:tc>
+                <a:tc>
+                  <a:txBody>
+                    <a:bodyPr/>
+                    <a:lstStyle/>
+                    <a:p>
+                      <a:pPr algn="r" fontAlgn="b"/>
+                      <a:r>
+                        <a:rPr lang="en-US" sz="1700" u="none" strike="noStrike">
+                          <a:effectLst/>
+                        </a:rPr>
+                        <a:t>4.23</a:t>
+                      </a:r>
+                      <a:endParaRPr lang="en-US" sz="1700" b="0" i="0" u="none" strike="noStrike">
+                        <a:solidFill>
+                          <a:srgbClr val="000000"/>
+                        </a:solidFill>
+                        <a:effectLst/>
+                        <a:latin typeface="Aptos Narrow" panose="020B0004020202020204" pitchFamily="34" charset="0"/>
+                      </a:endParaRPr>
+                    </a:p>
+                  </a:txBody>
+                  <a:tcPr marL="13632" marR="13632" marT="13632" marB="0" anchor="b"/>
+                </a:tc>
+                <a:extLst>
+                  <a:ext uri="{0D108BD9-81ED-4DB2-BD59-A6C34878D82A}">
+                    <a16:rowId xmlns:a16="http://schemas.microsoft.com/office/drawing/2014/main" val="1108334525"/>
+                  </a:ext>
+                </a:extLst>
+              </a:tr>
+              <a:tr h="327710">
+                <a:tc>
+                  <a:txBody>
+                    <a:bodyPr/>
+                    <a:lstStyle/>
+                    <a:p>
+                      <a:pPr algn="r" fontAlgn="b"/>
+                      <a:r>
+                        <a:rPr lang="en-US" sz="1700" u="none" strike="noStrike">
+                          <a:effectLst/>
+                        </a:rPr>
+                        <a:t>1991</a:t>
+                      </a:r>
+                      <a:endParaRPr lang="en-US" sz="1700" b="0" i="0" u="none" strike="noStrike">
+                        <a:solidFill>
+                          <a:srgbClr val="000000"/>
+                        </a:solidFill>
+                        <a:effectLst/>
+                        <a:latin typeface="Aptos Narrow" panose="020B0004020202020204" pitchFamily="34" charset="0"/>
+                      </a:endParaRPr>
+                    </a:p>
+                  </a:txBody>
+                  <a:tcPr marL="13632" marR="13632" marT="13632" marB="0" anchor="b"/>
+                </a:tc>
+                <a:tc>
+                  <a:txBody>
+                    <a:bodyPr/>
+                    <a:lstStyle/>
+                    <a:p>
+                      <a:pPr algn="r" fontAlgn="b"/>
+                      <a:r>
+                        <a:rPr lang="en-US" sz="1700" u="none" strike="noStrike">
+                          <a:effectLst/>
+                        </a:rPr>
+                        <a:t>7,733</a:t>
+                      </a:r>
+                      <a:endParaRPr lang="en-US" sz="1700" b="0" i="0" u="none" strike="noStrike">
+                        <a:solidFill>
+                          <a:srgbClr val="000000"/>
+                        </a:solidFill>
+                        <a:effectLst/>
+                        <a:latin typeface="Aptos Narrow" panose="020B0004020202020204" pitchFamily="34" charset="0"/>
+                      </a:endParaRPr>
+                    </a:p>
+                  </a:txBody>
+                  <a:tcPr marL="13632" marR="13632" marT="13632" marB="0" anchor="b"/>
+                </a:tc>
+                <a:tc>
+                  <a:txBody>
+                    <a:bodyPr/>
+                    <a:lstStyle/>
+                    <a:p>
+                      <a:pPr algn="r" fontAlgn="b"/>
+                      <a:r>
+                        <a:rPr lang="en-US" sz="1700" u="none" strike="noStrike">
+                          <a:effectLst/>
+                        </a:rPr>
+                        <a:t>3.57</a:t>
+                      </a:r>
+                      <a:endParaRPr lang="en-US" sz="1700" b="0" i="0" u="none" strike="noStrike">
+                        <a:solidFill>
+                          <a:srgbClr val="000000"/>
+                        </a:solidFill>
+                        <a:effectLst/>
+                        <a:latin typeface="Aptos Narrow" panose="020B0004020202020204" pitchFamily="34" charset="0"/>
+                      </a:endParaRPr>
+                    </a:p>
+                  </a:txBody>
+                  <a:tcPr marL="13632" marR="13632" marT="13632" marB="0" anchor="b"/>
+                </a:tc>
+                <a:tc>
+                  <a:txBody>
+                    <a:bodyPr/>
+                    <a:lstStyle/>
+                    <a:p>
+                      <a:pPr algn="r" fontAlgn="b"/>
+                      <a:r>
+                        <a:rPr lang="en-US" sz="1700" u="none" strike="noStrike">
+                          <a:effectLst/>
+                        </a:rPr>
+                        <a:t>2006</a:t>
+                      </a:r>
+                      <a:endParaRPr lang="en-US" sz="1700" b="0" i="0" u="none" strike="noStrike">
+                        <a:solidFill>
+                          <a:srgbClr val="000000"/>
+                        </a:solidFill>
+                        <a:effectLst/>
+                        <a:latin typeface="Aptos Narrow" panose="020B0004020202020204" pitchFamily="34" charset="0"/>
+                      </a:endParaRPr>
+                    </a:p>
+                  </a:txBody>
+                  <a:tcPr marL="13632" marR="13632" marT="13632" marB="0" anchor="b"/>
+                </a:tc>
+                <a:tc>
+                  <a:txBody>
+                    <a:bodyPr/>
+                    <a:lstStyle/>
+                    <a:p>
+                      <a:pPr algn="r" fontAlgn="b"/>
+                      <a:r>
+                        <a:rPr lang="en-US" sz="1700" u="none" strike="noStrike">
+                          <a:effectLst/>
+                        </a:rPr>
+                        <a:t>9,140</a:t>
+                      </a:r>
+                      <a:endParaRPr lang="en-US" sz="1700" b="0" i="0" u="none" strike="noStrike">
+                        <a:solidFill>
+                          <a:srgbClr val="000000"/>
+                        </a:solidFill>
+                        <a:effectLst/>
+                        <a:latin typeface="Aptos Narrow" panose="020B0004020202020204" pitchFamily="34" charset="0"/>
+                      </a:endParaRPr>
+                    </a:p>
+                  </a:txBody>
+                  <a:tcPr marL="13632" marR="13632" marT="13632" marB="0" anchor="b"/>
+                </a:tc>
+                <a:tc>
+                  <a:txBody>
+                    <a:bodyPr/>
+                    <a:lstStyle/>
+                    <a:p>
+                      <a:pPr algn="r" fontAlgn="b"/>
+                      <a:r>
+                        <a:rPr lang="en-US" sz="1700" u="none" strike="noStrike">
+                          <a:effectLst/>
+                        </a:rPr>
+                        <a:t>4.22</a:t>
+                      </a:r>
+                      <a:endParaRPr lang="en-US" sz="1700" b="0" i="0" u="none" strike="noStrike">
+                        <a:solidFill>
+                          <a:srgbClr val="000000"/>
+                        </a:solidFill>
+                        <a:effectLst/>
+                        <a:latin typeface="Aptos Narrow" panose="020B0004020202020204" pitchFamily="34" charset="0"/>
+                      </a:endParaRPr>
+                    </a:p>
+                  </a:txBody>
+                  <a:tcPr marL="13632" marR="13632" marT="13632" marB="0" anchor="b"/>
+                </a:tc>
+                <a:extLst>
+                  <a:ext uri="{0D108BD9-81ED-4DB2-BD59-A6C34878D82A}">
+                    <a16:rowId xmlns:a16="http://schemas.microsoft.com/office/drawing/2014/main" val="1339610605"/>
+                  </a:ext>
+                </a:extLst>
+              </a:tr>
+              <a:tr h="327710">
+                <a:tc>
+                  <a:txBody>
+                    <a:bodyPr/>
+                    <a:lstStyle/>
+                    <a:p>
+                      <a:pPr algn="r" fontAlgn="b"/>
+                      <a:r>
+                        <a:rPr lang="en-US" sz="1700" u="none" strike="noStrike">
+                          <a:effectLst/>
+                        </a:rPr>
+                        <a:t>1992</a:t>
+                      </a:r>
+                      <a:endParaRPr lang="en-US" sz="1700" b="0" i="0" u="none" strike="noStrike">
+                        <a:solidFill>
+                          <a:srgbClr val="000000"/>
+                        </a:solidFill>
+                        <a:effectLst/>
+                        <a:latin typeface="Aptos Narrow" panose="020B0004020202020204" pitchFamily="34" charset="0"/>
+                      </a:endParaRPr>
+                    </a:p>
+                  </a:txBody>
+                  <a:tcPr marL="13632" marR="13632" marT="13632" marB="0" anchor="b"/>
+                </a:tc>
+                <a:tc>
+                  <a:txBody>
+                    <a:bodyPr/>
+                    <a:lstStyle/>
+                    <a:p>
+                      <a:pPr algn="r" fontAlgn="b"/>
+                      <a:r>
+                        <a:rPr lang="en-US" sz="1700" u="none" strike="noStrike">
+                          <a:effectLst/>
+                        </a:rPr>
+                        <a:t>7,733</a:t>
+                      </a:r>
+                      <a:endParaRPr lang="en-US" sz="1700" b="0" i="0" u="none" strike="noStrike">
+                        <a:solidFill>
+                          <a:srgbClr val="000000"/>
+                        </a:solidFill>
+                        <a:effectLst/>
+                        <a:latin typeface="Aptos Narrow" panose="020B0004020202020204" pitchFamily="34" charset="0"/>
+                      </a:endParaRPr>
+                    </a:p>
+                  </a:txBody>
+                  <a:tcPr marL="13632" marR="13632" marT="13632" marB="0" anchor="b"/>
+                </a:tc>
+                <a:tc>
+                  <a:txBody>
+                    <a:bodyPr/>
+                    <a:lstStyle/>
+                    <a:p>
+                      <a:pPr algn="r" fontAlgn="b"/>
+                      <a:r>
+                        <a:rPr lang="en-US" sz="1700" u="none" strike="noStrike">
+                          <a:effectLst/>
+                        </a:rPr>
+                        <a:t>3.57</a:t>
+                      </a:r>
+                      <a:endParaRPr lang="en-US" sz="1700" b="0" i="0" u="none" strike="noStrike">
+                        <a:solidFill>
+                          <a:srgbClr val="000000"/>
+                        </a:solidFill>
+                        <a:effectLst/>
+                        <a:latin typeface="Aptos Narrow" panose="020B0004020202020204" pitchFamily="34" charset="0"/>
+                      </a:endParaRPr>
+                    </a:p>
+                  </a:txBody>
+                  <a:tcPr marL="13632" marR="13632" marT="13632" marB="0" anchor="b"/>
+                </a:tc>
+                <a:tc>
+                  <a:txBody>
+                    <a:bodyPr/>
+                    <a:lstStyle/>
+                    <a:p>
+                      <a:pPr algn="r" fontAlgn="b"/>
+                      <a:r>
+                        <a:rPr lang="en-US" sz="1700" u="none" strike="noStrike">
+                          <a:effectLst/>
+                        </a:rPr>
+                        <a:t>2007</a:t>
+                      </a:r>
+                      <a:endParaRPr lang="en-US" sz="1700" b="0" i="0" u="none" strike="noStrike">
+                        <a:solidFill>
+                          <a:srgbClr val="000000"/>
+                        </a:solidFill>
+                        <a:effectLst/>
+                        <a:latin typeface="Aptos Narrow" panose="020B0004020202020204" pitchFamily="34" charset="0"/>
+                      </a:endParaRPr>
+                    </a:p>
+                  </a:txBody>
+                  <a:tcPr marL="13632" marR="13632" marT="13632" marB="0" anchor="b"/>
+                </a:tc>
+                <a:tc>
+                  <a:txBody>
+                    <a:bodyPr/>
+                    <a:lstStyle/>
+                    <a:p>
+                      <a:pPr algn="r" fontAlgn="b"/>
+                      <a:r>
+                        <a:rPr lang="en-US" sz="1700" u="none" strike="noStrike">
+                          <a:effectLst/>
+                        </a:rPr>
+                        <a:t>9,133</a:t>
+                      </a:r>
+                      <a:endParaRPr lang="en-US" sz="1700" b="0" i="0" u="none" strike="noStrike">
+                        <a:solidFill>
+                          <a:srgbClr val="000000"/>
+                        </a:solidFill>
+                        <a:effectLst/>
+                        <a:latin typeface="Aptos Narrow" panose="020B0004020202020204" pitchFamily="34" charset="0"/>
+                      </a:endParaRPr>
+                    </a:p>
+                  </a:txBody>
+                  <a:tcPr marL="13632" marR="13632" marT="13632" marB="0" anchor="b"/>
+                </a:tc>
+                <a:tc>
+                  <a:txBody>
+                    <a:bodyPr/>
+                    <a:lstStyle/>
+                    <a:p>
+                      <a:pPr algn="r" fontAlgn="b"/>
+                      <a:r>
+                        <a:rPr lang="en-US" sz="1700" u="none" strike="noStrike">
+                          <a:effectLst/>
+                        </a:rPr>
+                        <a:t>4.22</a:t>
+                      </a:r>
+                      <a:endParaRPr lang="en-US" sz="1700" b="0" i="0" u="none" strike="noStrike">
+                        <a:solidFill>
+                          <a:srgbClr val="000000"/>
+                        </a:solidFill>
+                        <a:effectLst/>
+                        <a:latin typeface="Aptos Narrow" panose="020B0004020202020204" pitchFamily="34" charset="0"/>
+                      </a:endParaRPr>
+                    </a:p>
+                  </a:txBody>
+                  <a:tcPr marL="13632" marR="13632" marT="13632" marB="0" anchor="b"/>
+                </a:tc>
+                <a:extLst>
+                  <a:ext uri="{0D108BD9-81ED-4DB2-BD59-A6C34878D82A}">
+                    <a16:rowId xmlns:a16="http://schemas.microsoft.com/office/drawing/2014/main" val="1846786538"/>
+                  </a:ext>
+                </a:extLst>
+              </a:tr>
+              <a:tr h="327710">
+                <a:tc>
+                  <a:txBody>
+                    <a:bodyPr/>
+                    <a:lstStyle/>
+                    <a:p>
+                      <a:pPr algn="r" fontAlgn="b"/>
+                      <a:r>
+                        <a:rPr lang="en-US" sz="1700" u="none" strike="noStrike">
+                          <a:effectLst/>
+                        </a:rPr>
+                        <a:t>1993</a:t>
+                      </a:r>
+                      <a:endParaRPr lang="en-US" sz="1700" b="0" i="0" u="none" strike="noStrike">
+                        <a:solidFill>
+                          <a:srgbClr val="000000"/>
+                        </a:solidFill>
+                        <a:effectLst/>
+                        <a:latin typeface="Aptos Narrow" panose="020B0004020202020204" pitchFamily="34" charset="0"/>
+                      </a:endParaRPr>
+                    </a:p>
+                  </a:txBody>
+                  <a:tcPr marL="13632" marR="13632" marT="13632" marB="0" anchor="b"/>
+                </a:tc>
+                <a:tc>
+                  <a:txBody>
+                    <a:bodyPr/>
+                    <a:lstStyle/>
+                    <a:p>
+                      <a:pPr algn="r" fontAlgn="b"/>
+                      <a:r>
+                        <a:rPr lang="en-US" sz="1700" u="none" strike="noStrike">
+                          <a:effectLst/>
+                        </a:rPr>
+                        <a:t>7,733</a:t>
+                      </a:r>
+                      <a:endParaRPr lang="en-US" sz="1700" b="0" i="0" u="none" strike="noStrike">
+                        <a:solidFill>
+                          <a:srgbClr val="000000"/>
+                        </a:solidFill>
+                        <a:effectLst/>
+                        <a:latin typeface="Aptos Narrow" panose="020B0004020202020204" pitchFamily="34" charset="0"/>
+                      </a:endParaRPr>
+                    </a:p>
+                  </a:txBody>
+                  <a:tcPr marL="13632" marR="13632" marT="13632" marB="0" anchor="b"/>
+                </a:tc>
+                <a:tc>
+                  <a:txBody>
+                    <a:bodyPr/>
+                    <a:lstStyle/>
+                    <a:p>
+                      <a:pPr algn="r" fontAlgn="b"/>
+                      <a:r>
+                        <a:rPr lang="en-US" sz="1700" u="none" strike="noStrike">
+                          <a:effectLst/>
+                        </a:rPr>
+                        <a:t>3.57</a:t>
+                      </a:r>
+                      <a:endParaRPr lang="en-US" sz="1700" b="0" i="0" u="none" strike="noStrike">
+                        <a:solidFill>
+                          <a:srgbClr val="000000"/>
+                        </a:solidFill>
+                        <a:effectLst/>
+                        <a:latin typeface="Aptos Narrow" panose="020B0004020202020204" pitchFamily="34" charset="0"/>
+                      </a:endParaRPr>
+                    </a:p>
+                  </a:txBody>
+                  <a:tcPr marL="13632" marR="13632" marT="13632" marB="0" anchor="b"/>
+                </a:tc>
+                <a:tc>
+                  <a:txBody>
+                    <a:bodyPr/>
+                    <a:lstStyle/>
+                    <a:p>
+                      <a:pPr algn="r" fontAlgn="b"/>
+                      <a:r>
+                        <a:rPr lang="en-US" sz="1700" u="none" strike="noStrike">
+                          <a:effectLst/>
+                        </a:rPr>
+                        <a:t>2008</a:t>
+                      </a:r>
+                      <a:endParaRPr lang="en-US" sz="1700" b="0" i="0" u="none" strike="noStrike">
+                        <a:solidFill>
+                          <a:srgbClr val="000000"/>
+                        </a:solidFill>
+                        <a:effectLst/>
+                        <a:latin typeface="Aptos Narrow" panose="020B0004020202020204" pitchFamily="34" charset="0"/>
+                      </a:endParaRPr>
+                    </a:p>
+                  </a:txBody>
+                  <a:tcPr marL="13632" marR="13632" marT="13632" marB="0" anchor="b"/>
+                </a:tc>
+                <a:tc>
+                  <a:txBody>
+                    <a:bodyPr/>
+                    <a:lstStyle/>
+                    <a:p>
+                      <a:pPr algn="r" fontAlgn="b"/>
+                      <a:r>
+                        <a:rPr lang="en-US" sz="1700" u="none" strike="noStrike">
+                          <a:effectLst/>
+                        </a:rPr>
+                        <a:t>5,994</a:t>
+                      </a:r>
+                      <a:endParaRPr lang="en-US" sz="1700" b="0" i="0" u="none" strike="noStrike">
+                        <a:solidFill>
+                          <a:srgbClr val="000000"/>
+                        </a:solidFill>
+                        <a:effectLst/>
+                        <a:latin typeface="Aptos Narrow" panose="020B0004020202020204" pitchFamily="34" charset="0"/>
+                      </a:endParaRPr>
+                    </a:p>
+                  </a:txBody>
+                  <a:tcPr marL="13632" marR="13632" marT="13632" marB="0" anchor="b"/>
+                </a:tc>
+                <a:tc>
+                  <a:txBody>
+                    <a:bodyPr/>
+                    <a:lstStyle/>
+                    <a:p>
+                      <a:pPr algn="r" fontAlgn="b"/>
+                      <a:r>
+                        <a:rPr lang="en-US" sz="1700" u="none" strike="noStrike">
+                          <a:effectLst/>
+                        </a:rPr>
+                        <a:t>2.77</a:t>
+                      </a:r>
+                      <a:endParaRPr lang="en-US" sz="1700" b="0" i="0" u="none" strike="noStrike">
+                        <a:solidFill>
+                          <a:srgbClr val="000000"/>
+                        </a:solidFill>
+                        <a:effectLst/>
+                        <a:latin typeface="Aptos Narrow" panose="020B0004020202020204" pitchFamily="34" charset="0"/>
+                      </a:endParaRPr>
+                    </a:p>
+                  </a:txBody>
+                  <a:tcPr marL="13632" marR="13632" marT="13632" marB="0" anchor="b"/>
+                </a:tc>
+                <a:extLst>
+                  <a:ext uri="{0D108BD9-81ED-4DB2-BD59-A6C34878D82A}">
+                    <a16:rowId xmlns:a16="http://schemas.microsoft.com/office/drawing/2014/main" val="1332922920"/>
+                  </a:ext>
+                </a:extLst>
+              </a:tr>
+              <a:tr h="327710">
+                <a:tc>
+                  <a:txBody>
+                    <a:bodyPr/>
+                    <a:lstStyle/>
+                    <a:p>
+                      <a:pPr algn="r" fontAlgn="b"/>
+                      <a:r>
+                        <a:rPr lang="en-US" sz="1700" u="none" strike="noStrike">
+                          <a:effectLst/>
+                        </a:rPr>
+                        <a:t>1994</a:t>
+                      </a:r>
+                      <a:endParaRPr lang="en-US" sz="1700" b="0" i="0" u="none" strike="noStrike">
+                        <a:solidFill>
+                          <a:srgbClr val="000000"/>
+                        </a:solidFill>
+                        <a:effectLst/>
+                        <a:latin typeface="Aptos Narrow" panose="020B0004020202020204" pitchFamily="34" charset="0"/>
+                      </a:endParaRPr>
+                    </a:p>
+                  </a:txBody>
+                  <a:tcPr marL="13632" marR="13632" marT="13632" marB="0" anchor="b"/>
+                </a:tc>
+                <a:tc>
+                  <a:txBody>
+                    <a:bodyPr/>
+                    <a:lstStyle/>
+                    <a:p>
+                      <a:pPr algn="r" fontAlgn="b"/>
+                      <a:r>
+                        <a:rPr lang="en-US" sz="1700" u="none" strike="noStrike">
+                          <a:effectLst/>
+                        </a:rPr>
+                        <a:t>7,733</a:t>
+                      </a:r>
+                      <a:endParaRPr lang="en-US" sz="1700" b="0" i="0" u="none" strike="noStrike">
+                        <a:solidFill>
+                          <a:srgbClr val="000000"/>
+                        </a:solidFill>
+                        <a:effectLst/>
+                        <a:latin typeface="Aptos Narrow" panose="020B0004020202020204" pitchFamily="34" charset="0"/>
+                      </a:endParaRPr>
+                    </a:p>
+                  </a:txBody>
+                  <a:tcPr marL="13632" marR="13632" marT="13632" marB="0" anchor="b"/>
+                </a:tc>
+                <a:tc>
+                  <a:txBody>
+                    <a:bodyPr/>
+                    <a:lstStyle/>
+                    <a:p>
+                      <a:pPr algn="r" fontAlgn="b"/>
+                      <a:r>
+                        <a:rPr lang="en-US" sz="1700" u="none" strike="noStrike">
+                          <a:effectLst/>
+                        </a:rPr>
+                        <a:t>3.57</a:t>
+                      </a:r>
+                      <a:endParaRPr lang="en-US" sz="1700" b="0" i="0" u="none" strike="noStrike">
+                        <a:solidFill>
+                          <a:srgbClr val="000000"/>
+                        </a:solidFill>
+                        <a:effectLst/>
+                        <a:latin typeface="Aptos Narrow" panose="020B0004020202020204" pitchFamily="34" charset="0"/>
+                      </a:endParaRPr>
+                    </a:p>
+                  </a:txBody>
+                  <a:tcPr marL="13632" marR="13632" marT="13632" marB="0" anchor="b"/>
+                </a:tc>
+                <a:tc>
+                  <a:txBody>
+                    <a:bodyPr/>
+                    <a:lstStyle/>
+                    <a:p>
+                      <a:pPr algn="r" fontAlgn="b"/>
+                      <a:r>
+                        <a:rPr lang="en-US" sz="1700" u="none" strike="noStrike">
+                          <a:effectLst/>
+                        </a:rPr>
+                        <a:t>2009</a:t>
+                      </a:r>
+                      <a:endParaRPr lang="en-US" sz="1700" b="0" i="0" u="none" strike="noStrike">
+                        <a:solidFill>
+                          <a:srgbClr val="000000"/>
+                        </a:solidFill>
+                        <a:effectLst/>
+                        <a:latin typeface="Aptos Narrow" panose="020B0004020202020204" pitchFamily="34" charset="0"/>
+                      </a:endParaRPr>
+                    </a:p>
+                  </a:txBody>
+                  <a:tcPr marL="13632" marR="13632" marT="13632" marB="0" anchor="b"/>
+                </a:tc>
+                <a:tc>
+                  <a:txBody>
+                    <a:bodyPr/>
+                    <a:lstStyle/>
+                    <a:p>
+                      <a:pPr algn="r" fontAlgn="b"/>
+                      <a:r>
+                        <a:rPr lang="en-US" sz="1700" u="none" strike="noStrike">
+                          <a:effectLst/>
+                        </a:rPr>
+                        <a:t>5,991</a:t>
+                      </a:r>
+                      <a:endParaRPr lang="en-US" sz="1700" b="0" i="0" u="none" strike="noStrike">
+                        <a:solidFill>
+                          <a:srgbClr val="000000"/>
+                        </a:solidFill>
+                        <a:effectLst/>
+                        <a:latin typeface="Aptos Narrow" panose="020B0004020202020204" pitchFamily="34" charset="0"/>
+                      </a:endParaRPr>
+                    </a:p>
+                  </a:txBody>
+                  <a:tcPr marL="13632" marR="13632" marT="13632" marB="0" anchor="b"/>
+                </a:tc>
+                <a:tc>
+                  <a:txBody>
+                    <a:bodyPr/>
+                    <a:lstStyle/>
+                    <a:p>
+                      <a:pPr algn="r" fontAlgn="b"/>
+                      <a:r>
+                        <a:rPr lang="en-US" sz="1700" u="none" strike="noStrike">
+                          <a:effectLst/>
+                        </a:rPr>
+                        <a:t>2.77</a:t>
+                      </a:r>
+                      <a:endParaRPr lang="en-US" sz="1700" b="0" i="0" u="none" strike="noStrike">
+                        <a:solidFill>
+                          <a:srgbClr val="000000"/>
+                        </a:solidFill>
+                        <a:effectLst/>
+                        <a:latin typeface="Aptos Narrow" panose="020B0004020202020204" pitchFamily="34" charset="0"/>
+                      </a:endParaRPr>
+                    </a:p>
+                  </a:txBody>
+                  <a:tcPr marL="13632" marR="13632" marT="13632" marB="0" anchor="b"/>
+                </a:tc>
+                <a:extLst>
+                  <a:ext uri="{0D108BD9-81ED-4DB2-BD59-A6C34878D82A}">
+                    <a16:rowId xmlns:a16="http://schemas.microsoft.com/office/drawing/2014/main" val="2264705899"/>
+                  </a:ext>
+                </a:extLst>
+              </a:tr>
+              <a:tr h="327710">
+                <a:tc>
+                  <a:txBody>
+                    <a:bodyPr/>
+                    <a:lstStyle/>
+                    <a:p>
+                      <a:pPr algn="r" fontAlgn="b"/>
+                      <a:r>
+                        <a:rPr lang="en-US" sz="1700" u="none" strike="noStrike">
+                          <a:effectLst/>
+                        </a:rPr>
+                        <a:t>1995</a:t>
+                      </a:r>
+                      <a:endParaRPr lang="en-US" sz="1700" b="0" i="0" u="none" strike="noStrike">
+                        <a:solidFill>
+                          <a:srgbClr val="000000"/>
+                        </a:solidFill>
+                        <a:effectLst/>
+                        <a:latin typeface="Aptos Narrow" panose="020B0004020202020204" pitchFamily="34" charset="0"/>
+                      </a:endParaRPr>
+                    </a:p>
+                  </a:txBody>
+                  <a:tcPr marL="13632" marR="13632" marT="13632" marB="0" anchor="b"/>
+                </a:tc>
+                <a:tc>
+                  <a:txBody>
+                    <a:bodyPr/>
+                    <a:lstStyle/>
+                    <a:p>
+                      <a:pPr algn="r" fontAlgn="b"/>
+                      <a:r>
+                        <a:rPr lang="en-US" sz="1700" u="none" strike="noStrike">
+                          <a:effectLst/>
+                        </a:rPr>
+                        <a:t>7,733</a:t>
+                      </a:r>
+                      <a:endParaRPr lang="en-US" sz="1700" b="0" i="0" u="none" strike="noStrike">
+                        <a:solidFill>
+                          <a:srgbClr val="000000"/>
+                        </a:solidFill>
+                        <a:effectLst/>
+                        <a:latin typeface="Aptos Narrow" panose="020B0004020202020204" pitchFamily="34" charset="0"/>
+                      </a:endParaRPr>
+                    </a:p>
+                  </a:txBody>
+                  <a:tcPr marL="13632" marR="13632" marT="13632" marB="0" anchor="b"/>
+                </a:tc>
+                <a:tc>
+                  <a:txBody>
+                    <a:bodyPr/>
+                    <a:lstStyle/>
+                    <a:p>
+                      <a:pPr algn="r" fontAlgn="b"/>
+                      <a:r>
+                        <a:rPr lang="en-US" sz="1700" u="none" strike="noStrike">
+                          <a:effectLst/>
+                        </a:rPr>
+                        <a:t>3.57</a:t>
+                      </a:r>
+                      <a:endParaRPr lang="en-US" sz="1700" b="0" i="0" u="none" strike="noStrike">
+                        <a:solidFill>
+                          <a:srgbClr val="000000"/>
+                        </a:solidFill>
+                        <a:effectLst/>
+                        <a:latin typeface="Aptos Narrow" panose="020B0004020202020204" pitchFamily="34" charset="0"/>
+                      </a:endParaRPr>
+                    </a:p>
+                  </a:txBody>
+                  <a:tcPr marL="13632" marR="13632" marT="13632" marB="0" anchor="b"/>
+                </a:tc>
+                <a:tc>
+                  <a:txBody>
+                    <a:bodyPr/>
+                    <a:lstStyle/>
+                    <a:p>
+                      <a:pPr algn="r" fontAlgn="b"/>
+                      <a:r>
+                        <a:rPr lang="en-US" sz="1700" u="none" strike="noStrike">
+                          <a:effectLst/>
+                        </a:rPr>
+                        <a:t>2010</a:t>
+                      </a:r>
+                      <a:endParaRPr lang="en-US" sz="1700" b="0" i="0" u="none" strike="noStrike">
+                        <a:solidFill>
+                          <a:srgbClr val="000000"/>
+                        </a:solidFill>
+                        <a:effectLst/>
+                        <a:latin typeface="Aptos Narrow" panose="020B0004020202020204" pitchFamily="34" charset="0"/>
+                      </a:endParaRPr>
+                    </a:p>
+                  </a:txBody>
+                  <a:tcPr marL="13632" marR="13632" marT="13632" marB="0" anchor="b"/>
+                </a:tc>
+                <a:tc>
+                  <a:txBody>
+                    <a:bodyPr/>
+                    <a:lstStyle/>
+                    <a:p>
+                      <a:pPr algn="r" fontAlgn="b"/>
+                      <a:r>
+                        <a:rPr lang="en-US" sz="1700" u="none" strike="noStrike">
+                          <a:effectLst/>
+                        </a:rPr>
+                        <a:t>5,991</a:t>
+                      </a:r>
+                      <a:endParaRPr lang="en-US" sz="1700" b="0" i="0" u="none" strike="noStrike">
+                        <a:solidFill>
+                          <a:srgbClr val="000000"/>
+                        </a:solidFill>
+                        <a:effectLst/>
+                        <a:latin typeface="Aptos Narrow" panose="020B0004020202020204" pitchFamily="34" charset="0"/>
+                      </a:endParaRPr>
+                    </a:p>
+                  </a:txBody>
+                  <a:tcPr marL="13632" marR="13632" marT="13632" marB="0" anchor="b"/>
+                </a:tc>
+                <a:tc>
+                  <a:txBody>
+                    <a:bodyPr/>
+                    <a:lstStyle/>
+                    <a:p>
+                      <a:pPr algn="r" fontAlgn="b"/>
+                      <a:r>
+                        <a:rPr lang="en-US" sz="1700" u="none" strike="noStrike">
+                          <a:effectLst/>
+                        </a:rPr>
+                        <a:t>2.77</a:t>
+                      </a:r>
+                      <a:endParaRPr lang="en-US" sz="1700" b="0" i="0" u="none" strike="noStrike">
+                        <a:solidFill>
+                          <a:srgbClr val="000000"/>
+                        </a:solidFill>
+                        <a:effectLst/>
+                        <a:latin typeface="Aptos Narrow" panose="020B0004020202020204" pitchFamily="34" charset="0"/>
+                      </a:endParaRPr>
+                    </a:p>
+                  </a:txBody>
+                  <a:tcPr marL="13632" marR="13632" marT="13632" marB="0" anchor="b"/>
+                </a:tc>
+                <a:extLst>
+                  <a:ext uri="{0D108BD9-81ED-4DB2-BD59-A6C34878D82A}">
+                    <a16:rowId xmlns:a16="http://schemas.microsoft.com/office/drawing/2014/main" val="1017006529"/>
+                  </a:ext>
+                </a:extLst>
+              </a:tr>
+            </a:tbl>
+          </a:graphicData>
+        </a:graphic>
+      </p:graphicFrame>
+    </p:spTree>
+    <p:extLst>
+      <p:ext uri="{BB962C8B-B14F-4D97-AF65-F5344CB8AC3E}">
+        <p14:creationId xmlns:p14="http://schemas.microsoft.com/office/powerpoint/2010/main" val="2208113781"/>
+      </p:ext>
+    </p:extLst>
+  </p:cSld>
+  <p:clrMapOvr>
+    <a:masterClrMapping/>
+  </p:clrMapOvr>
+</p:sld>
+</file>
+
+<file path=ppt/slides/slide6.xml><?xml version="1.0" encoding="utf-8"?>
+<p:sld xmlns:a="http://schemas.openxmlformats.org/drawingml/2006/main" xmlns:r="http://schemas.openxmlformats.org/officeDocument/2006/relationships" xmlns:p="http://schemas.openxmlformats.org/presentationml/2006/main">
+  <p:cSld>
+    <p:bg>
+      <p:bgPr>
+        <a:solidFill>
+          <a:schemeClr val="bg1"/>
+        </a:solidFill>
+        <a:effectLst/>
+      </p:bgPr>
+    </p:bg>
+    <p:spTree>
+      <p:nvGrpSpPr>
+        <p:cNvPr id="1" name=""/>
+        <p:cNvGrpSpPr/>
+        <p:nvPr/>
+      </p:nvGrpSpPr>
+      <p:grpSpPr>
+        <a:xfrm>
+          <a:off x="0" y="0"/>
+          <a:ext cx="0" cy="0"/>
+          <a:chOff x="0" y="0"/>
+          <a:chExt cx="0" cy="0"/>
+        </a:xfrm>
+      </p:grpSpPr>
+      <p:graphicFrame>
+        <p:nvGraphicFramePr>
+          <p:cNvPr id="2" name="Table 1">
+            <a:extLst>
+              <a:ext uri="{FF2B5EF4-FFF2-40B4-BE49-F238E27FC236}">
+                <a16:creationId xmlns:a16="http://schemas.microsoft.com/office/drawing/2014/main" id="{BB6630BF-DDAC-FB05-B33D-F97AC56405C7}"/>
+              </a:ext>
+            </a:extLst>
+          </p:cNvPr>
+          <p:cNvGraphicFramePr>
+            <a:graphicFrameLocks noGrp="1"/>
+          </p:cNvGraphicFramePr>
+          <p:nvPr>
+            <p:extLst>
+              <p:ext uri="{D42A27DB-BD31-4B8C-83A1-F6EECF244321}">
+                <p14:modId xmlns:p14="http://schemas.microsoft.com/office/powerpoint/2010/main" val="3099818359"/>
+              </p:ext>
+            </p:extLst>
+          </p:nvPr>
+        </p:nvGraphicFramePr>
+        <p:xfrm>
+          <a:off x="2563857" y="643466"/>
+          <a:ext cx="7064288" cy="5571070"/>
+        </p:xfrm>
+        <a:graphic>
+          <a:graphicData uri="http://schemas.openxmlformats.org/drawingml/2006/table">
+            <a:tbl>
+              <a:tblPr firstRow="1" bandRow="1">
+                <a:tableStyleId>{5C22544A-7EE6-4342-B048-85BDC9FD1C3A}</a:tableStyleId>
+              </a:tblPr>
+              <a:tblGrid>
+                <a:gridCol w="1612431">
+                  <a:extLst>
+                    <a:ext uri="{9D8B030D-6E8A-4147-A177-3AD203B41FA5}">
+                      <a16:colId xmlns:a16="http://schemas.microsoft.com/office/drawing/2014/main" val="4217069279"/>
+                    </a:ext>
+                  </a:extLst>
+                </a:gridCol>
+                <a:gridCol w="1919713">
+                  <a:extLst>
+                    <a:ext uri="{9D8B030D-6E8A-4147-A177-3AD203B41FA5}">
+                      <a16:colId xmlns:a16="http://schemas.microsoft.com/office/drawing/2014/main" val="2231091043"/>
+                    </a:ext>
+                  </a:extLst>
+                </a:gridCol>
+                <a:gridCol w="1612431">
+                  <a:extLst>
+                    <a:ext uri="{9D8B030D-6E8A-4147-A177-3AD203B41FA5}">
+                      <a16:colId xmlns:a16="http://schemas.microsoft.com/office/drawing/2014/main" val="1482273139"/>
+                    </a:ext>
+                  </a:extLst>
+                </a:gridCol>
+                <a:gridCol w="1919713">
+                  <a:extLst>
+                    <a:ext uri="{9D8B030D-6E8A-4147-A177-3AD203B41FA5}">
+                      <a16:colId xmlns:a16="http://schemas.microsoft.com/office/drawing/2014/main" val="1900432702"/>
+                    </a:ext>
+                  </a:extLst>
+                </a:gridCol>
+              </a:tblGrid>
+              <a:tr h="327710">
+                <a:tc>
+                  <a:txBody>
+                    <a:bodyPr/>
+                    <a:lstStyle/>
+                    <a:p>
+                      <a:pPr algn="ctr" fontAlgn="b"/>
+                      <a:r>
+                        <a:rPr lang="en-US" sz="1700" u="none" strike="noStrike">
+                          <a:effectLst/>
+                        </a:rPr>
+                        <a:t>Year</a:t>
+                      </a:r>
+                      <a:endParaRPr lang="en-US" sz="1700" b="1" i="0" u="none" strike="noStrike">
+                        <a:solidFill>
+                          <a:srgbClr val="000000"/>
+                        </a:solidFill>
+                        <a:effectLst/>
+                        <a:latin typeface="Aptos Narrow" panose="020B0004020202020204" pitchFamily="34" charset="0"/>
+                      </a:endParaRPr>
+                    </a:p>
+                  </a:txBody>
+                  <a:tcPr marL="13632" marR="13632" marT="13632" marB="0" anchor="b"/>
+                </a:tc>
+                <a:tc>
+                  <a:txBody>
+                    <a:bodyPr/>
+                    <a:lstStyle/>
+                    <a:p>
+                      <a:pPr algn="ctr" fontAlgn="b"/>
+                      <a:r>
+                        <a:rPr lang="en-US" sz="1700" u="none" strike="noStrike">
+                          <a:effectLst/>
+                        </a:rPr>
+                        <a:t>% work_us</a:t>
+                      </a:r>
+                      <a:endParaRPr lang="en-US" sz="1700" b="1" i="0" u="none" strike="noStrike">
+                        <a:solidFill>
+                          <a:srgbClr val="000000"/>
+                        </a:solidFill>
+                        <a:effectLst/>
+                        <a:latin typeface="Aptos Narrow" panose="020B0004020202020204" pitchFamily="34" charset="0"/>
+                      </a:endParaRPr>
+                    </a:p>
+                  </a:txBody>
+                  <a:tcPr marL="13632" marR="13632" marT="13632" marB="0" anchor="b"/>
+                </a:tc>
+                <a:tc>
+                  <a:txBody>
+                    <a:bodyPr/>
+                    <a:lstStyle/>
+                    <a:p>
+                      <a:pPr algn="ctr" fontAlgn="b"/>
+                      <a:r>
+                        <a:rPr lang="en-US" sz="1700" u="none" strike="noStrike">
+                          <a:effectLst/>
+                        </a:rPr>
+                        <a:t>Year</a:t>
+                      </a:r>
+                      <a:endParaRPr lang="en-US" sz="1700" b="1" i="0" u="none" strike="noStrike">
+                        <a:solidFill>
+                          <a:srgbClr val="000000"/>
+                        </a:solidFill>
+                        <a:effectLst/>
+                        <a:latin typeface="Aptos Narrow" panose="020B0004020202020204" pitchFamily="34" charset="0"/>
+                      </a:endParaRPr>
+                    </a:p>
+                  </a:txBody>
+                  <a:tcPr marL="13632" marR="13632" marT="13632" marB="0" anchor="b"/>
+                </a:tc>
+                <a:tc>
+                  <a:txBody>
+                    <a:bodyPr/>
+                    <a:lstStyle/>
+                    <a:p>
+                      <a:pPr algn="ctr" fontAlgn="b"/>
+                      <a:r>
+                        <a:rPr lang="en-US" sz="1700" u="none" strike="noStrike">
+                          <a:effectLst/>
+                        </a:rPr>
+                        <a:t>% work_us</a:t>
+                      </a:r>
+                      <a:endParaRPr lang="en-US" sz="1700" b="1" i="0" u="none" strike="noStrike">
+                        <a:solidFill>
+                          <a:srgbClr val="000000"/>
+                        </a:solidFill>
+                        <a:effectLst/>
+                        <a:latin typeface="Aptos Narrow" panose="020B0004020202020204" pitchFamily="34" charset="0"/>
+                      </a:endParaRPr>
+                    </a:p>
+                  </a:txBody>
+                  <a:tcPr marL="13632" marR="13632" marT="13632" marB="0" anchor="b"/>
+                </a:tc>
+                <a:extLst>
+                  <a:ext uri="{0D108BD9-81ED-4DB2-BD59-A6C34878D82A}">
+                    <a16:rowId xmlns:a16="http://schemas.microsoft.com/office/drawing/2014/main" val="3072417867"/>
+                  </a:ext>
+                </a:extLst>
+              </a:tr>
+              <a:tr h="327710">
+                <a:tc>
+                  <a:txBody>
+                    <a:bodyPr/>
+                    <a:lstStyle/>
+                    <a:p>
+                      <a:pPr algn="r" fontAlgn="b"/>
+                      <a:r>
+                        <a:rPr lang="en-US" sz="1700" u="none" strike="noStrike">
+                          <a:effectLst/>
+                        </a:rPr>
+                        <a:t>1980</a:t>
+                      </a:r>
+                      <a:endParaRPr lang="en-US" sz="1700" b="0" i="0" u="none" strike="noStrike">
+                        <a:solidFill>
+                          <a:srgbClr val="000000"/>
+                        </a:solidFill>
+                        <a:effectLst/>
+                        <a:latin typeface="Aptos Narrow" panose="020B0004020202020204" pitchFamily="34" charset="0"/>
+                      </a:endParaRPr>
+                    </a:p>
+                  </a:txBody>
+                  <a:tcPr marL="13632" marR="13632" marT="13632" marB="0" anchor="b"/>
+                </a:tc>
+                <a:tc>
+                  <a:txBody>
+                    <a:bodyPr/>
+                    <a:lstStyle/>
+                    <a:p>
+                      <a:pPr algn="r" fontAlgn="b"/>
+                      <a:r>
+                        <a:rPr lang="en-US" sz="1700" u="none" strike="noStrike">
+                          <a:effectLst/>
+                        </a:rPr>
+                        <a:t>1.63</a:t>
+                      </a:r>
+                      <a:endParaRPr lang="en-US" sz="1700" b="0" i="0" u="none" strike="noStrike">
+                        <a:solidFill>
+                          <a:srgbClr val="000000"/>
+                        </a:solidFill>
+                        <a:effectLst/>
+                        <a:latin typeface="Aptos Narrow" panose="020B0004020202020204" pitchFamily="34" charset="0"/>
+                      </a:endParaRPr>
+                    </a:p>
+                  </a:txBody>
+                  <a:tcPr marL="13632" marR="13632" marT="13632" marB="0" anchor="b"/>
+                </a:tc>
+                <a:tc>
+                  <a:txBody>
+                    <a:bodyPr/>
+                    <a:lstStyle/>
+                    <a:p>
+                      <a:pPr algn="r" fontAlgn="b"/>
+                      <a:r>
+                        <a:rPr lang="en-US" sz="1700" u="none" strike="noStrike">
+                          <a:effectLst/>
+                        </a:rPr>
+                        <a:t>1995</a:t>
+                      </a:r>
+                      <a:endParaRPr lang="en-US" sz="1700" b="0" i="0" u="none" strike="noStrike">
+                        <a:solidFill>
+                          <a:srgbClr val="000000"/>
+                        </a:solidFill>
+                        <a:effectLst/>
+                        <a:latin typeface="Aptos Narrow" panose="020B0004020202020204" pitchFamily="34" charset="0"/>
+                      </a:endParaRPr>
+                    </a:p>
+                  </a:txBody>
+                  <a:tcPr marL="13632" marR="13632" marT="13632" marB="0" anchor="b"/>
+                </a:tc>
+                <a:tc>
+                  <a:txBody>
+                    <a:bodyPr/>
+                    <a:lstStyle/>
+                    <a:p>
+                      <a:pPr algn="r" fontAlgn="b"/>
+                      <a:r>
+                        <a:rPr lang="en-US" sz="1700" u="none" strike="noStrike">
+                          <a:effectLst/>
+                        </a:rPr>
+                        <a:t>5.87</a:t>
+                      </a:r>
+                      <a:endParaRPr lang="en-US" sz="1700" b="0" i="0" u="none" strike="noStrike">
+                        <a:solidFill>
+                          <a:srgbClr val="000000"/>
+                        </a:solidFill>
+                        <a:effectLst/>
+                        <a:latin typeface="Aptos Narrow" panose="020B0004020202020204" pitchFamily="34" charset="0"/>
+                      </a:endParaRPr>
+                    </a:p>
+                  </a:txBody>
+                  <a:tcPr marL="13632" marR="13632" marT="13632" marB="0" anchor="b"/>
+                </a:tc>
+                <a:extLst>
+                  <a:ext uri="{0D108BD9-81ED-4DB2-BD59-A6C34878D82A}">
+                    <a16:rowId xmlns:a16="http://schemas.microsoft.com/office/drawing/2014/main" val="3038525163"/>
+                  </a:ext>
+                </a:extLst>
+              </a:tr>
+              <a:tr h="327710">
+                <a:tc>
+                  <a:txBody>
+                    <a:bodyPr/>
+                    <a:lstStyle/>
+                    <a:p>
+                      <a:pPr algn="r" fontAlgn="b"/>
+                      <a:r>
+                        <a:rPr lang="en-US" sz="1700" u="none" strike="noStrike">
+                          <a:effectLst/>
+                        </a:rPr>
+                        <a:t>1981</a:t>
+                      </a:r>
+                      <a:endParaRPr lang="en-US" sz="1700" b="0" i="0" u="none" strike="noStrike">
+                        <a:solidFill>
+                          <a:srgbClr val="000000"/>
+                        </a:solidFill>
+                        <a:effectLst/>
+                        <a:latin typeface="Aptos Narrow" panose="020B0004020202020204" pitchFamily="34" charset="0"/>
+                      </a:endParaRPr>
+                    </a:p>
+                  </a:txBody>
+                  <a:tcPr marL="13632" marR="13632" marT="13632" marB="0" anchor="b"/>
+                </a:tc>
+                <a:tc>
+                  <a:txBody>
+                    <a:bodyPr/>
+                    <a:lstStyle/>
+                    <a:p>
+                      <a:pPr algn="r" fontAlgn="b"/>
+                      <a:r>
+                        <a:rPr lang="en-US" sz="1700" u="none" strike="noStrike">
+                          <a:effectLst/>
+                        </a:rPr>
+                        <a:t>1.70</a:t>
+                      </a:r>
+                      <a:endParaRPr lang="en-US" sz="1700" b="0" i="0" u="none" strike="noStrike">
+                        <a:solidFill>
+                          <a:srgbClr val="000000"/>
+                        </a:solidFill>
+                        <a:effectLst/>
+                        <a:latin typeface="Aptos Narrow" panose="020B0004020202020204" pitchFamily="34" charset="0"/>
+                      </a:endParaRPr>
+                    </a:p>
+                  </a:txBody>
+                  <a:tcPr marL="13632" marR="13632" marT="13632" marB="0" anchor="b"/>
+                </a:tc>
+                <a:tc>
+                  <a:txBody>
+                    <a:bodyPr/>
+                    <a:lstStyle/>
+                    <a:p>
+                      <a:pPr algn="r" fontAlgn="b"/>
+                      <a:r>
+                        <a:rPr lang="en-US" sz="1700" u="none" strike="noStrike">
+                          <a:effectLst/>
+                        </a:rPr>
+                        <a:t>1996</a:t>
+                      </a:r>
+                      <a:endParaRPr lang="en-US" sz="1700" b="0" i="0" u="none" strike="noStrike">
+                        <a:solidFill>
+                          <a:srgbClr val="000000"/>
+                        </a:solidFill>
+                        <a:effectLst/>
+                        <a:latin typeface="Aptos Narrow" panose="020B0004020202020204" pitchFamily="34" charset="0"/>
+                      </a:endParaRPr>
+                    </a:p>
+                  </a:txBody>
+                  <a:tcPr marL="13632" marR="13632" marT="13632" marB="0" anchor="b"/>
+                </a:tc>
+                <a:tc>
+                  <a:txBody>
+                    <a:bodyPr/>
+                    <a:lstStyle/>
+                    <a:p>
+                      <a:pPr algn="r" fontAlgn="b"/>
+                      <a:r>
+                        <a:rPr lang="en-US" sz="1700" u="none" strike="noStrike">
+                          <a:effectLst/>
+                        </a:rPr>
+                        <a:t>6.06</a:t>
+                      </a:r>
+                      <a:endParaRPr lang="en-US" sz="1700" b="0" i="0" u="none" strike="noStrike">
+                        <a:solidFill>
+                          <a:srgbClr val="000000"/>
+                        </a:solidFill>
+                        <a:effectLst/>
+                        <a:latin typeface="Aptos Narrow" panose="020B0004020202020204" pitchFamily="34" charset="0"/>
+                      </a:endParaRPr>
+                    </a:p>
+                  </a:txBody>
+                  <a:tcPr marL="13632" marR="13632" marT="13632" marB="0" anchor="b"/>
+                </a:tc>
+                <a:extLst>
+                  <a:ext uri="{0D108BD9-81ED-4DB2-BD59-A6C34878D82A}">
+                    <a16:rowId xmlns:a16="http://schemas.microsoft.com/office/drawing/2014/main" val="3536532"/>
+                  </a:ext>
+                </a:extLst>
+              </a:tr>
+              <a:tr h="327710">
+                <a:tc>
+                  <a:txBody>
+                    <a:bodyPr/>
+                    <a:lstStyle/>
+                    <a:p>
+                      <a:pPr algn="r" fontAlgn="b"/>
+                      <a:r>
+                        <a:rPr lang="en-US" sz="1700" u="none" strike="noStrike">
+                          <a:effectLst/>
+                        </a:rPr>
+                        <a:t>1982</a:t>
+                      </a:r>
+                      <a:endParaRPr lang="en-US" sz="1700" b="0" i="0" u="none" strike="noStrike">
+                        <a:solidFill>
+                          <a:srgbClr val="000000"/>
+                        </a:solidFill>
+                        <a:effectLst/>
+                        <a:latin typeface="Aptos Narrow" panose="020B0004020202020204" pitchFamily="34" charset="0"/>
+                      </a:endParaRPr>
+                    </a:p>
+                  </a:txBody>
+                  <a:tcPr marL="13632" marR="13632" marT="13632" marB="0" anchor="b"/>
+                </a:tc>
+                <a:tc>
+                  <a:txBody>
+                    <a:bodyPr/>
+                    <a:lstStyle/>
+                    <a:p>
+                      <a:pPr algn="r" fontAlgn="b"/>
+                      <a:r>
+                        <a:rPr lang="en-US" sz="1700" u="none" strike="noStrike">
+                          <a:effectLst/>
+                        </a:rPr>
+                        <a:t>1.91</a:t>
+                      </a:r>
+                      <a:endParaRPr lang="en-US" sz="1700" b="0" i="0" u="none" strike="noStrike">
+                        <a:solidFill>
+                          <a:srgbClr val="000000"/>
+                        </a:solidFill>
+                        <a:effectLst/>
+                        <a:latin typeface="Aptos Narrow" panose="020B0004020202020204" pitchFamily="34" charset="0"/>
+                      </a:endParaRPr>
+                    </a:p>
+                  </a:txBody>
+                  <a:tcPr marL="13632" marR="13632" marT="13632" marB="0" anchor="b"/>
+                </a:tc>
+                <a:tc>
+                  <a:txBody>
+                    <a:bodyPr/>
+                    <a:lstStyle/>
+                    <a:p>
+                      <a:pPr algn="r" fontAlgn="b"/>
+                      <a:r>
+                        <a:rPr lang="en-US" sz="1700" u="none" strike="noStrike">
+                          <a:effectLst/>
+                        </a:rPr>
+                        <a:t>1997</a:t>
+                      </a:r>
+                      <a:endParaRPr lang="en-US" sz="1700" b="0" i="0" u="none" strike="noStrike">
+                        <a:solidFill>
+                          <a:srgbClr val="000000"/>
+                        </a:solidFill>
+                        <a:effectLst/>
+                        <a:latin typeface="Aptos Narrow" panose="020B0004020202020204" pitchFamily="34" charset="0"/>
+                      </a:endParaRPr>
+                    </a:p>
+                  </a:txBody>
+                  <a:tcPr marL="13632" marR="13632" marT="13632" marB="0" anchor="b"/>
+                </a:tc>
+                <a:tc>
+                  <a:txBody>
+                    <a:bodyPr/>
+                    <a:lstStyle/>
+                    <a:p>
+                      <a:pPr algn="r" fontAlgn="b"/>
+                      <a:r>
+                        <a:rPr lang="en-US" sz="1700" u="none" strike="noStrike">
+                          <a:effectLst/>
+                        </a:rPr>
+                        <a:t>6.62</a:t>
+                      </a:r>
+                      <a:endParaRPr lang="en-US" sz="1700" b="0" i="0" u="none" strike="noStrike">
+                        <a:solidFill>
+                          <a:srgbClr val="000000"/>
+                        </a:solidFill>
+                        <a:effectLst/>
+                        <a:latin typeface="Aptos Narrow" panose="020B0004020202020204" pitchFamily="34" charset="0"/>
+                      </a:endParaRPr>
+                    </a:p>
+                  </a:txBody>
+                  <a:tcPr marL="13632" marR="13632" marT="13632" marB="0" anchor="b"/>
+                </a:tc>
+                <a:extLst>
+                  <a:ext uri="{0D108BD9-81ED-4DB2-BD59-A6C34878D82A}">
+                    <a16:rowId xmlns:a16="http://schemas.microsoft.com/office/drawing/2014/main" val="3059668010"/>
+                  </a:ext>
+                </a:extLst>
+              </a:tr>
+              <a:tr h="327710">
+                <a:tc>
+                  <a:txBody>
+                    <a:bodyPr/>
+                    <a:lstStyle/>
+                    <a:p>
+                      <a:pPr algn="r" fontAlgn="b"/>
+                      <a:r>
+                        <a:rPr lang="en-US" sz="1700" u="none" strike="noStrike">
+                          <a:effectLst/>
+                        </a:rPr>
+                        <a:t>1983</a:t>
+                      </a:r>
+                      <a:endParaRPr lang="en-US" sz="1700" b="0" i="0" u="none" strike="noStrike">
+                        <a:solidFill>
+                          <a:srgbClr val="000000"/>
+                        </a:solidFill>
+                        <a:effectLst/>
+                        <a:latin typeface="Aptos Narrow" panose="020B0004020202020204" pitchFamily="34" charset="0"/>
+                      </a:endParaRPr>
+                    </a:p>
+                  </a:txBody>
+                  <a:tcPr marL="13632" marR="13632" marT="13632" marB="0" anchor="b"/>
+                </a:tc>
+                <a:tc>
+                  <a:txBody>
+                    <a:bodyPr/>
+                    <a:lstStyle/>
+                    <a:p>
+                      <a:pPr algn="r" fontAlgn="b"/>
+                      <a:r>
+                        <a:rPr lang="en-US" sz="1700" u="none" strike="noStrike">
+                          <a:effectLst/>
+                        </a:rPr>
+                        <a:t>1.99</a:t>
+                      </a:r>
+                      <a:endParaRPr lang="en-US" sz="1700" b="0" i="0" u="none" strike="noStrike">
+                        <a:solidFill>
+                          <a:srgbClr val="000000"/>
+                        </a:solidFill>
+                        <a:effectLst/>
+                        <a:latin typeface="Aptos Narrow" panose="020B0004020202020204" pitchFamily="34" charset="0"/>
+                      </a:endParaRPr>
+                    </a:p>
+                  </a:txBody>
+                  <a:tcPr marL="13632" marR="13632" marT="13632" marB="0" anchor="b"/>
+                </a:tc>
+                <a:tc>
+                  <a:txBody>
+                    <a:bodyPr/>
+                    <a:lstStyle/>
+                    <a:p>
+                      <a:pPr algn="r" fontAlgn="b"/>
+                      <a:r>
+                        <a:rPr lang="en-US" sz="1700" u="none" strike="noStrike">
+                          <a:effectLst/>
+                        </a:rPr>
+                        <a:t>1998</a:t>
+                      </a:r>
+                      <a:endParaRPr lang="en-US" sz="1700" b="0" i="0" u="none" strike="noStrike">
+                        <a:solidFill>
+                          <a:srgbClr val="000000"/>
+                        </a:solidFill>
+                        <a:effectLst/>
+                        <a:latin typeface="Aptos Narrow" panose="020B0004020202020204" pitchFamily="34" charset="0"/>
+                      </a:endParaRPr>
+                    </a:p>
+                  </a:txBody>
+                  <a:tcPr marL="13632" marR="13632" marT="13632" marB="0" anchor="b"/>
+                </a:tc>
+                <a:tc>
+                  <a:txBody>
+                    <a:bodyPr/>
+                    <a:lstStyle/>
+                    <a:p>
+                      <a:pPr algn="r" fontAlgn="b"/>
+                      <a:r>
+                        <a:rPr lang="en-US" sz="1700" u="none" strike="noStrike">
+                          <a:effectLst/>
+                        </a:rPr>
+                        <a:t>7.13</a:t>
+                      </a:r>
+                      <a:endParaRPr lang="en-US" sz="1700" b="0" i="0" u="none" strike="noStrike">
+                        <a:solidFill>
+                          <a:srgbClr val="000000"/>
+                        </a:solidFill>
+                        <a:effectLst/>
+                        <a:latin typeface="Aptos Narrow" panose="020B0004020202020204" pitchFamily="34" charset="0"/>
+                      </a:endParaRPr>
+                    </a:p>
+                  </a:txBody>
+                  <a:tcPr marL="13632" marR="13632" marT="13632" marB="0" anchor="b"/>
+                </a:tc>
+                <a:extLst>
+                  <a:ext uri="{0D108BD9-81ED-4DB2-BD59-A6C34878D82A}">
+                    <a16:rowId xmlns:a16="http://schemas.microsoft.com/office/drawing/2014/main" val="3415980715"/>
+                  </a:ext>
+                </a:extLst>
+              </a:tr>
+              <a:tr h="327710">
+                <a:tc>
+                  <a:txBody>
+                    <a:bodyPr/>
+                    <a:lstStyle/>
+                    <a:p>
+                      <a:pPr algn="r" fontAlgn="b"/>
+                      <a:r>
+                        <a:rPr lang="en-US" sz="1700" u="none" strike="noStrike">
+                          <a:effectLst/>
+                        </a:rPr>
+                        <a:t>1984</a:t>
+                      </a:r>
+                      <a:endParaRPr lang="en-US" sz="1700" b="0" i="0" u="none" strike="noStrike">
+                        <a:solidFill>
+                          <a:srgbClr val="000000"/>
+                        </a:solidFill>
+                        <a:effectLst/>
+                        <a:latin typeface="Aptos Narrow" panose="020B0004020202020204" pitchFamily="34" charset="0"/>
+                      </a:endParaRPr>
+                    </a:p>
+                  </a:txBody>
+                  <a:tcPr marL="13632" marR="13632" marT="13632" marB="0" anchor="b"/>
+                </a:tc>
+                <a:tc>
+                  <a:txBody>
+                    <a:bodyPr/>
+                    <a:lstStyle/>
+                    <a:p>
+                      <a:pPr algn="r" fontAlgn="b"/>
+                      <a:r>
+                        <a:rPr lang="en-US" sz="1700" u="none" strike="noStrike">
+                          <a:effectLst/>
+                        </a:rPr>
+                        <a:t>1.95</a:t>
+                      </a:r>
+                      <a:endParaRPr lang="en-US" sz="1700" b="0" i="0" u="none" strike="noStrike">
+                        <a:solidFill>
+                          <a:srgbClr val="000000"/>
+                        </a:solidFill>
+                        <a:effectLst/>
+                        <a:latin typeface="Aptos Narrow" panose="020B0004020202020204" pitchFamily="34" charset="0"/>
+                      </a:endParaRPr>
+                    </a:p>
+                  </a:txBody>
+                  <a:tcPr marL="13632" marR="13632" marT="13632" marB="0" anchor="b"/>
+                </a:tc>
+                <a:tc>
+                  <a:txBody>
+                    <a:bodyPr/>
+                    <a:lstStyle/>
+                    <a:p>
+                      <a:pPr algn="r" fontAlgn="b"/>
+                      <a:r>
+                        <a:rPr lang="en-US" sz="1700" u="none" strike="noStrike">
+                          <a:effectLst/>
+                        </a:rPr>
+                        <a:t>1999</a:t>
+                      </a:r>
+                      <a:endParaRPr lang="en-US" sz="1700" b="0" i="0" u="none" strike="noStrike">
+                        <a:solidFill>
+                          <a:srgbClr val="000000"/>
+                        </a:solidFill>
+                        <a:effectLst/>
+                        <a:latin typeface="Aptos Narrow" panose="020B0004020202020204" pitchFamily="34" charset="0"/>
+                      </a:endParaRPr>
+                    </a:p>
+                  </a:txBody>
+                  <a:tcPr marL="13632" marR="13632" marT="13632" marB="0" anchor="b"/>
+                </a:tc>
+                <a:tc>
+                  <a:txBody>
+                    <a:bodyPr/>
+                    <a:lstStyle/>
+                    <a:p>
+                      <a:pPr algn="r" fontAlgn="b"/>
+                      <a:r>
+                        <a:rPr lang="en-US" sz="1700" u="none" strike="noStrike">
+                          <a:effectLst/>
+                        </a:rPr>
+                        <a:t>8.17</a:t>
+                      </a:r>
+                      <a:endParaRPr lang="en-US" sz="1700" b="0" i="0" u="none" strike="noStrike">
+                        <a:solidFill>
+                          <a:srgbClr val="000000"/>
+                        </a:solidFill>
+                        <a:effectLst/>
+                        <a:latin typeface="Aptos Narrow" panose="020B0004020202020204" pitchFamily="34" charset="0"/>
+                      </a:endParaRPr>
+                    </a:p>
+                  </a:txBody>
+                  <a:tcPr marL="13632" marR="13632" marT="13632" marB="0" anchor="b"/>
+                </a:tc>
+                <a:extLst>
+                  <a:ext uri="{0D108BD9-81ED-4DB2-BD59-A6C34878D82A}">
+                    <a16:rowId xmlns:a16="http://schemas.microsoft.com/office/drawing/2014/main" val="48637007"/>
+                  </a:ext>
+                </a:extLst>
+              </a:tr>
+              <a:tr h="327710">
+                <a:tc>
+                  <a:txBody>
+                    <a:bodyPr/>
+                    <a:lstStyle/>
+                    <a:p>
+                      <a:pPr algn="r" fontAlgn="b"/>
+                      <a:r>
+                        <a:rPr lang="en-US" sz="1700" u="none" strike="noStrike">
+                          <a:effectLst/>
+                        </a:rPr>
+                        <a:t>1985</a:t>
+                      </a:r>
+                      <a:endParaRPr lang="en-US" sz="1700" b="0" i="0" u="none" strike="noStrike">
+                        <a:solidFill>
+                          <a:srgbClr val="000000"/>
+                        </a:solidFill>
+                        <a:effectLst/>
+                        <a:latin typeface="Aptos Narrow" panose="020B0004020202020204" pitchFamily="34" charset="0"/>
+                      </a:endParaRPr>
+                    </a:p>
+                  </a:txBody>
+                  <a:tcPr marL="13632" marR="13632" marT="13632" marB="0" anchor="b"/>
+                </a:tc>
+                <a:tc>
+                  <a:txBody>
+                    <a:bodyPr/>
+                    <a:lstStyle/>
+                    <a:p>
+                      <a:pPr algn="r" fontAlgn="b"/>
+                      <a:r>
+                        <a:rPr lang="en-US" sz="1700" u="none" strike="noStrike">
+                          <a:effectLst/>
+                        </a:rPr>
+                        <a:t>2.32</a:t>
+                      </a:r>
+                      <a:endParaRPr lang="en-US" sz="1700" b="0" i="0" u="none" strike="noStrike">
+                        <a:solidFill>
+                          <a:srgbClr val="000000"/>
+                        </a:solidFill>
+                        <a:effectLst/>
+                        <a:latin typeface="Aptos Narrow" panose="020B0004020202020204" pitchFamily="34" charset="0"/>
+                      </a:endParaRPr>
+                    </a:p>
+                  </a:txBody>
+                  <a:tcPr marL="13632" marR="13632" marT="13632" marB="0" anchor="b"/>
+                </a:tc>
+                <a:tc>
+                  <a:txBody>
+                    <a:bodyPr/>
+                    <a:lstStyle/>
+                    <a:p>
+                      <a:pPr algn="r" fontAlgn="b"/>
+                      <a:r>
+                        <a:rPr lang="en-US" sz="1700" u="none" strike="noStrike">
+                          <a:effectLst/>
+                        </a:rPr>
+                        <a:t>2000</a:t>
+                      </a:r>
+                      <a:endParaRPr lang="en-US" sz="1700" b="0" i="0" u="none" strike="noStrike">
+                        <a:solidFill>
+                          <a:srgbClr val="000000"/>
+                        </a:solidFill>
+                        <a:effectLst/>
+                        <a:latin typeface="Aptos Narrow" panose="020B0004020202020204" pitchFamily="34" charset="0"/>
+                      </a:endParaRPr>
+                    </a:p>
+                  </a:txBody>
+                  <a:tcPr marL="13632" marR="13632" marT="13632" marB="0" anchor="b"/>
+                </a:tc>
+                <a:tc>
+                  <a:txBody>
+                    <a:bodyPr/>
+                    <a:lstStyle/>
+                    <a:p>
+                      <a:pPr algn="r" fontAlgn="b"/>
+                      <a:r>
+                        <a:rPr lang="en-US" sz="1700" u="none" strike="noStrike">
+                          <a:effectLst/>
+                        </a:rPr>
+                        <a:t>9.18</a:t>
+                      </a:r>
+                      <a:endParaRPr lang="en-US" sz="1700" b="0" i="0" u="none" strike="noStrike">
+                        <a:solidFill>
+                          <a:srgbClr val="000000"/>
+                        </a:solidFill>
+                        <a:effectLst/>
+                        <a:latin typeface="Aptos Narrow" panose="020B0004020202020204" pitchFamily="34" charset="0"/>
+                      </a:endParaRPr>
+                    </a:p>
+                  </a:txBody>
+                  <a:tcPr marL="13632" marR="13632" marT="13632" marB="0" anchor="b"/>
+                </a:tc>
+                <a:extLst>
+                  <a:ext uri="{0D108BD9-81ED-4DB2-BD59-A6C34878D82A}">
+                    <a16:rowId xmlns:a16="http://schemas.microsoft.com/office/drawing/2014/main" val="844444128"/>
+                  </a:ext>
+                </a:extLst>
+              </a:tr>
+              <a:tr h="327710">
+                <a:tc>
+                  <a:txBody>
+                    <a:bodyPr/>
+                    <a:lstStyle/>
+                    <a:p>
+                      <a:pPr algn="r" fontAlgn="b"/>
+                      <a:r>
+                        <a:rPr lang="en-US" sz="1700" u="none" strike="noStrike">
+                          <a:effectLst/>
+                        </a:rPr>
+                        <a:t>1986</a:t>
+                      </a:r>
+                      <a:endParaRPr lang="en-US" sz="1700" b="0" i="0" u="none" strike="noStrike">
+                        <a:solidFill>
+                          <a:srgbClr val="000000"/>
+                        </a:solidFill>
+                        <a:effectLst/>
+                        <a:latin typeface="Aptos Narrow" panose="020B0004020202020204" pitchFamily="34" charset="0"/>
+                      </a:endParaRPr>
+                    </a:p>
+                  </a:txBody>
+                  <a:tcPr marL="13632" marR="13632" marT="13632" marB="0" anchor="b"/>
+                </a:tc>
+                <a:tc>
+                  <a:txBody>
+                    <a:bodyPr/>
+                    <a:lstStyle/>
+                    <a:p>
+                      <a:pPr algn="r" fontAlgn="b"/>
+                      <a:r>
+                        <a:rPr lang="en-US" sz="1700" u="none" strike="noStrike">
+                          <a:effectLst/>
+                        </a:rPr>
+                        <a:t>2.59</a:t>
+                      </a:r>
+                      <a:endParaRPr lang="en-US" sz="1700" b="0" i="0" u="none" strike="noStrike">
+                        <a:solidFill>
+                          <a:srgbClr val="000000"/>
+                        </a:solidFill>
+                        <a:effectLst/>
+                        <a:latin typeface="Aptos Narrow" panose="020B0004020202020204" pitchFamily="34" charset="0"/>
+                      </a:endParaRPr>
+                    </a:p>
+                  </a:txBody>
+                  <a:tcPr marL="13632" marR="13632" marT="13632" marB="0" anchor="b"/>
+                </a:tc>
+                <a:tc>
+                  <a:txBody>
+                    <a:bodyPr/>
+                    <a:lstStyle/>
+                    <a:p>
+                      <a:pPr algn="r" fontAlgn="b"/>
+                      <a:r>
+                        <a:rPr lang="en-US" sz="1700" u="none" strike="noStrike">
+                          <a:effectLst/>
+                        </a:rPr>
+                        <a:t>2001</a:t>
+                      </a:r>
+                      <a:endParaRPr lang="en-US" sz="1700" b="0" i="0" u="none" strike="noStrike">
+                        <a:solidFill>
+                          <a:srgbClr val="000000"/>
+                        </a:solidFill>
+                        <a:effectLst/>
+                        <a:latin typeface="Aptos Narrow" panose="020B0004020202020204" pitchFamily="34" charset="0"/>
+                      </a:endParaRPr>
+                    </a:p>
+                  </a:txBody>
+                  <a:tcPr marL="13632" marR="13632" marT="13632" marB="0" anchor="b"/>
+                </a:tc>
+                <a:tc>
+                  <a:txBody>
+                    <a:bodyPr/>
+                    <a:lstStyle/>
+                    <a:p>
+                      <a:pPr algn="r" fontAlgn="b"/>
+                      <a:r>
+                        <a:rPr lang="en-US" sz="1700" u="none" strike="noStrike">
+                          <a:effectLst/>
+                        </a:rPr>
+                        <a:t>9.58</a:t>
+                      </a:r>
+                      <a:endParaRPr lang="en-US" sz="1700" b="0" i="0" u="none" strike="noStrike">
+                        <a:solidFill>
+                          <a:srgbClr val="000000"/>
+                        </a:solidFill>
+                        <a:effectLst/>
+                        <a:latin typeface="Aptos Narrow" panose="020B0004020202020204" pitchFamily="34" charset="0"/>
+                      </a:endParaRPr>
+                    </a:p>
+                  </a:txBody>
+                  <a:tcPr marL="13632" marR="13632" marT="13632" marB="0" anchor="b"/>
+                </a:tc>
+                <a:extLst>
+                  <a:ext uri="{0D108BD9-81ED-4DB2-BD59-A6C34878D82A}">
+                    <a16:rowId xmlns:a16="http://schemas.microsoft.com/office/drawing/2014/main" val="856578750"/>
+                  </a:ext>
+                </a:extLst>
+              </a:tr>
+              <a:tr h="327710">
+                <a:tc>
+                  <a:txBody>
+                    <a:bodyPr/>
+                    <a:lstStyle/>
+                    <a:p>
+                      <a:pPr algn="r" fontAlgn="b"/>
+                      <a:r>
+                        <a:rPr lang="en-US" sz="1700" u="none" strike="noStrike">
+                          <a:effectLst/>
+                        </a:rPr>
+                        <a:t>1987</a:t>
+                      </a:r>
+                      <a:endParaRPr lang="en-US" sz="1700" b="0" i="0" u="none" strike="noStrike">
+                        <a:solidFill>
+                          <a:srgbClr val="000000"/>
+                        </a:solidFill>
+                        <a:effectLst/>
+                        <a:latin typeface="Aptos Narrow" panose="020B0004020202020204" pitchFamily="34" charset="0"/>
+                      </a:endParaRPr>
+                    </a:p>
+                  </a:txBody>
+                  <a:tcPr marL="13632" marR="13632" marT="13632" marB="0" anchor="b"/>
+                </a:tc>
+                <a:tc>
+                  <a:txBody>
+                    <a:bodyPr/>
+                    <a:lstStyle/>
+                    <a:p>
+                      <a:pPr algn="r" fontAlgn="b"/>
+                      <a:r>
+                        <a:rPr lang="en-US" sz="1700" u="none" strike="noStrike">
+                          <a:effectLst/>
+                        </a:rPr>
+                        <a:t>2.87</a:t>
+                      </a:r>
+                      <a:endParaRPr lang="en-US" sz="1700" b="0" i="0" u="none" strike="noStrike">
+                        <a:solidFill>
+                          <a:srgbClr val="000000"/>
+                        </a:solidFill>
+                        <a:effectLst/>
+                        <a:latin typeface="Aptos Narrow" panose="020B0004020202020204" pitchFamily="34" charset="0"/>
+                      </a:endParaRPr>
+                    </a:p>
+                  </a:txBody>
+                  <a:tcPr marL="13632" marR="13632" marT="13632" marB="0" anchor="b"/>
+                </a:tc>
+                <a:tc>
+                  <a:txBody>
+                    <a:bodyPr/>
+                    <a:lstStyle/>
+                    <a:p>
+                      <a:pPr algn="r" fontAlgn="b"/>
+                      <a:r>
+                        <a:rPr lang="en-US" sz="1700" u="none" strike="noStrike">
+                          <a:effectLst/>
+                        </a:rPr>
+                        <a:t>2002</a:t>
+                      </a:r>
+                      <a:endParaRPr lang="en-US" sz="1700" b="0" i="0" u="none" strike="noStrike">
+                        <a:solidFill>
+                          <a:srgbClr val="000000"/>
+                        </a:solidFill>
+                        <a:effectLst/>
+                        <a:latin typeface="Aptos Narrow" panose="020B0004020202020204" pitchFamily="34" charset="0"/>
+                      </a:endParaRPr>
+                    </a:p>
+                  </a:txBody>
+                  <a:tcPr marL="13632" marR="13632" marT="13632" marB="0" anchor="b"/>
+                </a:tc>
+                <a:tc>
+                  <a:txBody>
+                    <a:bodyPr/>
+                    <a:lstStyle/>
+                    <a:p>
+                      <a:pPr algn="r" fontAlgn="b"/>
+                      <a:r>
+                        <a:rPr lang="en-US" sz="1700" u="none" strike="noStrike">
+                          <a:effectLst/>
+                        </a:rPr>
+                        <a:t>10.54</a:t>
+                      </a:r>
+                      <a:endParaRPr lang="en-US" sz="1700" b="0" i="0" u="none" strike="noStrike">
+                        <a:solidFill>
+                          <a:srgbClr val="000000"/>
+                        </a:solidFill>
+                        <a:effectLst/>
+                        <a:latin typeface="Aptos Narrow" panose="020B0004020202020204" pitchFamily="34" charset="0"/>
+                      </a:endParaRPr>
+                    </a:p>
+                  </a:txBody>
+                  <a:tcPr marL="13632" marR="13632" marT="13632" marB="0" anchor="b"/>
+                </a:tc>
+                <a:extLst>
+                  <a:ext uri="{0D108BD9-81ED-4DB2-BD59-A6C34878D82A}">
+                    <a16:rowId xmlns:a16="http://schemas.microsoft.com/office/drawing/2014/main" val="3389872568"/>
+                  </a:ext>
+                </a:extLst>
+              </a:tr>
+              <a:tr h="327710">
+                <a:tc>
+                  <a:txBody>
+                    <a:bodyPr/>
+                    <a:lstStyle/>
+                    <a:p>
+                      <a:pPr algn="r" fontAlgn="b"/>
+                      <a:r>
+                        <a:rPr lang="en-US" sz="1700" u="none" strike="noStrike">
+                          <a:effectLst/>
+                        </a:rPr>
+                        <a:t>1988</a:t>
+                      </a:r>
+                      <a:endParaRPr lang="en-US" sz="1700" b="0" i="0" u="none" strike="noStrike">
+                        <a:solidFill>
+                          <a:srgbClr val="000000"/>
+                        </a:solidFill>
+                        <a:effectLst/>
+                        <a:latin typeface="Aptos Narrow" panose="020B0004020202020204" pitchFamily="34" charset="0"/>
+                      </a:endParaRPr>
+                    </a:p>
+                  </a:txBody>
+                  <a:tcPr marL="13632" marR="13632" marT="13632" marB="0" anchor="b"/>
+                </a:tc>
+                <a:tc>
+                  <a:txBody>
+                    <a:bodyPr/>
+                    <a:lstStyle/>
+                    <a:p>
+                      <a:pPr algn="r" fontAlgn="b"/>
+                      <a:r>
+                        <a:rPr lang="en-US" sz="1700" u="none" strike="noStrike">
+                          <a:effectLst/>
+                        </a:rPr>
+                        <a:t>3.10</a:t>
+                      </a:r>
+                      <a:endParaRPr lang="en-US" sz="1700" b="0" i="0" u="none" strike="noStrike">
+                        <a:solidFill>
+                          <a:srgbClr val="000000"/>
+                        </a:solidFill>
+                        <a:effectLst/>
+                        <a:latin typeface="Aptos Narrow" panose="020B0004020202020204" pitchFamily="34" charset="0"/>
+                      </a:endParaRPr>
+                    </a:p>
+                  </a:txBody>
+                  <a:tcPr marL="13632" marR="13632" marT="13632" marB="0" anchor="b"/>
+                </a:tc>
+                <a:tc>
+                  <a:txBody>
+                    <a:bodyPr/>
+                    <a:lstStyle/>
+                    <a:p>
+                      <a:pPr algn="r" fontAlgn="b"/>
+                      <a:r>
+                        <a:rPr lang="en-US" sz="1700" u="none" strike="noStrike">
+                          <a:effectLst/>
+                        </a:rPr>
+                        <a:t>2003</a:t>
+                      </a:r>
+                      <a:endParaRPr lang="en-US" sz="1700" b="0" i="0" u="none" strike="noStrike">
+                        <a:solidFill>
+                          <a:srgbClr val="000000"/>
+                        </a:solidFill>
+                        <a:effectLst/>
+                        <a:latin typeface="Aptos Narrow" panose="020B0004020202020204" pitchFamily="34" charset="0"/>
+                      </a:endParaRPr>
+                    </a:p>
+                  </a:txBody>
+                  <a:tcPr marL="13632" marR="13632" marT="13632" marB="0" anchor="b"/>
+                </a:tc>
+                <a:tc>
+                  <a:txBody>
+                    <a:bodyPr/>
+                    <a:lstStyle/>
+                    <a:p>
+                      <a:pPr algn="r" fontAlgn="b"/>
+                      <a:r>
+                        <a:rPr lang="en-US" sz="1700" u="none" strike="noStrike">
+                          <a:effectLst/>
+                        </a:rPr>
+                        <a:t>7.83</a:t>
+                      </a:r>
+                      <a:endParaRPr lang="en-US" sz="1700" b="0" i="0" u="none" strike="noStrike">
+                        <a:solidFill>
+                          <a:srgbClr val="000000"/>
+                        </a:solidFill>
+                        <a:effectLst/>
+                        <a:latin typeface="Aptos Narrow" panose="020B0004020202020204" pitchFamily="34" charset="0"/>
+                      </a:endParaRPr>
+                    </a:p>
+                  </a:txBody>
+                  <a:tcPr marL="13632" marR="13632" marT="13632" marB="0" anchor="b"/>
+                </a:tc>
+                <a:extLst>
+                  <a:ext uri="{0D108BD9-81ED-4DB2-BD59-A6C34878D82A}">
+                    <a16:rowId xmlns:a16="http://schemas.microsoft.com/office/drawing/2014/main" val="935020664"/>
+                  </a:ext>
+                </a:extLst>
+              </a:tr>
+              <a:tr h="327710">
+                <a:tc>
+                  <a:txBody>
+                    <a:bodyPr/>
+                    <a:lstStyle/>
+                    <a:p>
+                      <a:pPr algn="r" fontAlgn="b"/>
+                      <a:r>
+                        <a:rPr lang="en-US" sz="1700" u="none" strike="noStrike">
+                          <a:effectLst/>
+                        </a:rPr>
+                        <a:t>1989</a:t>
+                      </a:r>
+                      <a:endParaRPr lang="en-US" sz="1700" b="0" i="0" u="none" strike="noStrike">
+                        <a:solidFill>
+                          <a:srgbClr val="000000"/>
+                        </a:solidFill>
+                        <a:effectLst/>
+                        <a:latin typeface="Aptos Narrow" panose="020B0004020202020204" pitchFamily="34" charset="0"/>
+                      </a:endParaRPr>
+                    </a:p>
+                  </a:txBody>
+                  <a:tcPr marL="13632" marR="13632" marT="13632" marB="0" anchor="b"/>
+                </a:tc>
+                <a:tc>
+                  <a:txBody>
+                    <a:bodyPr/>
+                    <a:lstStyle/>
+                    <a:p>
+                      <a:pPr algn="r" fontAlgn="b"/>
+                      <a:r>
+                        <a:rPr lang="en-US" sz="1700" u="none" strike="noStrike">
+                          <a:effectLst/>
+                        </a:rPr>
+                        <a:t>3.06</a:t>
+                      </a:r>
+                      <a:endParaRPr lang="en-US" sz="1700" b="0" i="0" u="none" strike="noStrike">
+                        <a:solidFill>
+                          <a:srgbClr val="000000"/>
+                        </a:solidFill>
+                        <a:effectLst/>
+                        <a:latin typeface="Aptos Narrow" panose="020B0004020202020204" pitchFamily="34" charset="0"/>
+                      </a:endParaRPr>
+                    </a:p>
+                  </a:txBody>
+                  <a:tcPr marL="13632" marR="13632" marT="13632" marB="0" anchor="b"/>
+                </a:tc>
+                <a:tc>
+                  <a:txBody>
+                    <a:bodyPr/>
+                    <a:lstStyle/>
+                    <a:p>
+                      <a:pPr algn="r" fontAlgn="b"/>
+                      <a:r>
+                        <a:rPr lang="en-US" sz="1700" u="none" strike="noStrike">
+                          <a:effectLst/>
+                        </a:rPr>
+                        <a:t>2004</a:t>
+                      </a:r>
+                      <a:endParaRPr lang="en-US" sz="1700" b="0" i="0" u="none" strike="noStrike">
+                        <a:solidFill>
+                          <a:srgbClr val="000000"/>
+                        </a:solidFill>
+                        <a:effectLst/>
+                        <a:latin typeface="Aptos Narrow" panose="020B0004020202020204" pitchFamily="34" charset="0"/>
+                      </a:endParaRPr>
+                    </a:p>
+                  </a:txBody>
+                  <a:tcPr marL="13632" marR="13632" marT="13632" marB="0" anchor="b"/>
+                </a:tc>
+                <a:tc>
+                  <a:txBody>
+                    <a:bodyPr/>
+                    <a:lstStyle/>
+                    <a:p>
+                      <a:pPr algn="r" fontAlgn="b"/>
+                      <a:r>
+                        <a:rPr lang="en-US" sz="1700" u="none" strike="noStrike">
+                          <a:effectLst/>
+                        </a:rPr>
+                        <a:t>8.50</a:t>
+                      </a:r>
+                      <a:endParaRPr lang="en-US" sz="1700" b="0" i="0" u="none" strike="noStrike">
+                        <a:solidFill>
+                          <a:srgbClr val="000000"/>
+                        </a:solidFill>
+                        <a:effectLst/>
+                        <a:latin typeface="Aptos Narrow" panose="020B0004020202020204" pitchFamily="34" charset="0"/>
+                      </a:endParaRPr>
+                    </a:p>
+                  </a:txBody>
+                  <a:tcPr marL="13632" marR="13632" marT="13632" marB="0" anchor="b"/>
+                </a:tc>
+                <a:extLst>
+                  <a:ext uri="{0D108BD9-81ED-4DB2-BD59-A6C34878D82A}">
+                    <a16:rowId xmlns:a16="http://schemas.microsoft.com/office/drawing/2014/main" val="3093876945"/>
+                  </a:ext>
+                </a:extLst>
+              </a:tr>
+              <a:tr h="327710">
+                <a:tc>
+                  <a:txBody>
+                    <a:bodyPr/>
+                    <a:lstStyle/>
+                    <a:p>
+                      <a:pPr algn="r" fontAlgn="b"/>
+                      <a:r>
+                        <a:rPr lang="en-US" sz="1700" u="none" strike="noStrike">
+                          <a:effectLst/>
+                        </a:rPr>
+                        <a:t>1990</a:t>
+                      </a:r>
+                      <a:endParaRPr lang="en-US" sz="1700" b="0" i="0" u="none" strike="noStrike">
+                        <a:solidFill>
+                          <a:srgbClr val="000000"/>
+                        </a:solidFill>
+                        <a:effectLst/>
+                        <a:latin typeface="Aptos Narrow" panose="020B0004020202020204" pitchFamily="34" charset="0"/>
+                      </a:endParaRPr>
+                    </a:p>
+                  </a:txBody>
+                  <a:tcPr marL="13632" marR="13632" marT="13632" marB="0" anchor="b"/>
+                </a:tc>
+                <a:tc>
+                  <a:txBody>
+                    <a:bodyPr/>
+                    <a:lstStyle/>
+                    <a:p>
+                      <a:pPr algn="r" fontAlgn="b"/>
+                      <a:r>
+                        <a:rPr lang="en-US" sz="1700" u="none" strike="noStrike">
+                          <a:effectLst/>
+                        </a:rPr>
+                        <a:t>4.29</a:t>
+                      </a:r>
+                      <a:endParaRPr lang="en-US" sz="1700" b="0" i="0" u="none" strike="noStrike">
+                        <a:solidFill>
+                          <a:srgbClr val="000000"/>
+                        </a:solidFill>
+                        <a:effectLst/>
+                        <a:latin typeface="Aptos Narrow" panose="020B0004020202020204" pitchFamily="34" charset="0"/>
+                      </a:endParaRPr>
+                    </a:p>
+                  </a:txBody>
+                  <a:tcPr marL="13632" marR="13632" marT="13632" marB="0" anchor="b"/>
+                </a:tc>
+                <a:tc>
+                  <a:txBody>
+                    <a:bodyPr/>
+                    <a:lstStyle/>
+                    <a:p>
+                      <a:pPr algn="r" fontAlgn="b"/>
+                      <a:r>
+                        <a:rPr lang="en-US" sz="1700" u="none" strike="noStrike">
+                          <a:effectLst/>
+                        </a:rPr>
+                        <a:t>2005</a:t>
+                      </a:r>
+                      <a:endParaRPr lang="en-US" sz="1700" b="0" i="0" u="none" strike="noStrike">
+                        <a:solidFill>
+                          <a:srgbClr val="000000"/>
+                        </a:solidFill>
+                        <a:effectLst/>
+                        <a:latin typeface="Aptos Narrow" panose="020B0004020202020204" pitchFamily="34" charset="0"/>
+                      </a:endParaRPr>
+                    </a:p>
+                  </a:txBody>
+                  <a:tcPr marL="13632" marR="13632" marT="13632" marB="0" anchor="b"/>
+                </a:tc>
+                <a:tc>
+                  <a:txBody>
+                    <a:bodyPr/>
+                    <a:lstStyle/>
+                    <a:p>
+                      <a:pPr algn="r" fontAlgn="b"/>
+                      <a:r>
+                        <a:rPr lang="en-US" sz="1700" u="none" strike="noStrike">
+                          <a:effectLst/>
+                        </a:rPr>
+                        <a:t>8.95</a:t>
+                      </a:r>
+                      <a:endParaRPr lang="en-US" sz="1700" b="0" i="0" u="none" strike="noStrike">
+                        <a:solidFill>
+                          <a:srgbClr val="000000"/>
+                        </a:solidFill>
+                        <a:effectLst/>
+                        <a:latin typeface="Aptos Narrow" panose="020B0004020202020204" pitchFamily="34" charset="0"/>
+                      </a:endParaRPr>
+                    </a:p>
+                  </a:txBody>
+                  <a:tcPr marL="13632" marR="13632" marT="13632" marB="0" anchor="b"/>
+                </a:tc>
+                <a:extLst>
+                  <a:ext uri="{0D108BD9-81ED-4DB2-BD59-A6C34878D82A}">
+                    <a16:rowId xmlns:a16="http://schemas.microsoft.com/office/drawing/2014/main" val="166839111"/>
+                  </a:ext>
+                </a:extLst>
+              </a:tr>
+              <a:tr h="327710">
+                <a:tc>
+                  <a:txBody>
+                    <a:bodyPr/>
+                    <a:lstStyle/>
+                    <a:p>
+                      <a:pPr algn="r" fontAlgn="b"/>
+                      <a:r>
+                        <a:rPr lang="en-US" sz="1700" u="none" strike="noStrike">
+                          <a:effectLst/>
+                        </a:rPr>
+                        <a:t>1991</a:t>
+                      </a:r>
+                      <a:endParaRPr lang="en-US" sz="1700" b="0" i="0" u="none" strike="noStrike">
+                        <a:solidFill>
+                          <a:srgbClr val="000000"/>
+                        </a:solidFill>
+                        <a:effectLst/>
+                        <a:latin typeface="Aptos Narrow" panose="020B0004020202020204" pitchFamily="34" charset="0"/>
+                      </a:endParaRPr>
+                    </a:p>
+                  </a:txBody>
+                  <a:tcPr marL="13632" marR="13632" marT="13632" marB="0" anchor="b"/>
+                </a:tc>
+                <a:tc>
+                  <a:txBody>
+                    <a:bodyPr/>
+                    <a:lstStyle/>
+                    <a:p>
+                      <a:pPr algn="r" fontAlgn="b"/>
+                      <a:r>
+                        <a:rPr lang="en-US" sz="1700" u="none" strike="noStrike">
+                          <a:effectLst/>
+                        </a:rPr>
+                        <a:t>4.20</a:t>
+                      </a:r>
+                      <a:endParaRPr lang="en-US" sz="1700" b="0" i="0" u="none" strike="noStrike">
+                        <a:solidFill>
+                          <a:srgbClr val="000000"/>
+                        </a:solidFill>
+                        <a:effectLst/>
+                        <a:latin typeface="Aptos Narrow" panose="020B0004020202020204" pitchFamily="34" charset="0"/>
+                      </a:endParaRPr>
+                    </a:p>
+                  </a:txBody>
+                  <a:tcPr marL="13632" marR="13632" marT="13632" marB="0" anchor="b"/>
+                </a:tc>
+                <a:tc>
+                  <a:txBody>
+                    <a:bodyPr/>
+                    <a:lstStyle/>
+                    <a:p>
+                      <a:pPr algn="r" fontAlgn="b"/>
+                      <a:r>
+                        <a:rPr lang="en-US" sz="1700" u="none" strike="noStrike">
+                          <a:effectLst/>
+                        </a:rPr>
+                        <a:t>2006</a:t>
+                      </a:r>
+                      <a:endParaRPr lang="en-US" sz="1700" b="0" i="0" u="none" strike="noStrike">
+                        <a:solidFill>
+                          <a:srgbClr val="000000"/>
+                        </a:solidFill>
+                        <a:effectLst/>
+                        <a:latin typeface="Aptos Narrow" panose="020B0004020202020204" pitchFamily="34" charset="0"/>
+                      </a:endParaRPr>
+                    </a:p>
+                  </a:txBody>
+                  <a:tcPr marL="13632" marR="13632" marT="13632" marB="0" anchor="b"/>
+                </a:tc>
+                <a:tc>
+                  <a:txBody>
+                    <a:bodyPr/>
+                    <a:lstStyle/>
+                    <a:p>
+                      <a:pPr algn="r" fontAlgn="b"/>
+                      <a:r>
+                        <a:rPr lang="en-US" sz="1700" u="none" strike="noStrike">
+                          <a:effectLst/>
+                        </a:rPr>
+                        <a:t>9.39</a:t>
+                      </a:r>
+                      <a:endParaRPr lang="en-US" sz="1700" b="0" i="0" u="none" strike="noStrike">
+                        <a:solidFill>
+                          <a:srgbClr val="000000"/>
+                        </a:solidFill>
+                        <a:effectLst/>
+                        <a:latin typeface="Aptos Narrow" panose="020B0004020202020204" pitchFamily="34" charset="0"/>
+                      </a:endParaRPr>
+                    </a:p>
+                  </a:txBody>
+                  <a:tcPr marL="13632" marR="13632" marT="13632" marB="0" anchor="b"/>
+                </a:tc>
+                <a:extLst>
+                  <a:ext uri="{0D108BD9-81ED-4DB2-BD59-A6C34878D82A}">
+                    <a16:rowId xmlns:a16="http://schemas.microsoft.com/office/drawing/2014/main" val="851961932"/>
+                  </a:ext>
+                </a:extLst>
+              </a:tr>
+              <a:tr h="327710">
+                <a:tc>
+                  <a:txBody>
+                    <a:bodyPr/>
+                    <a:lstStyle/>
+                    <a:p>
+                      <a:pPr algn="r" fontAlgn="b"/>
+                      <a:r>
+                        <a:rPr lang="en-US" sz="1700" u="none" strike="noStrike">
+                          <a:effectLst/>
+                        </a:rPr>
+                        <a:t>1992</a:t>
+                      </a:r>
+                      <a:endParaRPr lang="en-US" sz="1700" b="0" i="0" u="none" strike="noStrike">
+                        <a:solidFill>
+                          <a:srgbClr val="000000"/>
+                        </a:solidFill>
+                        <a:effectLst/>
+                        <a:latin typeface="Aptos Narrow" panose="020B0004020202020204" pitchFamily="34" charset="0"/>
+                      </a:endParaRPr>
+                    </a:p>
+                  </a:txBody>
+                  <a:tcPr marL="13632" marR="13632" marT="13632" marB="0" anchor="b"/>
+                </a:tc>
+                <a:tc>
+                  <a:txBody>
+                    <a:bodyPr/>
+                    <a:lstStyle/>
+                    <a:p>
+                      <a:pPr algn="r" fontAlgn="b"/>
+                      <a:r>
+                        <a:rPr lang="en-US" sz="1700" u="none" strike="noStrike">
+                          <a:effectLst/>
+                        </a:rPr>
+                        <a:t>4.86</a:t>
+                      </a:r>
+                      <a:endParaRPr lang="en-US" sz="1700" b="0" i="0" u="none" strike="noStrike">
+                        <a:solidFill>
+                          <a:srgbClr val="000000"/>
+                        </a:solidFill>
+                        <a:effectLst/>
+                        <a:latin typeface="Aptos Narrow" panose="020B0004020202020204" pitchFamily="34" charset="0"/>
+                      </a:endParaRPr>
+                    </a:p>
+                  </a:txBody>
+                  <a:tcPr marL="13632" marR="13632" marT="13632" marB="0" anchor="b"/>
+                </a:tc>
+                <a:tc>
+                  <a:txBody>
+                    <a:bodyPr/>
+                    <a:lstStyle/>
+                    <a:p>
+                      <a:pPr algn="r" fontAlgn="b"/>
+                      <a:r>
+                        <a:rPr lang="en-US" sz="1700" u="none" strike="noStrike">
+                          <a:effectLst/>
+                        </a:rPr>
+                        <a:t>2007</a:t>
+                      </a:r>
+                      <a:endParaRPr lang="en-US" sz="1700" b="0" i="0" u="none" strike="noStrike">
+                        <a:solidFill>
+                          <a:srgbClr val="000000"/>
+                        </a:solidFill>
+                        <a:effectLst/>
+                        <a:latin typeface="Aptos Narrow" panose="020B0004020202020204" pitchFamily="34" charset="0"/>
+                      </a:endParaRPr>
+                    </a:p>
+                  </a:txBody>
+                  <a:tcPr marL="13632" marR="13632" marT="13632" marB="0" anchor="b"/>
+                </a:tc>
+                <a:tc>
+                  <a:txBody>
+                    <a:bodyPr/>
+                    <a:lstStyle/>
+                    <a:p>
+                      <a:pPr algn="r" fontAlgn="b"/>
+                      <a:r>
+                        <a:rPr lang="en-US" sz="1700" u="none" strike="noStrike">
+                          <a:effectLst/>
+                        </a:rPr>
+                        <a:t>9.78</a:t>
+                      </a:r>
+                      <a:endParaRPr lang="en-US" sz="1700" b="0" i="0" u="none" strike="noStrike">
+                        <a:solidFill>
+                          <a:srgbClr val="000000"/>
+                        </a:solidFill>
+                        <a:effectLst/>
+                        <a:latin typeface="Aptos Narrow" panose="020B0004020202020204" pitchFamily="34" charset="0"/>
+                      </a:endParaRPr>
+                    </a:p>
+                  </a:txBody>
+                  <a:tcPr marL="13632" marR="13632" marT="13632" marB="0" anchor="b"/>
+                </a:tc>
+                <a:extLst>
+                  <a:ext uri="{0D108BD9-81ED-4DB2-BD59-A6C34878D82A}">
+                    <a16:rowId xmlns:a16="http://schemas.microsoft.com/office/drawing/2014/main" val="3461411973"/>
+                  </a:ext>
+                </a:extLst>
+              </a:tr>
+              <a:tr h="327710">
+                <a:tc>
+                  <a:txBody>
+                    <a:bodyPr/>
+                    <a:lstStyle/>
+                    <a:p>
+                      <a:pPr algn="r" fontAlgn="b"/>
+                      <a:r>
+                        <a:rPr lang="en-US" sz="1700" u="none" strike="noStrike">
+                          <a:effectLst/>
+                        </a:rPr>
+                        <a:t>1993</a:t>
+                      </a:r>
+                      <a:endParaRPr lang="en-US" sz="1700" b="0" i="0" u="none" strike="noStrike">
+                        <a:solidFill>
+                          <a:srgbClr val="000000"/>
+                        </a:solidFill>
+                        <a:effectLst/>
+                        <a:latin typeface="Aptos Narrow" panose="020B0004020202020204" pitchFamily="34" charset="0"/>
+                      </a:endParaRPr>
+                    </a:p>
+                  </a:txBody>
+                  <a:tcPr marL="13632" marR="13632" marT="13632" marB="0" anchor="b"/>
+                </a:tc>
+                <a:tc>
+                  <a:txBody>
+                    <a:bodyPr/>
+                    <a:lstStyle/>
+                    <a:p>
+                      <a:pPr algn="r" fontAlgn="b"/>
+                      <a:r>
+                        <a:rPr lang="en-US" sz="1700" u="none" strike="noStrike">
+                          <a:effectLst/>
+                        </a:rPr>
+                        <a:t>5.11</a:t>
+                      </a:r>
+                      <a:endParaRPr lang="en-US" sz="1700" b="0" i="0" u="none" strike="noStrike">
+                        <a:solidFill>
+                          <a:srgbClr val="000000"/>
+                        </a:solidFill>
+                        <a:effectLst/>
+                        <a:latin typeface="Aptos Narrow" panose="020B0004020202020204" pitchFamily="34" charset="0"/>
+                      </a:endParaRPr>
+                    </a:p>
+                  </a:txBody>
+                  <a:tcPr marL="13632" marR="13632" marT="13632" marB="0" anchor="b"/>
+                </a:tc>
+                <a:tc>
+                  <a:txBody>
+                    <a:bodyPr/>
+                    <a:lstStyle/>
+                    <a:p>
+                      <a:pPr algn="r" fontAlgn="b"/>
+                      <a:r>
+                        <a:rPr lang="en-US" sz="1700" u="none" strike="noStrike">
+                          <a:effectLst/>
+                        </a:rPr>
+                        <a:t>2008</a:t>
+                      </a:r>
+                      <a:endParaRPr lang="en-US" sz="1700" b="0" i="0" u="none" strike="noStrike">
+                        <a:solidFill>
+                          <a:srgbClr val="000000"/>
+                        </a:solidFill>
+                        <a:effectLst/>
+                        <a:latin typeface="Aptos Narrow" panose="020B0004020202020204" pitchFamily="34" charset="0"/>
+                      </a:endParaRPr>
+                    </a:p>
+                  </a:txBody>
+                  <a:tcPr marL="13632" marR="13632" marT="13632" marB="0" anchor="b"/>
+                </a:tc>
+                <a:tc>
+                  <a:txBody>
+                    <a:bodyPr/>
+                    <a:lstStyle/>
+                    <a:p>
+                      <a:pPr algn="r" fontAlgn="b"/>
+                      <a:r>
+                        <a:rPr lang="en-US" sz="1700" u="none" strike="noStrike">
+                          <a:effectLst/>
+                        </a:rPr>
+                        <a:t>6.28</a:t>
+                      </a:r>
+                      <a:endParaRPr lang="en-US" sz="1700" b="0" i="0" u="none" strike="noStrike">
+                        <a:solidFill>
+                          <a:srgbClr val="000000"/>
+                        </a:solidFill>
+                        <a:effectLst/>
+                        <a:latin typeface="Aptos Narrow" panose="020B0004020202020204" pitchFamily="34" charset="0"/>
+                      </a:endParaRPr>
+                    </a:p>
+                  </a:txBody>
+                  <a:tcPr marL="13632" marR="13632" marT="13632" marB="0" anchor="b"/>
+                </a:tc>
+                <a:extLst>
+                  <a:ext uri="{0D108BD9-81ED-4DB2-BD59-A6C34878D82A}">
+                    <a16:rowId xmlns:a16="http://schemas.microsoft.com/office/drawing/2014/main" val="59698136"/>
+                  </a:ext>
+                </a:extLst>
+              </a:tr>
+              <a:tr h="327710">
+                <a:tc>
+                  <a:txBody>
+                    <a:bodyPr/>
+                    <a:lstStyle/>
+                    <a:p>
+                      <a:pPr algn="r" fontAlgn="b"/>
+                      <a:r>
+                        <a:rPr lang="en-US" sz="1700" u="none" strike="noStrike">
+                          <a:effectLst/>
+                        </a:rPr>
+                        <a:t>1994</a:t>
+                      </a:r>
+                      <a:endParaRPr lang="en-US" sz="1700" b="0" i="0" u="none" strike="noStrike">
+                        <a:solidFill>
+                          <a:srgbClr val="000000"/>
+                        </a:solidFill>
+                        <a:effectLst/>
+                        <a:latin typeface="Aptos Narrow" panose="020B0004020202020204" pitchFamily="34" charset="0"/>
+                      </a:endParaRPr>
+                    </a:p>
+                  </a:txBody>
+                  <a:tcPr marL="13632" marR="13632" marT="13632" marB="0" anchor="b"/>
+                </a:tc>
+                <a:tc>
+                  <a:txBody>
+                    <a:bodyPr/>
+                    <a:lstStyle/>
+                    <a:p>
+                      <a:pPr algn="r" fontAlgn="b"/>
+                      <a:r>
+                        <a:rPr lang="en-US" sz="1700" u="none" strike="noStrike">
+                          <a:effectLst/>
+                        </a:rPr>
+                        <a:t>5.42</a:t>
+                      </a:r>
+                      <a:endParaRPr lang="en-US" sz="1700" b="0" i="0" u="none" strike="noStrike">
+                        <a:solidFill>
+                          <a:srgbClr val="000000"/>
+                        </a:solidFill>
+                        <a:effectLst/>
+                        <a:latin typeface="Aptos Narrow" panose="020B0004020202020204" pitchFamily="34" charset="0"/>
+                      </a:endParaRPr>
+                    </a:p>
+                  </a:txBody>
+                  <a:tcPr marL="13632" marR="13632" marT="13632" marB="0" anchor="b"/>
+                </a:tc>
+                <a:tc>
+                  <a:txBody>
+                    <a:bodyPr/>
+                    <a:lstStyle/>
+                    <a:p>
+                      <a:pPr algn="r" fontAlgn="b"/>
+                      <a:r>
+                        <a:rPr lang="en-US" sz="1700" u="none" strike="noStrike">
+                          <a:effectLst/>
+                        </a:rPr>
+                        <a:t>2009</a:t>
+                      </a:r>
+                      <a:endParaRPr lang="en-US" sz="1700" b="0" i="0" u="none" strike="noStrike">
+                        <a:solidFill>
+                          <a:srgbClr val="000000"/>
+                        </a:solidFill>
+                        <a:effectLst/>
+                        <a:latin typeface="Aptos Narrow" panose="020B0004020202020204" pitchFamily="34" charset="0"/>
+                      </a:endParaRPr>
+                    </a:p>
+                  </a:txBody>
+                  <a:tcPr marL="13632" marR="13632" marT="13632" marB="0" anchor="b"/>
+                </a:tc>
+                <a:tc>
+                  <a:txBody>
+                    <a:bodyPr/>
+                    <a:lstStyle/>
+                    <a:p>
+                      <a:pPr algn="r" fontAlgn="b"/>
+                      <a:r>
+                        <a:rPr lang="en-US" sz="1700" u="none" strike="noStrike">
+                          <a:effectLst/>
+                        </a:rPr>
+                        <a:t>5.96</a:t>
+                      </a:r>
+                      <a:endParaRPr lang="en-US" sz="1700" b="0" i="0" u="none" strike="noStrike">
+                        <a:solidFill>
+                          <a:srgbClr val="000000"/>
+                        </a:solidFill>
+                        <a:effectLst/>
+                        <a:latin typeface="Aptos Narrow" panose="020B0004020202020204" pitchFamily="34" charset="0"/>
+                      </a:endParaRPr>
+                    </a:p>
+                  </a:txBody>
+                  <a:tcPr marL="13632" marR="13632" marT="13632" marB="0" anchor="b"/>
+                </a:tc>
+                <a:extLst>
+                  <a:ext uri="{0D108BD9-81ED-4DB2-BD59-A6C34878D82A}">
+                    <a16:rowId xmlns:a16="http://schemas.microsoft.com/office/drawing/2014/main" val="732610465"/>
+                  </a:ext>
+                </a:extLst>
+              </a:tr>
+              <a:tr h="327710">
+                <a:tc>
+                  <a:txBody>
+                    <a:bodyPr/>
+                    <a:lstStyle/>
+                    <a:p>
+                      <a:pPr algn="r" fontAlgn="b"/>
+                      <a:r>
+                        <a:rPr lang="en-US" sz="1700" u="none" strike="noStrike">
+                          <a:effectLst/>
+                        </a:rPr>
+                        <a:t>1995</a:t>
+                      </a:r>
+                      <a:endParaRPr lang="en-US" sz="1700" b="0" i="0" u="none" strike="noStrike">
+                        <a:solidFill>
+                          <a:srgbClr val="000000"/>
+                        </a:solidFill>
+                        <a:effectLst/>
+                        <a:latin typeface="Aptos Narrow" panose="020B0004020202020204" pitchFamily="34" charset="0"/>
+                      </a:endParaRPr>
+                    </a:p>
+                  </a:txBody>
+                  <a:tcPr marL="13632" marR="13632" marT="13632" marB="0" anchor="b"/>
+                </a:tc>
+                <a:tc>
+                  <a:txBody>
+                    <a:bodyPr/>
+                    <a:lstStyle/>
+                    <a:p>
+                      <a:pPr algn="r" fontAlgn="b"/>
+                      <a:r>
+                        <a:rPr lang="en-US" sz="1700" u="none" strike="noStrike">
+                          <a:effectLst/>
+                        </a:rPr>
+                        <a:t>5.87</a:t>
+                      </a:r>
+                      <a:endParaRPr lang="en-US" sz="1700" b="0" i="0" u="none" strike="noStrike">
+                        <a:solidFill>
+                          <a:srgbClr val="000000"/>
+                        </a:solidFill>
+                        <a:effectLst/>
+                        <a:latin typeface="Aptos Narrow" panose="020B0004020202020204" pitchFamily="34" charset="0"/>
+                      </a:endParaRPr>
+                    </a:p>
+                  </a:txBody>
+                  <a:tcPr marL="13632" marR="13632" marT="13632" marB="0" anchor="b"/>
+                </a:tc>
+                <a:tc>
+                  <a:txBody>
+                    <a:bodyPr/>
+                    <a:lstStyle/>
+                    <a:p>
+                      <a:pPr algn="r" fontAlgn="b"/>
+                      <a:r>
+                        <a:rPr lang="en-US" sz="1700" u="none" strike="noStrike">
+                          <a:effectLst/>
+                        </a:rPr>
+                        <a:t>2010</a:t>
+                      </a:r>
+                      <a:endParaRPr lang="en-US" sz="1700" b="0" i="0" u="none" strike="noStrike">
+                        <a:solidFill>
+                          <a:srgbClr val="000000"/>
+                        </a:solidFill>
+                        <a:effectLst/>
+                        <a:latin typeface="Aptos Narrow" panose="020B0004020202020204" pitchFamily="34" charset="0"/>
+                      </a:endParaRPr>
+                    </a:p>
+                  </a:txBody>
+                  <a:tcPr marL="13632" marR="13632" marT="13632" marB="0" anchor="b"/>
+                </a:tc>
+                <a:tc>
+                  <a:txBody>
+                    <a:bodyPr/>
+                    <a:lstStyle/>
+                    <a:p>
+                      <a:pPr algn="r" fontAlgn="b"/>
+                      <a:r>
+                        <a:rPr lang="en-US" sz="1700" u="none" strike="noStrike">
+                          <a:effectLst/>
+                        </a:rPr>
+                        <a:t>5.74</a:t>
+                      </a:r>
+                      <a:endParaRPr lang="en-US" sz="1700" b="0" i="0" u="none" strike="noStrike">
+                        <a:solidFill>
+                          <a:srgbClr val="000000"/>
+                        </a:solidFill>
+                        <a:effectLst/>
+                        <a:latin typeface="Aptos Narrow" panose="020B0004020202020204" pitchFamily="34" charset="0"/>
+                      </a:endParaRPr>
+                    </a:p>
+                  </a:txBody>
+                  <a:tcPr marL="13632" marR="13632" marT="13632" marB="0" anchor="b"/>
+                </a:tc>
+                <a:extLst>
+                  <a:ext uri="{0D108BD9-81ED-4DB2-BD59-A6C34878D82A}">
+                    <a16:rowId xmlns:a16="http://schemas.microsoft.com/office/drawing/2014/main" val="1184696039"/>
+                  </a:ext>
+                </a:extLst>
+              </a:tr>
+            </a:tbl>
+          </a:graphicData>
+        </a:graphic>
+      </p:graphicFrame>
+    </p:spTree>
+    <p:extLst>
+      <p:ext uri="{BB962C8B-B14F-4D97-AF65-F5344CB8AC3E}">
+        <p14:creationId xmlns:p14="http://schemas.microsoft.com/office/powerpoint/2010/main" val="2405895689"/>
+      </p:ext>
+    </p:extLst>
+  </p:cSld>
+  <p:clrMapOvr>
+    <a:masterClrMapping/>
+  </p:clrMapOvr>
+</p:sld>
+</file>
+
+<file path=ppt/slides/slide7.xml><?xml version="1.0" encoding="utf-8"?>
+<p:sld xmlns:a="http://schemas.openxmlformats.org/drawingml/2006/main" xmlns:r="http://schemas.openxmlformats.org/officeDocument/2006/relationships" xmlns:p="http://schemas.openxmlformats.org/presentationml/2006/main">
+  <p:cSld>
     <p:spTree>
       <p:nvGrpSpPr>
         <p:cNvPr id="1" name=""/>
@@ -4178,7 +9241,7 @@
 </p:sld>
 </file>
 
-<file path=ppt/slides/slide6.xml><?xml version="1.0" encoding="utf-8"?>
+<file path=ppt/slides/slide8.xml><?xml version="1.0" encoding="utf-8"?>
 <p:sld xmlns:a="http://schemas.openxmlformats.org/drawingml/2006/main" xmlns:r="http://schemas.openxmlformats.org/officeDocument/2006/relationships" xmlns:p="http://schemas.openxmlformats.org/presentationml/2006/main">
   <p:cSld>
     <p:spTree>
@@ -4274,7 +9337,7 @@
             </a:r>
             <a:r>
               <a:rPr lang="en-US" dirty="0"/>
-              <a:t> only 50% of the time (i.e. coin toss)</a:t>
+              <a:t> only 50% of the time (i.e., coin toss)</a:t>
             </a:r>
           </a:p>
           <a:p>
@@ -4304,7 +9367,7 @@
 </p:sld>
 </file>
 
-<file path=ppt/slides/slide7.xml><?xml version="1.0" encoding="utf-8"?>
+<file path=ppt/slides/slide9.xml><?xml version="1.0" encoding="utf-8"?>
 <p:sld xmlns:a="http://schemas.openxmlformats.org/drawingml/2006/main" xmlns:r="http://schemas.openxmlformats.org/officeDocument/2006/relationships" xmlns:p="http://schemas.openxmlformats.org/presentationml/2006/main">
   <p:cSld>
     <p:spTree>
@@ -4386,7 +9449,7 @@
           <a:p>
             <a:r>
               <a:rPr lang="en-US" dirty="0"/>
-              <a:t>Gradient boosting: Combines multiple weak models to create a strong predictive model, uses decision trees like random forests but it iteratively corrects errors so the trees aren’t independent. Allows assigning different weights to classes</a:t>
+              <a:t>Gradient boosting: Combines multiple weak models to create a strong predictive model, uses decision trees like random forests but it iteratively corrects errors, so the trees aren’t independent. Allows assigning different weights to classes</a:t>
             </a:r>
           </a:p>
           <a:p>
@@ -4401,260 +9464,6 @@
     <p:extLst>
       <p:ext uri="{BB962C8B-B14F-4D97-AF65-F5344CB8AC3E}">
         <p14:creationId xmlns:p14="http://schemas.microsoft.com/office/powerpoint/2010/main" val="2562375683"/>
-      </p:ext>
-    </p:extLst>
-  </p:cSld>
-  <p:clrMapOvr>
-    <a:masterClrMapping/>
-  </p:clrMapOvr>
-</p:sld>
-</file>
-
-<file path=ppt/slides/slide8.xml><?xml version="1.0" encoding="utf-8"?>
-<p:sld xmlns:a="http://schemas.openxmlformats.org/drawingml/2006/main" xmlns:r="http://schemas.openxmlformats.org/officeDocument/2006/relationships" xmlns:p="http://schemas.openxmlformats.org/presentationml/2006/main">
-  <p:cSld>
-    <p:spTree>
-      <p:nvGrpSpPr>
-        <p:cNvPr id="1" name=""/>
-        <p:cNvGrpSpPr/>
-        <p:nvPr/>
-      </p:nvGrpSpPr>
-      <p:grpSpPr>
-        <a:xfrm>
-          <a:off x="0" y="0"/>
-          <a:ext cx="0" cy="0"/>
-          <a:chOff x="0" y="0"/>
-          <a:chExt cx="0" cy="0"/>
-        </a:xfrm>
-      </p:grpSpPr>
-      <p:sp>
-        <p:nvSpPr>
-          <p:cNvPr id="2" name="Title 1">
-            <a:extLst>
-              <a:ext uri="{FF2B5EF4-FFF2-40B4-BE49-F238E27FC236}">
-                <a16:creationId xmlns:a16="http://schemas.microsoft.com/office/drawing/2014/main" id="{900C90E9-A450-2BD0-C87A-28E35FDA8452}"/>
-              </a:ext>
-            </a:extLst>
-          </p:cNvPr>
-          <p:cNvSpPr>
-            <a:spLocks noGrp="1"/>
-          </p:cNvSpPr>
-          <p:nvPr>
-            <p:ph type="title"/>
-          </p:nvPr>
-        </p:nvSpPr>
-        <p:spPr/>
-        <p:txBody>
-          <a:bodyPr/>
-          <a:lstStyle/>
-          <a:p>
-            <a:r>
-              <a:rPr lang="en-US" dirty="0"/>
-              <a:t>Gradient Boosting Model + SMOTE</a:t>
-            </a:r>
-          </a:p>
-        </p:txBody>
-      </p:sp>
-      <p:sp>
-        <p:nvSpPr>
-          <p:cNvPr id="3" name="Content Placeholder 2">
-            <a:extLst>
-              <a:ext uri="{FF2B5EF4-FFF2-40B4-BE49-F238E27FC236}">
-                <a16:creationId xmlns:a16="http://schemas.microsoft.com/office/drawing/2014/main" id="{FA035B3F-BE6A-3B3A-473B-96862EA55356}"/>
-              </a:ext>
-            </a:extLst>
-          </p:cNvPr>
-          <p:cNvSpPr>
-            <a:spLocks noGrp="1"/>
-          </p:cNvSpPr>
-          <p:nvPr>
-            <p:ph idx="1"/>
-          </p:nvPr>
-        </p:nvSpPr>
-        <p:spPr/>
-        <p:txBody>
-          <a:bodyPr/>
-          <a:lstStyle/>
-          <a:p>
-            <a:r>
-              <a:rPr lang="en-US" dirty="0"/>
-              <a:t>Gradient boosting model requires specifying hyperparameters</a:t>
-            </a:r>
-          </a:p>
-          <a:p>
-            <a:r>
-              <a:rPr lang="en-US" dirty="0"/>
-              <a:t>I do “hyperparameter tuning” to choose the best performing parameters from a set of options:</a:t>
-            </a:r>
-            <a:br>
-              <a:rPr lang="en-US" dirty="0"/>
-            </a:br>
-            <a:r>
-              <a:rPr lang="en-US" i="1" dirty="0"/>
-              <a:t>{'</a:t>
-            </a:r>
-            <a:r>
-              <a:rPr lang="en-US" i="1" dirty="0" err="1"/>
-              <a:t>learning_rate</a:t>
-            </a:r>
-            <a:r>
-              <a:rPr lang="en-US" i="1" dirty="0"/>
-              <a:t>': 0.1, '</a:t>
-            </a:r>
-            <a:r>
-              <a:rPr lang="en-US" i="1" dirty="0" err="1"/>
-              <a:t>max_depth</a:t>
-            </a:r>
-            <a:r>
-              <a:rPr lang="en-US" i="1" dirty="0"/>
-              <a:t>': 3, '</a:t>
-            </a:r>
-            <a:r>
-              <a:rPr lang="en-US" i="1" dirty="0" err="1"/>
-              <a:t>n_estimators</a:t>
-            </a:r>
-            <a:r>
-              <a:rPr lang="en-US" i="1" dirty="0"/>
-              <a:t>': 50}</a:t>
-            </a:r>
-          </a:p>
-          <a:p>
-            <a:r>
-              <a:rPr lang="en-US" dirty="0"/>
-              <a:t>I combine this model with SMOTE</a:t>
-            </a:r>
-          </a:p>
-          <a:p>
-            <a:r>
-              <a:rPr lang="en-US" dirty="0"/>
-              <a:t>Accuracy for </a:t>
-            </a:r>
-            <a:r>
-              <a:rPr lang="en-US" i="1" dirty="0"/>
-              <a:t>migration=1: </a:t>
-            </a:r>
-            <a:r>
-              <a:rPr lang="en-US" b="1" dirty="0"/>
-              <a:t>83% </a:t>
-            </a:r>
-            <a:r>
-              <a:rPr lang="en-US" dirty="0"/>
-              <a:t>(from 50% earlier)</a:t>
-            </a:r>
-          </a:p>
-          <a:p>
-            <a:r>
-              <a:rPr lang="en-US" dirty="0"/>
-              <a:t>Accuracy for </a:t>
-            </a:r>
-            <a:r>
-              <a:rPr lang="en-US" i="1" dirty="0"/>
-              <a:t>migration=0: </a:t>
-            </a:r>
-            <a:r>
-              <a:rPr lang="en-US" dirty="0"/>
-              <a:t>89% (from 99% earlier)</a:t>
-            </a:r>
-          </a:p>
-          <a:p>
-            <a:r>
-              <a:rPr lang="en-US" dirty="0"/>
-              <a:t>Performance improved for minority class but got worse for majority class</a:t>
-            </a:r>
-          </a:p>
-        </p:txBody>
-      </p:sp>
-    </p:spTree>
-    <p:extLst>
-      <p:ext uri="{BB962C8B-B14F-4D97-AF65-F5344CB8AC3E}">
-        <p14:creationId xmlns:p14="http://schemas.microsoft.com/office/powerpoint/2010/main" val="358266918"/>
-      </p:ext>
-    </p:extLst>
-  </p:cSld>
-  <p:clrMapOvr>
-    <a:masterClrMapping/>
-  </p:clrMapOvr>
-</p:sld>
-</file>
-
-<file path=ppt/slides/slide9.xml><?xml version="1.0" encoding="utf-8"?>
-<p:sld xmlns:a="http://schemas.openxmlformats.org/drawingml/2006/main" xmlns:r="http://schemas.openxmlformats.org/officeDocument/2006/relationships" xmlns:p="http://schemas.openxmlformats.org/presentationml/2006/main">
-  <p:cSld>
-    <p:spTree>
-      <p:nvGrpSpPr>
-        <p:cNvPr id="1" name=""/>
-        <p:cNvGrpSpPr/>
-        <p:nvPr/>
-      </p:nvGrpSpPr>
-      <p:grpSpPr>
-        <a:xfrm>
-          <a:off x="0" y="0"/>
-          <a:ext cx="0" cy="0"/>
-          <a:chOff x="0" y="0"/>
-          <a:chExt cx="0" cy="0"/>
-        </a:xfrm>
-      </p:grpSpPr>
-      <p:sp>
-        <p:nvSpPr>
-          <p:cNvPr id="2" name="Title 1">
-            <a:extLst>
-              <a:ext uri="{FF2B5EF4-FFF2-40B4-BE49-F238E27FC236}">
-                <a16:creationId xmlns:a16="http://schemas.microsoft.com/office/drawing/2014/main" id="{10A5B2C8-F173-47FD-9884-9410353F3355}"/>
-              </a:ext>
-            </a:extLst>
-          </p:cNvPr>
-          <p:cNvSpPr>
-            <a:spLocks noGrp="1"/>
-          </p:cNvSpPr>
-          <p:nvPr>
-            <p:ph type="title"/>
-          </p:nvPr>
-        </p:nvSpPr>
-        <p:spPr/>
-        <p:txBody>
-          <a:bodyPr/>
-          <a:lstStyle/>
-          <a:p>
-            <a:r>
-              <a:rPr lang="en-US" dirty="0"/>
-              <a:t>Gradient Boosting Model + SMOTE</a:t>
-            </a:r>
-          </a:p>
-        </p:txBody>
-      </p:sp>
-      <p:pic>
-        <p:nvPicPr>
-          <p:cNvPr id="5" name="Content Placeholder 4" descr="A chart with a blue and yellow box&#10;&#10;Description automatically generated with medium confidence">
-            <a:extLst>
-              <a:ext uri="{FF2B5EF4-FFF2-40B4-BE49-F238E27FC236}">
-                <a16:creationId xmlns:a16="http://schemas.microsoft.com/office/drawing/2014/main" id="{61E1C8B8-3907-E6A9-8A3B-8EDBAA332DAE}"/>
-              </a:ext>
-            </a:extLst>
-          </p:cNvPr>
-          <p:cNvPicPr>
-            <a:picLocks noGrp="1" noChangeAspect="1"/>
-          </p:cNvPicPr>
-          <p:nvPr>
-            <p:ph idx="1"/>
-          </p:nvPr>
-        </p:nvPicPr>
-        <p:blipFill>
-          <a:blip r:embed="rId2"/>
-          <a:stretch>
-            <a:fillRect/>
-          </a:stretch>
-        </p:blipFill>
-        <p:spPr>
-          <a:xfrm>
-            <a:off x="3165579" y="1568229"/>
-            <a:ext cx="5860841" cy="4924646"/>
-          </a:xfrm>
-        </p:spPr>
-      </p:pic>
-    </p:spTree>
-    <p:extLst>
-      <p:ext uri="{BB962C8B-B14F-4D97-AF65-F5344CB8AC3E}">
-        <p14:creationId xmlns:p14="http://schemas.microsoft.com/office/powerpoint/2010/main" val="562439206"/>
       </p:ext>
     </p:extLst>
   </p:cSld>
@@ -4957,4 +9766,319 @@
     </a:ext>
   </a:extLst>
 </a:theme>
+</file>
+
+<file path=ppt/theme/theme2.xml><?xml version="1.0" encoding="utf-8"?>
+<a:theme xmlns:a="http://schemas.openxmlformats.org/drawingml/2006/main" name="Office Theme">
+  <a:themeElements>
+    <a:clrScheme name="Office">
+      <a:dk1>
+        <a:sysClr val="windowText" lastClr="000000"/>
+      </a:dk1>
+      <a:lt1>
+        <a:sysClr val="window" lastClr="FFFFFF"/>
+      </a:lt1>
+      <a:dk2>
+        <a:srgbClr val="0E2841"/>
+      </a:dk2>
+      <a:lt2>
+        <a:srgbClr val="E8E8E8"/>
+      </a:lt2>
+      <a:accent1>
+        <a:srgbClr val="156082"/>
+      </a:accent1>
+      <a:accent2>
+        <a:srgbClr val="E97132"/>
+      </a:accent2>
+      <a:accent3>
+        <a:srgbClr val="196B24"/>
+      </a:accent3>
+      <a:accent4>
+        <a:srgbClr val="0F9ED5"/>
+      </a:accent4>
+      <a:accent5>
+        <a:srgbClr val="A02B93"/>
+      </a:accent5>
+      <a:accent6>
+        <a:srgbClr val="4EA72E"/>
+      </a:accent6>
+      <a:hlink>
+        <a:srgbClr val="467886"/>
+      </a:hlink>
+      <a:folHlink>
+        <a:srgbClr val="96607D"/>
+      </a:folHlink>
+    </a:clrScheme>
+    <a:fontScheme name="Office">
+      <a:majorFont>
+        <a:latin typeface="Aptos Display" panose="02110004020202020204"/>
+        <a:ea typeface=""/>
+        <a:cs typeface=""/>
+        <a:font script="Jpan" typeface="游ゴシック Light"/>
+        <a:font script="Hang" typeface="맑은 고딕"/>
+        <a:font script="Hans" typeface="等线 Light"/>
+        <a:font script="Hant" typeface="新細明體"/>
+        <a:font script="Arab" typeface="Times New Roman"/>
+        <a:font script="Hebr" typeface="Times New Roman"/>
+        <a:font script="Thai" typeface="Angsana New"/>
+        <a:font script="Ethi" typeface="Nyala"/>
+        <a:font script="Beng" typeface="Vrinda"/>
+        <a:font script="Gujr" typeface="Shruti"/>
+        <a:font script="Khmr" typeface="MoolBoran"/>
+        <a:font script="Knda" typeface="Tunga"/>
+        <a:font script="Guru" typeface="Raavi"/>
+        <a:font script="Cans" typeface="Euphemia"/>
+        <a:font script="Cher" typeface="Plantagenet Cherokee"/>
+        <a:font script="Yiii" typeface="Microsoft Yi Baiti"/>
+        <a:font script="Tibt" typeface="Microsoft Himalaya"/>
+        <a:font script="Thaa" typeface="MV Boli"/>
+        <a:font script="Deva" typeface="Mangal"/>
+        <a:font script="Telu" typeface="Gautami"/>
+        <a:font script="Taml" typeface="Latha"/>
+        <a:font script="Syrc" typeface="Estrangelo Edessa"/>
+        <a:font script="Orya" typeface="Kalinga"/>
+        <a:font script="Mlym" typeface="Kartika"/>
+        <a:font script="Laoo" typeface="DokChampa"/>
+        <a:font script="Sinh" typeface="Iskoola Pota"/>
+        <a:font script="Mong" typeface="Mongolian Baiti"/>
+        <a:font script="Viet" typeface="Times New Roman"/>
+        <a:font script="Uigh" typeface="Microsoft Uighur"/>
+        <a:font script="Geor" typeface="Sylfaen"/>
+        <a:font script="Armn" typeface="Arial"/>
+        <a:font script="Bugi" typeface="Leelawadee UI"/>
+        <a:font script="Bopo" typeface="Microsoft JhengHei"/>
+        <a:font script="Java" typeface="Javanese Text"/>
+        <a:font script="Lisu" typeface="Segoe UI"/>
+        <a:font script="Mymr" typeface="Myanmar Text"/>
+        <a:font script="Nkoo" typeface="Ebrima"/>
+        <a:font script="Olck" typeface="Nirmala UI"/>
+        <a:font script="Osma" typeface="Ebrima"/>
+        <a:font script="Phag" typeface="Phagspa"/>
+        <a:font script="Syrn" typeface="Estrangelo Edessa"/>
+        <a:font script="Syrj" typeface="Estrangelo Edessa"/>
+        <a:font script="Syre" typeface="Estrangelo Edessa"/>
+        <a:font script="Sora" typeface="Nirmala UI"/>
+        <a:font script="Tale" typeface="Microsoft Tai Le"/>
+        <a:font script="Talu" typeface="Microsoft New Tai Lue"/>
+        <a:font script="Tfng" typeface="Ebrima"/>
+      </a:majorFont>
+      <a:minorFont>
+        <a:latin typeface="Aptos" panose="02110004020202020204"/>
+        <a:ea typeface=""/>
+        <a:cs typeface=""/>
+        <a:font script="Jpan" typeface="游ゴシック"/>
+        <a:font script="Hang" typeface="맑은 고딕"/>
+        <a:font script="Hans" typeface="等线"/>
+        <a:font script="Hant" typeface="新細明體"/>
+        <a:font script="Arab" typeface="Arial"/>
+        <a:font script="Hebr" typeface="Arial"/>
+        <a:font script="Thai" typeface="Cordia New"/>
+        <a:font script="Ethi" typeface="Nyala"/>
+        <a:font script="Beng" typeface="Vrinda"/>
+        <a:font script="Gujr" typeface="Shruti"/>
+        <a:font script="Khmr" typeface="DaunPenh"/>
+        <a:font script="Knda" typeface="Tunga"/>
+        <a:font script="Guru" typeface="Raavi"/>
+        <a:font script="Cans" typeface="Euphemia"/>
+        <a:font script="Cher" typeface="Plantagenet Cherokee"/>
+        <a:font script="Yiii" typeface="Microsoft Yi Baiti"/>
+        <a:font script="Tibt" typeface="Microsoft Himalaya"/>
+        <a:font script="Thaa" typeface="MV Boli"/>
+        <a:font script="Deva" typeface="Mangal"/>
+        <a:font script="Telu" typeface="Gautami"/>
+        <a:font script="Taml" typeface="Latha"/>
+        <a:font script="Syrc" typeface="Estrangelo Edessa"/>
+        <a:font script="Orya" typeface="Kalinga"/>
+        <a:font script="Mlym" typeface="Kartika"/>
+        <a:font script="Laoo" typeface="DokChampa"/>
+        <a:font script="Sinh" typeface="Iskoola Pota"/>
+        <a:font script="Mong" typeface="Mongolian Baiti"/>
+        <a:font script="Viet" typeface="Arial"/>
+        <a:font script="Uigh" typeface="Microsoft Uighur"/>
+        <a:font script="Geor" typeface="Sylfaen"/>
+        <a:font script="Armn" typeface="Arial"/>
+        <a:font script="Bugi" typeface="Leelawadee UI"/>
+        <a:font script="Bopo" typeface="Microsoft JhengHei"/>
+        <a:font script="Java" typeface="Javanese Text"/>
+        <a:font script="Lisu" typeface="Segoe UI"/>
+        <a:font script="Mymr" typeface="Myanmar Text"/>
+        <a:font script="Nkoo" typeface="Ebrima"/>
+        <a:font script="Olck" typeface="Nirmala UI"/>
+        <a:font script="Osma" typeface="Ebrima"/>
+        <a:font script="Phag" typeface="Phagspa"/>
+        <a:font script="Syrn" typeface="Estrangelo Edessa"/>
+        <a:font script="Syrj" typeface="Estrangelo Edessa"/>
+        <a:font script="Syre" typeface="Estrangelo Edessa"/>
+        <a:font script="Sora" typeface="Nirmala UI"/>
+        <a:font script="Tale" typeface="Microsoft Tai Le"/>
+        <a:font script="Talu" typeface="Microsoft New Tai Lue"/>
+        <a:font script="Tfng" typeface="Ebrima"/>
+      </a:minorFont>
+    </a:fontScheme>
+    <a:fmtScheme name="Office">
+      <a:fillStyleLst>
+        <a:solidFill>
+          <a:schemeClr val="phClr"/>
+        </a:solidFill>
+        <a:gradFill rotWithShape="1">
+          <a:gsLst>
+            <a:gs pos="0">
+              <a:schemeClr val="phClr">
+                <a:lumMod val="110000"/>
+                <a:satMod val="105000"/>
+                <a:tint val="67000"/>
+              </a:schemeClr>
+            </a:gs>
+            <a:gs pos="50000">
+              <a:schemeClr val="phClr">
+                <a:lumMod val="105000"/>
+                <a:satMod val="103000"/>
+                <a:tint val="73000"/>
+              </a:schemeClr>
+            </a:gs>
+            <a:gs pos="100000">
+              <a:schemeClr val="phClr">
+                <a:lumMod val="105000"/>
+                <a:satMod val="109000"/>
+                <a:tint val="81000"/>
+              </a:schemeClr>
+            </a:gs>
+          </a:gsLst>
+          <a:lin ang="5400000" scaled="0"/>
+        </a:gradFill>
+        <a:gradFill rotWithShape="1">
+          <a:gsLst>
+            <a:gs pos="0">
+              <a:schemeClr val="phClr">
+                <a:satMod val="103000"/>
+                <a:lumMod val="102000"/>
+                <a:tint val="94000"/>
+              </a:schemeClr>
+            </a:gs>
+            <a:gs pos="50000">
+              <a:schemeClr val="phClr">
+                <a:satMod val="110000"/>
+                <a:lumMod val="100000"/>
+                <a:shade val="100000"/>
+              </a:schemeClr>
+            </a:gs>
+            <a:gs pos="100000">
+              <a:schemeClr val="phClr">
+                <a:lumMod val="99000"/>
+                <a:satMod val="120000"/>
+                <a:shade val="78000"/>
+              </a:schemeClr>
+            </a:gs>
+          </a:gsLst>
+          <a:lin ang="5400000" scaled="0"/>
+        </a:gradFill>
+      </a:fillStyleLst>
+      <a:lnStyleLst>
+        <a:ln w="12700" cap="flat" cmpd="sng" algn="ctr">
+          <a:solidFill>
+            <a:schemeClr val="phClr"/>
+          </a:solidFill>
+          <a:prstDash val="solid"/>
+          <a:miter lim="800000"/>
+        </a:ln>
+        <a:ln w="19050" cap="flat" cmpd="sng" algn="ctr">
+          <a:solidFill>
+            <a:schemeClr val="phClr"/>
+          </a:solidFill>
+          <a:prstDash val="solid"/>
+          <a:miter lim="800000"/>
+        </a:ln>
+        <a:ln w="25400" cap="flat" cmpd="sng" algn="ctr">
+          <a:solidFill>
+            <a:schemeClr val="phClr"/>
+          </a:solidFill>
+          <a:prstDash val="solid"/>
+          <a:miter lim="800000"/>
+        </a:ln>
+      </a:lnStyleLst>
+      <a:effectStyleLst>
+        <a:effectStyle>
+          <a:effectLst/>
+        </a:effectStyle>
+        <a:effectStyle>
+          <a:effectLst/>
+        </a:effectStyle>
+        <a:effectStyle>
+          <a:effectLst>
+            <a:outerShdw blurRad="57150" dist="19050" dir="5400000" algn="ctr" rotWithShape="0">
+              <a:srgbClr val="000000">
+                <a:alpha val="63000"/>
+              </a:srgbClr>
+            </a:outerShdw>
+          </a:effectLst>
+        </a:effectStyle>
+      </a:effectStyleLst>
+      <a:bgFillStyleLst>
+        <a:solidFill>
+          <a:schemeClr val="phClr"/>
+        </a:solidFill>
+        <a:solidFill>
+          <a:schemeClr val="phClr">
+            <a:tint val="95000"/>
+            <a:satMod val="170000"/>
+          </a:schemeClr>
+        </a:solidFill>
+        <a:gradFill rotWithShape="1">
+          <a:gsLst>
+            <a:gs pos="0">
+              <a:schemeClr val="phClr">
+                <a:tint val="93000"/>
+                <a:satMod val="150000"/>
+                <a:shade val="98000"/>
+                <a:lumMod val="102000"/>
+              </a:schemeClr>
+            </a:gs>
+            <a:gs pos="50000">
+              <a:schemeClr val="phClr">
+                <a:tint val="98000"/>
+                <a:satMod val="130000"/>
+                <a:shade val="90000"/>
+                <a:lumMod val="103000"/>
+              </a:schemeClr>
+            </a:gs>
+            <a:gs pos="100000">
+              <a:schemeClr val="phClr">
+                <a:shade val="63000"/>
+                <a:satMod val="120000"/>
+              </a:schemeClr>
+            </a:gs>
+          </a:gsLst>
+          <a:lin ang="5400000" scaled="0"/>
+        </a:gradFill>
+      </a:bgFillStyleLst>
+    </a:fmtScheme>
+  </a:themeElements>
+  <a:objectDefaults>
+    <a:lnDef>
+      <a:spPr/>
+      <a:bodyPr/>
+      <a:lstStyle/>
+      <a:style>
+        <a:lnRef idx="2">
+          <a:schemeClr val="accent1"/>
+        </a:lnRef>
+        <a:fillRef idx="0">
+          <a:schemeClr val="accent1"/>
+        </a:fillRef>
+        <a:effectRef idx="1">
+          <a:schemeClr val="accent1"/>
+        </a:effectRef>
+        <a:fontRef idx="minor">
+          <a:schemeClr val="tx1"/>
+        </a:fontRef>
+      </a:style>
+    </a:lnDef>
+  </a:objectDefaults>
+  <a:extraClrSchemeLst/>
+  <a:extLst>
+    <a:ext uri="{05A4C25C-085E-4340-85A3-A5531E510DB2}">
+      <thm15:themeFamily xmlns:thm15="http://schemas.microsoft.com/office/thememl/2012/main" name="Office Theme" id="{2E142A2C-CD16-42D6-873A-C26D2A0506FA}" vid="{1BDDFF52-6CD6-40A5-AB3C-68EB2F1E4D0A}"/>
+    </a:ext>
+  </a:extLst>
+</a:theme>
 </file>